--- a/_Tae Jung Kim_ - Final Project - Static Website (Course 1).pptx
+++ b/_Tae Jung Kim_ - Final Project - Static Website (Course 1).pptx
@@ -38,7 +38,7 @@
     <p:sldId id="286" r:id="rId33"/>
   </p:sldIdLst>
   <p:sldSz cx="9144000" cy="5143500"/>
-  <p:notesSz cx="6858000" cy="9144000"/>
+  <p:notesSz cx="7559675" cy="10691813"/>
 </p:presentation>
 </file>
 
@@ -73,7 +73,7 @@
         <p:txBody>
           <a:bodyPr/>
           <a:p>
-            <a:fld id="{802610FB-35FE-4F59-84AB-D75DCAA66246}" type="slidenum">
+            <a:fld id="{AA85B2D3-7163-44BE-979E-42D76A09B761}" type="slidenum">
               <a:t>&lt;#&gt;</a:t>
             </a:fld>
           </a:p>
@@ -114,7 +114,7 @@
         <p:spPr>
           <a:xfrm>
             <a:off x="311760" y="744480"/>
-            <a:ext cx="8520120" cy="2052360"/>
+            <a:ext cx="8519760" cy="2052000"/>
           </a:xfrm>
           <a:prstGeom prst="rect">
             <a:avLst/>
@@ -129,10 +129,10 @@
             <a:noAutofit/>
           </a:bodyPr>
           <a:p>
-            <a:endParaRPr b="0" lang="en-US" sz="1400" spc="-1" strike="noStrike">
-              <a:solidFill>
-                <a:srgbClr val="000000"/>
-              </a:solidFill>
+            <a:pPr algn="ctr">
+              <a:buNone/>
+            </a:pPr>
+            <a:endParaRPr b="0" lang="en-US" sz="4400" spc="-1" strike="noStrike">
               <a:latin typeface="Arial"/>
             </a:endParaRPr>
           </a:p>
@@ -166,10 +166,7 @@
             <a:normAutofit/>
           </a:bodyPr>
           <a:p>
-            <a:endParaRPr b="0" lang="en-US" sz="1400" spc="-1" strike="noStrike">
-              <a:solidFill>
-                <a:srgbClr val="000000"/>
-              </a:solidFill>
+            <a:endParaRPr b="0" lang="en-US" sz="3200" spc="-1" strike="noStrike">
               <a:latin typeface="Arial"/>
             </a:endParaRPr>
           </a:p>
@@ -203,10 +200,7 @@
             <a:normAutofit/>
           </a:bodyPr>
           <a:p>
-            <a:endParaRPr b="0" lang="en-US" sz="1400" spc="-1" strike="noStrike">
-              <a:solidFill>
-                <a:srgbClr val="000000"/>
-              </a:solidFill>
+            <a:endParaRPr b="0" lang="en-US" sz="3200" spc="-1" strike="noStrike">
               <a:latin typeface="Arial"/>
             </a:endParaRPr>
           </a:p>
@@ -226,7 +220,7 @@
         <p:txBody>
           <a:bodyPr/>
           <a:p>
-            <a:fld id="{66FCE98C-52A5-49A5-A4B0-CD0366A993E4}" type="slidenum">
+            <a:fld id="{F41775FD-279B-4EA3-8D55-7CECC8D5D7AC}" type="slidenum">
               <a:t>&lt;#&gt;</a:t>
             </a:fld>
           </a:p>
@@ -267,7 +261,7 @@
         <p:spPr>
           <a:xfrm>
             <a:off x="311760" y="744480"/>
-            <a:ext cx="8520120" cy="2052360"/>
+            <a:ext cx="8519760" cy="2052000"/>
           </a:xfrm>
           <a:prstGeom prst="rect">
             <a:avLst/>
@@ -282,10 +276,10 @@
             <a:noAutofit/>
           </a:bodyPr>
           <a:p>
-            <a:endParaRPr b="0" lang="en-US" sz="1400" spc="-1" strike="noStrike">
-              <a:solidFill>
-                <a:srgbClr val="000000"/>
-              </a:solidFill>
+            <a:pPr algn="ctr">
+              <a:buNone/>
+            </a:pPr>
+            <a:endParaRPr b="0" lang="en-US" sz="4400" spc="-1" strike="noStrike">
               <a:latin typeface="Arial"/>
             </a:endParaRPr>
           </a:p>
@@ -319,10 +313,7 @@
             <a:normAutofit/>
           </a:bodyPr>
           <a:p>
-            <a:endParaRPr b="0" lang="en-US" sz="1400" spc="-1" strike="noStrike">
-              <a:solidFill>
-                <a:srgbClr val="000000"/>
-              </a:solidFill>
+            <a:endParaRPr b="0" lang="en-US" sz="3200" spc="-1" strike="noStrike">
               <a:latin typeface="Arial"/>
             </a:endParaRPr>
           </a:p>
@@ -356,10 +347,7 @@
             <a:normAutofit/>
           </a:bodyPr>
           <a:p>
-            <a:endParaRPr b="0" lang="en-US" sz="1400" spc="-1" strike="noStrike">
-              <a:solidFill>
-                <a:srgbClr val="000000"/>
-              </a:solidFill>
+            <a:endParaRPr b="0" lang="en-US" sz="3200" spc="-1" strike="noStrike">
               <a:latin typeface="Arial"/>
             </a:endParaRPr>
           </a:p>
@@ -393,10 +381,7 @@
             <a:normAutofit/>
           </a:bodyPr>
           <a:p>
-            <a:endParaRPr b="0" lang="en-US" sz="1400" spc="-1" strike="noStrike">
-              <a:solidFill>
-                <a:srgbClr val="000000"/>
-              </a:solidFill>
+            <a:endParaRPr b="0" lang="en-US" sz="3200" spc="-1" strike="noStrike">
               <a:latin typeface="Arial"/>
             </a:endParaRPr>
           </a:p>
@@ -430,10 +415,7 @@
             <a:normAutofit/>
           </a:bodyPr>
           <a:p>
-            <a:endParaRPr b="0" lang="en-US" sz="1400" spc="-1" strike="noStrike">
-              <a:solidFill>
-                <a:srgbClr val="000000"/>
-              </a:solidFill>
+            <a:endParaRPr b="0" lang="en-US" sz="3200" spc="-1" strike="noStrike">
               <a:latin typeface="Arial"/>
             </a:endParaRPr>
           </a:p>
@@ -453,7 +435,7 @@
         <p:txBody>
           <a:bodyPr/>
           <a:p>
-            <a:fld id="{83823116-FE79-4C31-A5FB-891E4655F8F9}" type="slidenum">
+            <a:fld id="{A7EEFC8E-C240-419F-80C7-413BD24CCD89}" type="slidenum">
               <a:t>&lt;#&gt;</a:t>
             </a:fld>
           </a:p>
@@ -494,7 +476,7 @@
         <p:spPr>
           <a:xfrm>
             <a:off x="311760" y="744480"/>
-            <a:ext cx="8520120" cy="2052360"/>
+            <a:ext cx="8519760" cy="2052000"/>
           </a:xfrm>
           <a:prstGeom prst="rect">
             <a:avLst/>
@@ -509,10 +491,10 @@
             <a:noAutofit/>
           </a:bodyPr>
           <a:p>
-            <a:endParaRPr b="0" lang="en-US" sz="1400" spc="-1" strike="noStrike">
-              <a:solidFill>
-                <a:srgbClr val="000000"/>
-              </a:solidFill>
+            <a:pPr algn="ctr">
+              <a:buNone/>
+            </a:pPr>
+            <a:endParaRPr b="0" lang="en-US" sz="4400" spc="-1" strike="noStrike">
               <a:latin typeface="Arial"/>
             </a:endParaRPr>
           </a:p>
@@ -546,10 +528,7 @@
             <a:normAutofit/>
           </a:bodyPr>
           <a:p>
-            <a:endParaRPr b="0" lang="en-US" sz="1400" spc="-1" strike="noStrike">
-              <a:solidFill>
-                <a:srgbClr val="000000"/>
-              </a:solidFill>
+            <a:endParaRPr b="0" lang="en-US" sz="3200" spc="-1" strike="noStrike">
               <a:latin typeface="Arial"/>
             </a:endParaRPr>
           </a:p>
@@ -583,10 +562,7 @@
             <a:normAutofit/>
           </a:bodyPr>
           <a:p>
-            <a:endParaRPr b="0" lang="en-US" sz="1400" spc="-1" strike="noStrike">
-              <a:solidFill>
-                <a:srgbClr val="000000"/>
-              </a:solidFill>
+            <a:endParaRPr b="0" lang="en-US" sz="3200" spc="-1" strike="noStrike">
               <a:latin typeface="Arial"/>
             </a:endParaRPr>
           </a:p>
@@ -620,10 +596,7 @@
             <a:normAutofit/>
           </a:bodyPr>
           <a:p>
-            <a:endParaRPr b="0" lang="en-US" sz="1400" spc="-1" strike="noStrike">
-              <a:solidFill>
-                <a:srgbClr val="000000"/>
-              </a:solidFill>
+            <a:endParaRPr b="0" lang="en-US" sz="3200" spc="-1" strike="noStrike">
               <a:latin typeface="Arial"/>
             </a:endParaRPr>
           </a:p>
@@ -657,10 +630,7 @@
             <a:normAutofit/>
           </a:bodyPr>
           <a:p>
-            <a:endParaRPr b="0" lang="en-US" sz="1400" spc="-1" strike="noStrike">
-              <a:solidFill>
-                <a:srgbClr val="000000"/>
-              </a:solidFill>
+            <a:endParaRPr b="0" lang="en-US" sz="3200" spc="-1" strike="noStrike">
               <a:latin typeface="Arial"/>
             </a:endParaRPr>
           </a:p>
@@ -694,10 +664,7 @@
             <a:normAutofit/>
           </a:bodyPr>
           <a:p>
-            <a:endParaRPr b="0" lang="en-US" sz="1400" spc="-1" strike="noStrike">
-              <a:solidFill>
-                <a:srgbClr val="000000"/>
-              </a:solidFill>
+            <a:endParaRPr b="0" lang="en-US" sz="3200" spc="-1" strike="noStrike">
               <a:latin typeface="Arial"/>
             </a:endParaRPr>
           </a:p>
@@ -731,10 +698,7 @@
             <a:normAutofit/>
           </a:bodyPr>
           <a:p>
-            <a:endParaRPr b="0" lang="en-US" sz="1400" spc="-1" strike="noStrike">
-              <a:solidFill>
-                <a:srgbClr val="000000"/>
-              </a:solidFill>
+            <a:endParaRPr b="0" lang="en-US" sz="3200" spc="-1" strike="noStrike">
               <a:latin typeface="Arial"/>
             </a:endParaRPr>
           </a:p>
@@ -754,7 +718,7 @@
         <p:txBody>
           <a:bodyPr/>
           <a:p>
-            <a:fld id="{3680D2FD-FD68-4008-9D4F-F2EE78F809C0}" type="slidenum">
+            <a:fld id="{63093626-19DD-40A6-A95B-F3E82AF52B08}" type="slidenum">
               <a:t>&lt;#&gt;</a:t>
             </a:fld>
           </a:p>
@@ -795,7 +759,7 @@
         <p:spPr>
           <a:xfrm>
             <a:off x="311760" y="744480"/>
-            <a:ext cx="8520120" cy="2052360"/>
+            <a:ext cx="8519760" cy="2052000"/>
           </a:xfrm>
           <a:prstGeom prst="rect">
             <a:avLst/>
@@ -810,10 +774,10 @@
             <a:noAutofit/>
           </a:bodyPr>
           <a:p>
-            <a:endParaRPr b="0" lang="en-US" sz="1400" spc="-1" strike="noStrike">
-              <a:solidFill>
-                <a:srgbClr val="000000"/>
-              </a:solidFill>
+            <a:pPr algn="ctr">
+              <a:buNone/>
+            </a:pPr>
+            <a:endParaRPr b="0" lang="en-US" sz="4400" spc="-1" strike="noStrike">
               <a:latin typeface="Arial"/>
             </a:endParaRPr>
           </a:p>
@@ -870,7 +834,7 @@
         <p:txBody>
           <a:bodyPr/>
           <a:p>
-            <a:fld id="{735E056F-2E49-459E-9243-5423D8803EFC}" type="slidenum">
+            <a:fld id="{BC82904A-3CED-4BCE-9B00-7C7980A5D9DE}" type="slidenum">
               <a:t>&lt;#&gt;</a:t>
             </a:fld>
           </a:p>
@@ -911,7 +875,7 @@
         <p:spPr>
           <a:xfrm>
             <a:off x="311760" y="744480"/>
-            <a:ext cx="8520120" cy="2052360"/>
+            <a:ext cx="8519760" cy="2052000"/>
           </a:xfrm>
           <a:prstGeom prst="rect">
             <a:avLst/>
@@ -926,10 +890,10 @@
             <a:noAutofit/>
           </a:bodyPr>
           <a:p>
-            <a:endParaRPr b="0" lang="en-US" sz="1400" spc="-1" strike="noStrike">
-              <a:solidFill>
-                <a:srgbClr val="000000"/>
-              </a:solidFill>
+            <a:pPr algn="ctr">
+              <a:buNone/>
+            </a:pPr>
+            <a:endParaRPr b="0" lang="en-US" sz="4400" spc="-1" strike="noStrike">
               <a:latin typeface="Arial"/>
             </a:endParaRPr>
           </a:p>
@@ -963,10 +927,7 @@
             <a:normAutofit/>
           </a:bodyPr>
           <a:p>
-            <a:endParaRPr b="0" lang="en-US" sz="1400" spc="-1" strike="noStrike">
-              <a:solidFill>
-                <a:srgbClr val="000000"/>
-              </a:solidFill>
+            <a:endParaRPr b="0" lang="en-US" sz="3200" spc="-1" strike="noStrike">
               <a:latin typeface="Arial"/>
             </a:endParaRPr>
           </a:p>
@@ -986,7 +947,7 @@
         <p:txBody>
           <a:bodyPr/>
           <a:p>
-            <a:fld id="{42D7E096-0DF0-4873-BE35-440D24DC5A8A}" type="slidenum">
+            <a:fld id="{D2AAB667-BD3A-4839-8D58-6C2A76CC81F5}" type="slidenum">
               <a:t>&lt;#&gt;</a:t>
             </a:fld>
           </a:p>
@@ -1027,7 +988,7 @@
         <p:spPr>
           <a:xfrm>
             <a:off x="311760" y="744480"/>
-            <a:ext cx="8520120" cy="2052360"/>
+            <a:ext cx="8519760" cy="2052000"/>
           </a:xfrm>
           <a:prstGeom prst="rect">
             <a:avLst/>
@@ -1042,10 +1003,10 @@
             <a:noAutofit/>
           </a:bodyPr>
           <a:p>
-            <a:endParaRPr b="0" lang="en-US" sz="1400" spc="-1" strike="noStrike">
-              <a:solidFill>
-                <a:srgbClr val="000000"/>
-              </a:solidFill>
+            <a:pPr algn="ctr">
+              <a:buNone/>
+            </a:pPr>
+            <a:endParaRPr b="0" lang="en-US" sz="4400" spc="-1" strike="noStrike">
               <a:latin typeface="Arial"/>
             </a:endParaRPr>
           </a:p>
@@ -1079,10 +1040,7 @@
             <a:normAutofit/>
           </a:bodyPr>
           <a:p>
-            <a:endParaRPr b="0" lang="en-US" sz="1400" spc="-1" strike="noStrike">
-              <a:solidFill>
-                <a:srgbClr val="000000"/>
-              </a:solidFill>
+            <a:endParaRPr b="0" lang="en-US" sz="3200" spc="-1" strike="noStrike">
               <a:latin typeface="Arial"/>
             </a:endParaRPr>
           </a:p>
@@ -1116,10 +1074,7 @@
             <a:normAutofit/>
           </a:bodyPr>
           <a:p>
-            <a:endParaRPr b="0" lang="en-US" sz="1400" spc="-1" strike="noStrike">
-              <a:solidFill>
-                <a:srgbClr val="000000"/>
-              </a:solidFill>
+            <a:endParaRPr b="0" lang="en-US" sz="3200" spc="-1" strike="noStrike">
               <a:latin typeface="Arial"/>
             </a:endParaRPr>
           </a:p>
@@ -1139,7 +1094,7 @@
         <p:txBody>
           <a:bodyPr/>
           <a:p>
-            <a:fld id="{D4D5D2C2-94CA-4246-A74F-05CF45C7D870}" type="slidenum">
+            <a:fld id="{47E838E3-F007-4664-8F63-00D2AD9EAAD8}" type="slidenum">
               <a:t>&lt;#&gt;</a:t>
             </a:fld>
           </a:p>
@@ -1180,7 +1135,7 @@
         <p:spPr>
           <a:xfrm>
             <a:off x="311760" y="744480"/>
-            <a:ext cx="8520120" cy="2052360"/>
+            <a:ext cx="8519760" cy="2052000"/>
           </a:xfrm>
           <a:prstGeom prst="rect">
             <a:avLst/>
@@ -1195,10 +1150,10 @@
             <a:noAutofit/>
           </a:bodyPr>
           <a:p>
-            <a:endParaRPr b="0" lang="en-US" sz="1400" spc="-1" strike="noStrike">
-              <a:solidFill>
-                <a:srgbClr val="000000"/>
-              </a:solidFill>
+            <a:pPr algn="ctr">
+              <a:buNone/>
+            </a:pPr>
+            <a:endParaRPr b="0" lang="en-US" sz="4400" spc="-1" strike="noStrike">
               <a:latin typeface="Arial"/>
             </a:endParaRPr>
           </a:p>
@@ -1218,7 +1173,7 @@
         <p:txBody>
           <a:bodyPr/>
           <a:p>
-            <a:fld id="{B60AB52D-C536-4601-AB75-99D2232CAB76}" type="slidenum">
+            <a:fld id="{D5CFB083-2F54-4D4B-9D17-8929E204C0CC}" type="slidenum">
               <a:t>&lt;#&gt;</a:t>
             </a:fld>
           </a:p>
@@ -1259,7 +1214,7 @@
         <p:spPr>
           <a:xfrm>
             <a:off x="311760" y="744480"/>
-            <a:ext cx="8520120" cy="9514800"/>
+            <a:ext cx="8519760" cy="9513000"/>
           </a:xfrm>
           <a:prstGeom prst="rect">
             <a:avLst/>
@@ -1297,7 +1252,7 @@
         <p:txBody>
           <a:bodyPr/>
           <a:p>
-            <a:fld id="{F4D5ED11-0629-40F1-B7EB-1DE525FE011E}" type="slidenum">
+            <a:fld id="{F7C7CD15-71F5-4E58-8FB9-CEE96E9AA371}" type="slidenum">
               <a:t>&lt;#&gt;</a:t>
             </a:fld>
           </a:p>
@@ -1338,7 +1293,7 @@
         <p:spPr>
           <a:xfrm>
             <a:off x="311760" y="744480"/>
-            <a:ext cx="8520120" cy="2052360"/>
+            <a:ext cx="8519760" cy="2052000"/>
           </a:xfrm>
           <a:prstGeom prst="rect">
             <a:avLst/>
@@ -1353,10 +1308,10 @@
             <a:noAutofit/>
           </a:bodyPr>
           <a:p>
-            <a:endParaRPr b="0" lang="en-US" sz="1400" spc="-1" strike="noStrike">
-              <a:solidFill>
-                <a:srgbClr val="000000"/>
-              </a:solidFill>
+            <a:pPr algn="ctr">
+              <a:buNone/>
+            </a:pPr>
+            <a:endParaRPr b="0" lang="en-US" sz="4400" spc="-1" strike="noStrike">
               <a:latin typeface="Arial"/>
             </a:endParaRPr>
           </a:p>
@@ -1390,10 +1345,7 @@
             <a:normAutofit/>
           </a:bodyPr>
           <a:p>
-            <a:endParaRPr b="0" lang="en-US" sz="1400" spc="-1" strike="noStrike">
-              <a:solidFill>
-                <a:srgbClr val="000000"/>
-              </a:solidFill>
+            <a:endParaRPr b="0" lang="en-US" sz="3200" spc="-1" strike="noStrike">
               <a:latin typeface="Arial"/>
             </a:endParaRPr>
           </a:p>
@@ -1427,10 +1379,7 @@
             <a:normAutofit/>
           </a:bodyPr>
           <a:p>
-            <a:endParaRPr b="0" lang="en-US" sz="1400" spc="-1" strike="noStrike">
-              <a:solidFill>
-                <a:srgbClr val="000000"/>
-              </a:solidFill>
+            <a:endParaRPr b="0" lang="en-US" sz="3200" spc="-1" strike="noStrike">
               <a:latin typeface="Arial"/>
             </a:endParaRPr>
           </a:p>
@@ -1464,10 +1413,7 @@
             <a:normAutofit/>
           </a:bodyPr>
           <a:p>
-            <a:endParaRPr b="0" lang="en-US" sz="1400" spc="-1" strike="noStrike">
-              <a:solidFill>
-                <a:srgbClr val="000000"/>
-              </a:solidFill>
+            <a:endParaRPr b="0" lang="en-US" sz="3200" spc="-1" strike="noStrike">
               <a:latin typeface="Arial"/>
             </a:endParaRPr>
           </a:p>
@@ -1487,7 +1433,7 @@
         <p:txBody>
           <a:bodyPr/>
           <a:p>
-            <a:fld id="{7F9251B9-02AD-49A3-A6F7-0E7A7F368AC2}" type="slidenum">
+            <a:fld id="{6CF2D1C0-BBF8-4DCD-AEBA-D83D370F9B08}" type="slidenum">
               <a:t>&lt;#&gt;</a:t>
             </a:fld>
           </a:p>
@@ -1528,7 +1474,7 @@
         <p:spPr>
           <a:xfrm>
             <a:off x="311760" y="744480"/>
-            <a:ext cx="8520120" cy="2052360"/>
+            <a:ext cx="8519760" cy="2052000"/>
           </a:xfrm>
           <a:prstGeom prst="rect">
             <a:avLst/>
@@ -1543,10 +1489,10 @@
             <a:noAutofit/>
           </a:bodyPr>
           <a:p>
-            <a:endParaRPr b="0" lang="en-US" sz="1400" spc="-1" strike="noStrike">
-              <a:solidFill>
-                <a:srgbClr val="000000"/>
-              </a:solidFill>
+            <a:pPr algn="ctr">
+              <a:buNone/>
+            </a:pPr>
+            <a:endParaRPr b="0" lang="en-US" sz="4400" spc="-1" strike="noStrike">
               <a:latin typeface="Arial"/>
             </a:endParaRPr>
           </a:p>
@@ -1580,10 +1526,7 @@
             <a:normAutofit/>
           </a:bodyPr>
           <a:p>
-            <a:endParaRPr b="0" lang="en-US" sz="1400" spc="-1" strike="noStrike">
-              <a:solidFill>
-                <a:srgbClr val="000000"/>
-              </a:solidFill>
+            <a:endParaRPr b="0" lang="en-US" sz="3200" spc="-1" strike="noStrike">
               <a:latin typeface="Arial"/>
             </a:endParaRPr>
           </a:p>
@@ -1617,10 +1560,7 @@
             <a:normAutofit/>
           </a:bodyPr>
           <a:p>
-            <a:endParaRPr b="0" lang="en-US" sz="1400" spc="-1" strike="noStrike">
-              <a:solidFill>
-                <a:srgbClr val="000000"/>
-              </a:solidFill>
+            <a:endParaRPr b="0" lang="en-US" sz="3200" spc="-1" strike="noStrike">
               <a:latin typeface="Arial"/>
             </a:endParaRPr>
           </a:p>
@@ -1654,10 +1594,7 @@
             <a:normAutofit/>
           </a:bodyPr>
           <a:p>
-            <a:endParaRPr b="0" lang="en-US" sz="1400" spc="-1" strike="noStrike">
-              <a:solidFill>
-                <a:srgbClr val="000000"/>
-              </a:solidFill>
+            <a:endParaRPr b="0" lang="en-US" sz="3200" spc="-1" strike="noStrike">
               <a:latin typeface="Arial"/>
             </a:endParaRPr>
           </a:p>
@@ -1677,7 +1614,7 @@
         <p:txBody>
           <a:bodyPr/>
           <a:p>
-            <a:fld id="{C57E903A-82E5-4B57-8AC1-CEF47EAF5325}" type="slidenum">
+            <a:fld id="{3D133393-DBFC-4C57-A816-DA054E7CF1FA}" type="slidenum">
               <a:t>&lt;#&gt;</a:t>
             </a:fld>
           </a:p>
@@ -1718,7 +1655,7 @@
         <p:spPr>
           <a:xfrm>
             <a:off x="311760" y="744480"/>
-            <a:ext cx="8520120" cy="2052360"/>
+            <a:ext cx="8519760" cy="2052000"/>
           </a:xfrm>
           <a:prstGeom prst="rect">
             <a:avLst/>
@@ -1733,10 +1670,10 @@
             <a:noAutofit/>
           </a:bodyPr>
           <a:p>
-            <a:endParaRPr b="0" lang="en-US" sz="1400" spc="-1" strike="noStrike">
-              <a:solidFill>
-                <a:srgbClr val="000000"/>
-              </a:solidFill>
+            <a:pPr algn="ctr">
+              <a:buNone/>
+            </a:pPr>
+            <a:endParaRPr b="0" lang="en-US" sz="4400" spc="-1" strike="noStrike">
               <a:latin typeface="Arial"/>
             </a:endParaRPr>
           </a:p>
@@ -1770,10 +1707,7 @@
             <a:normAutofit/>
           </a:bodyPr>
           <a:p>
-            <a:endParaRPr b="0" lang="en-US" sz="1400" spc="-1" strike="noStrike">
-              <a:solidFill>
-                <a:srgbClr val="000000"/>
-              </a:solidFill>
+            <a:endParaRPr b="0" lang="en-US" sz="3200" spc="-1" strike="noStrike">
               <a:latin typeface="Arial"/>
             </a:endParaRPr>
           </a:p>
@@ -1807,10 +1741,7 @@
             <a:normAutofit/>
           </a:bodyPr>
           <a:p>
-            <a:endParaRPr b="0" lang="en-US" sz="1400" spc="-1" strike="noStrike">
-              <a:solidFill>
-                <a:srgbClr val="000000"/>
-              </a:solidFill>
+            <a:endParaRPr b="0" lang="en-US" sz="3200" spc="-1" strike="noStrike">
               <a:latin typeface="Arial"/>
             </a:endParaRPr>
           </a:p>
@@ -1844,10 +1775,7 @@
             <a:normAutofit/>
           </a:bodyPr>
           <a:p>
-            <a:endParaRPr b="0" lang="en-US" sz="1400" spc="-1" strike="noStrike">
-              <a:solidFill>
-                <a:srgbClr val="000000"/>
-              </a:solidFill>
+            <a:endParaRPr b="0" lang="en-US" sz="3200" spc="-1" strike="noStrike">
               <a:latin typeface="Arial"/>
             </a:endParaRPr>
           </a:p>
@@ -1867,7 +1795,7 @@
         <p:txBody>
           <a:bodyPr/>
           <a:p>
-            <a:fld id="{BF54C214-5774-4263-9259-D51873670239}" type="slidenum">
+            <a:fld id="{C89BB0F1-A0D4-4F4F-A0B3-B91A1C2C73B4}" type="slidenum">
               <a:t>&lt;#&gt;</a:t>
             </a:fld>
           </a:p>
@@ -1915,34 +1843,28 @@
         <p:spPr>
           <a:xfrm>
             <a:off x="311760" y="744480"/>
-            <a:ext cx="8520120" cy="2052360"/>
-          </a:xfrm>
-          <a:prstGeom prst="rect">
-            <a:avLst/>
-          </a:prstGeom>
-          <a:noFill/>
-          <a:ln w="0">
-            <a:noFill/>
-          </a:ln>
-        </p:spPr>
-        <p:txBody>
-          <a:bodyPr tIns="91440" bIns="91440" anchor="b">
-            <a:normAutofit/>
-          </a:bodyPr>
-          <a:p>
-            <a:r>
-              <a:rPr b="0" lang="en-US" sz="5200" spc="-1" strike="noStrike">
-                <a:solidFill>
-                  <a:srgbClr val="000000"/>
-                </a:solidFill>
+            <a:ext cx="8519760" cy="2052000"/>
+          </a:xfrm>
+          <a:prstGeom prst="rect">
+            <a:avLst/>
+          </a:prstGeom>
+          <a:noFill/>
+          <a:ln w="0">
+            <a:noFill/>
+          </a:ln>
+        </p:spPr>
+        <p:txBody>
+          <a:bodyPr lIns="0" rIns="0" tIns="0" bIns="0" anchor="ctr">
+            <a:noAutofit/>
+          </a:bodyPr>
+          <a:p>
+            <a:r>
+              <a:rPr b="0" lang="en-US" sz="1800" spc="-1" strike="noStrike">
                 <a:latin typeface="Arial"/>
               </a:rPr>
               <a:t>Click to edit the title text format</a:t>
             </a:r>
-            <a:endParaRPr b="0" lang="en-US" sz="5200" spc="-1" strike="noStrike">
-              <a:solidFill>
-                <a:srgbClr val="000000"/>
-              </a:solidFill>
+            <a:endParaRPr b="0" lang="en-US" sz="1800" spc="-1" strike="noStrike">
               <a:latin typeface="Arial"/>
             </a:endParaRPr>
           </a:p>
@@ -1961,19 +1883,19 @@
         <p:spPr>
           <a:xfrm>
             <a:off x="8472600" y="4663080"/>
-            <a:ext cx="548280" cy="393120"/>
-          </a:xfrm>
-          <a:prstGeom prst="rect">
-            <a:avLst/>
-          </a:prstGeom>
-          <a:noFill/>
-          <a:ln w="0">
-            <a:noFill/>
-          </a:ln>
-        </p:spPr>
-        <p:txBody>
-          <a:bodyPr tIns="91440" bIns="91440" anchor="ctr">
-            <a:normAutofit/>
+            <a:ext cx="547920" cy="392760"/>
+          </a:xfrm>
+          <a:prstGeom prst="rect">
+            <a:avLst/>
+          </a:prstGeom>
+          <a:noFill/>
+          <a:ln w="0">
+            <a:noFill/>
+          </a:ln>
+        </p:spPr>
+        <p:txBody>
+          <a:bodyPr lIns="90000" rIns="90000" tIns="91440" bIns="91440" anchor="ctr">
+            <a:noAutofit/>
           </a:bodyPr>
           <a:lstStyle>
             <a:lvl1pPr algn="r">
@@ -2003,7 +1925,7 @@
                 <a:tab algn="l" pos="0"/>
               </a:tabLst>
             </a:pPr>
-            <a:fld id="{C3EB3DB9-6F01-4AF9-A765-33253D23330D}" type="slidenum">
+            <a:fld id="{AFA23D6F-F84B-4FB4-9E2B-2228B7EA90FE}" type="slidenum">
               <a:rPr b="0" lang="en-GB" sz="1000" spc="-1" strike="noStrike">
                 <a:solidFill>
                   <a:srgbClr val="595959"/>
@@ -2059,18 +1981,12 @@
               <a:buChar char=""/>
             </a:pPr>
             <a:r>
-              <a:rPr b="0" lang="en-US" sz="1400" spc="-1" strike="noStrike">
-                <a:solidFill>
-                  <a:srgbClr val="000000"/>
-                </a:solidFill>
+              <a:rPr b="0" lang="en-US" sz="3200" spc="-1" strike="noStrike">
                 <a:latin typeface="Arial"/>
               </a:rPr>
               <a:t>Click to edit the outline text format</a:t>
             </a:r>
-            <a:endParaRPr b="0" lang="en-US" sz="1400" spc="-1" strike="noStrike">
-              <a:solidFill>
-                <a:srgbClr val="000000"/>
-              </a:solidFill>
+            <a:endParaRPr b="0" lang="en-US" sz="3200" spc="-1" strike="noStrike">
               <a:latin typeface="Arial"/>
             </a:endParaRPr>
           </a:p>
@@ -2087,18 +2003,12 @@
               <a:buChar char=""/>
             </a:pPr>
             <a:r>
-              <a:rPr b="0" lang="en-US" sz="1400" spc="-1" strike="noStrike">
-                <a:solidFill>
-                  <a:srgbClr val="000000"/>
-                </a:solidFill>
+              <a:rPr b="0" lang="en-US" sz="2800" spc="-1" strike="noStrike">
                 <a:latin typeface="Arial"/>
               </a:rPr>
               <a:t>Second Outline Level</a:t>
             </a:r>
-            <a:endParaRPr b="0" lang="en-US" sz="1400" spc="-1" strike="noStrike">
-              <a:solidFill>
-                <a:srgbClr val="000000"/>
-              </a:solidFill>
+            <a:endParaRPr b="0" lang="en-US" sz="2800" spc="-1" strike="noStrike">
               <a:latin typeface="Arial"/>
             </a:endParaRPr>
           </a:p>
@@ -2115,18 +2025,12 @@
               <a:buChar char=""/>
             </a:pPr>
             <a:r>
-              <a:rPr b="0" lang="en-US" sz="1400" spc="-1" strike="noStrike">
-                <a:solidFill>
-                  <a:srgbClr val="000000"/>
-                </a:solidFill>
+              <a:rPr b="0" lang="en-US" sz="2400" spc="-1" strike="noStrike">
                 <a:latin typeface="Arial"/>
               </a:rPr>
               <a:t>Third Outline Level</a:t>
             </a:r>
-            <a:endParaRPr b="0" lang="en-US" sz="1400" spc="-1" strike="noStrike">
-              <a:solidFill>
-                <a:srgbClr val="000000"/>
-              </a:solidFill>
+            <a:endParaRPr b="0" lang="en-US" sz="2400" spc="-1" strike="noStrike">
               <a:latin typeface="Arial"/>
             </a:endParaRPr>
           </a:p>
@@ -2143,18 +2047,12 @@
               <a:buChar char=""/>
             </a:pPr>
             <a:r>
-              <a:rPr b="0" lang="en-US" sz="1400" spc="-1" strike="noStrike">
-                <a:solidFill>
-                  <a:srgbClr val="000000"/>
-                </a:solidFill>
+              <a:rPr b="0" lang="en-US" sz="2000" spc="-1" strike="noStrike">
                 <a:latin typeface="Arial"/>
               </a:rPr>
               <a:t>Fourth Outline Level</a:t>
             </a:r>
-            <a:endParaRPr b="0" lang="en-US" sz="1400" spc="-1" strike="noStrike">
-              <a:solidFill>
-                <a:srgbClr val="000000"/>
-              </a:solidFill>
+            <a:endParaRPr b="0" lang="en-US" sz="2000" spc="-1" strike="noStrike">
               <a:latin typeface="Arial"/>
             </a:endParaRPr>
           </a:p>
@@ -2172,17 +2070,11 @@
             </a:pPr>
             <a:r>
               <a:rPr b="0" lang="en-US" sz="2000" spc="-1" strike="noStrike">
-                <a:solidFill>
-                  <a:srgbClr val="000000"/>
-                </a:solidFill>
                 <a:latin typeface="Arial"/>
               </a:rPr>
               <a:t>Fifth Outline Level</a:t>
             </a:r>
             <a:endParaRPr b="0" lang="en-US" sz="2000" spc="-1" strike="noStrike">
-              <a:solidFill>
-                <a:srgbClr val="000000"/>
-              </a:solidFill>
               <a:latin typeface="Arial"/>
             </a:endParaRPr>
           </a:p>
@@ -2200,17 +2092,11 @@
             </a:pPr>
             <a:r>
               <a:rPr b="0" lang="en-US" sz="2000" spc="-1" strike="noStrike">
-                <a:solidFill>
-                  <a:srgbClr val="000000"/>
-                </a:solidFill>
                 <a:latin typeface="Arial"/>
               </a:rPr>
               <a:t>Sixth Outline Level</a:t>
             </a:r>
             <a:endParaRPr b="0" lang="en-US" sz="2000" spc="-1" strike="noStrike">
-              <a:solidFill>
-                <a:srgbClr val="000000"/>
-              </a:solidFill>
               <a:latin typeface="Arial"/>
             </a:endParaRPr>
           </a:p>
@@ -2228,17 +2114,11 @@
             </a:pPr>
             <a:r>
               <a:rPr b="0" lang="en-US" sz="2000" spc="-1" strike="noStrike">
-                <a:solidFill>
-                  <a:srgbClr val="000000"/>
-                </a:solidFill>
                 <a:latin typeface="Arial"/>
               </a:rPr>
               <a:t>Seventh Outline Level</a:t>
             </a:r>
             <a:endParaRPr b="0" lang="en-US" sz="2000" spc="-1" strike="noStrike">
-              <a:solidFill>
-                <a:srgbClr val="000000"/>
-              </a:solidFill>
               <a:latin typeface="Arial"/>
             </a:endParaRPr>
           </a:p>
@@ -2290,24 +2170,24 @@
         <p:spPr>
           <a:xfrm>
             <a:off x="157680" y="2664360"/>
-            <a:ext cx="8827920" cy="399960"/>
-          </a:xfrm>
-          <a:prstGeom prst="rect">
-            <a:avLst/>
-          </a:prstGeom>
-          <a:noFill/>
-          <a:ln w="0">
-            <a:noFill/>
-          </a:ln>
-        </p:spPr>
-        <p:style>
-          <a:lnRef idx="0"/>
-          <a:fillRef idx="0"/>
-          <a:effectRef idx="0"/>
-          <a:fontRef idx="minor"/>
-        </p:style>
-        <p:txBody>
-          <a:bodyPr anchor="t">
+            <a:ext cx="8827560" cy="399600"/>
+          </a:xfrm>
+          <a:prstGeom prst="rect">
+            <a:avLst/>
+          </a:prstGeom>
+          <a:noFill/>
+          <a:ln w="0">
+            <a:noFill/>
+          </a:ln>
+        </p:spPr>
+        <p:style>
+          <a:lnRef idx="0"/>
+          <a:fillRef idx="0"/>
+          <a:effectRef idx="0"/>
+          <a:fontRef idx="minor"/>
+        </p:style>
+        <p:txBody>
+          <a:bodyPr lIns="90000" rIns="90000" tIns="45000" bIns="45000" anchor="t">
             <a:normAutofit fontScale="99000"/>
           </a:bodyPr>
           <a:p>
@@ -2345,24 +2225,24 @@
         <p:spPr>
           <a:xfrm>
             <a:off x="157680" y="1210680"/>
-            <a:ext cx="8827920" cy="508320"/>
-          </a:xfrm>
-          <a:prstGeom prst="rect">
-            <a:avLst/>
-          </a:prstGeom>
-          <a:noFill/>
-          <a:ln w="0">
-            <a:noFill/>
-          </a:ln>
-        </p:spPr>
-        <p:style>
-          <a:lnRef idx="0"/>
-          <a:fillRef idx="0"/>
-          <a:effectRef idx="0"/>
-          <a:fontRef idx="minor"/>
-        </p:style>
-        <p:txBody>
-          <a:bodyPr anchor="t">
+            <a:ext cx="8827560" cy="507960"/>
+          </a:xfrm>
+          <a:prstGeom prst="rect">
+            <a:avLst/>
+          </a:prstGeom>
+          <a:noFill/>
+          <a:ln w="0">
+            <a:noFill/>
+          </a:ln>
+        </p:spPr>
+        <p:style>
+          <a:lnRef idx="0"/>
+          <a:fillRef idx="0"/>
+          <a:effectRef idx="0"/>
+          <a:fontRef idx="minor"/>
+        </p:style>
+        <p:txBody>
+          <a:bodyPr lIns="90000" rIns="90000" tIns="45000" bIns="45000" anchor="t">
             <a:noAutofit/>
           </a:bodyPr>
           <a:p>
@@ -2400,24 +2280,24 @@
         <p:spPr>
           <a:xfrm>
             <a:off x="157680" y="1719360"/>
-            <a:ext cx="8827920" cy="508320"/>
-          </a:xfrm>
-          <a:prstGeom prst="rect">
-            <a:avLst/>
-          </a:prstGeom>
-          <a:noFill/>
-          <a:ln w="0">
-            <a:noFill/>
-          </a:ln>
-        </p:spPr>
-        <p:style>
-          <a:lnRef idx="0"/>
-          <a:fillRef idx="0"/>
-          <a:effectRef idx="0"/>
-          <a:fontRef idx="minor"/>
-        </p:style>
-        <p:txBody>
-          <a:bodyPr anchor="t">
+            <a:ext cx="8827560" cy="507960"/>
+          </a:xfrm>
+          <a:prstGeom prst="rect">
+            <a:avLst/>
+          </a:prstGeom>
+          <a:noFill/>
+          <a:ln w="0">
+            <a:noFill/>
+          </a:ln>
+        </p:spPr>
+        <p:style>
+          <a:lnRef idx="0"/>
+          <a:fillRef idx="0"/>
+          <a:effectRef idx="0"/>
+          <a:fontRef idx="minor"/>
+        </p:style>
+        <p:txBody>
+          <a:bodyPr lIns="90000" rIns="90000" tIns="45000" bIns="45000" anchor="t">
             <a:noAutofit/>
           </a:bodyPr>
           <a:p>
@@ -2455,24 +2335,24 @@
         <p:spPr>
           <a:xfrm>
             <a:off x="157680" y="3064680"/>
-            <a:ext cx="8827920" cy="1064160"/>
-          </a:xfrm>
-          <a:prstGeom prst="rect">
-            <a:avLst/>
-          </a:prstGeom>
-          <a:noFill/>
-          <a:ln w="0">
-            <a:noFill/>
-          </a:ln>
-        </p:spPr>
-        <p:style>
-          <a:lnRef idx="0"/>
-          <a:fillRef idx="0"/>
-          <a:effectRef idx="0"/>
-          <a:fontRef idx="minor"/>
-        </p:style>
-        <p:txBody>
-          <a:bodyPr anchor="t">
+            <a:ext cx="8827560" cy="1063800"/>
+          </a:xfrm>
+          <a:prstGeom prst="rect">
+            <a:avLst/>
+          </a:prstGeom>
+          <a:noFill/>
+          <a:ln w="0">
+            <a:noFill/>
+          </a:ln>
+        </p:spPr>
+        <p:style>
+          <a:lnRef idx="0"/>
+          <a:fillRef idx="0"/>
+          <a:effectRef idx="0"/>
+          <a:fontRef idx="minor"/>
+        </p:style>
+        <p:txBody>
+          <a:bodyPr lIns="90000" rIns="90000" tIns="45000" bIns="45000" anchor="t">
             <a:noAutofit/>
           </a:bodyPr>
           <a:p>
@@ -2540,25 +2420,25 @@
         <p:spPr>
           <a:xfrm>
             <a:off x="123480" y="940320"/>
-            <a:ext cx="3150720" cy="230760"/>
-          </a:xfrm>
-          <a:prstGeom prst="rect">
-            <a:avLst/>
-          </a:prstGeom>
-          <a:noFill/>
-          <a:ln w="0">
-            <a:noFill/>
-          </a:ln>
-        </p:spPr>
-        <p:style>
-          <a:lnRef idx="0"/>
-          <a:fillRef idx="0"/>
-          <a:effectRef idx="0"/>
-          <a:fontRef idx="minor"/>
-        </p:style>
-        <p:txBody>
-          <a:bodyPr anchor="t">
-            <a:normAutofit fontScale="94000"/>
+            <a:ext cx="3150360" cy="230400"/>
+          </a:xfrm>
+          <a:prstGeom prst="rect">
+            <a:avLst/>
+          </a:prstGeom>
+          <a:noFill/>
+          <a:ln w="0">
+            <a:noFill/>
+          </a:ln>
+        </p:spPr>
+        <p:style>
+          <a:lnRef idx="0"/>
+          <a:fillRef idx="0"/>
+          <a:effectRef idx="0"/>
+          <a:fontRef idx="minor"/>
+        </p:style>
+        <p:txBody>
+          <a:bodyPr lIns="90000" rIns="90000" tIns="45000" bIns="45000" anchor="t">
+            <a:normAutofit fontScale="95000"/>
           </a:bodyPr>
           <a:p>
             <a:pPr>
@@ -2595,7 +2475,7 @@
         <p:spPr>
           <a:xfrm>
             <a:off x="3397680" y="1510200"/>
-            <a:ext cx="5289120" cy="3213360"/>
+            <a:ext cx="5288760" cy="3213000"/>
           </a:xfrm>
           <a:prstGeom prst="rect">
             <a:avLst/>
@@ -2616,7 +2496,7 @@
           <a:fontRef idx="minor"/>
         </p:style>
         <p:txBody>
-          <a:bodyPr tIns="91440" bIns="91440" anchor="ctr">
+          <a:bodyPr lIns="90000" rIns="90000" tIns="91440" bIns="91440" anchor="ctr">
             <a:noAutofit/>
           </a:bodyPr>
           <a:p>
@@ -2691,24 +2571,24 @@
         <p:spPr>
           <a:xfrm>
             <a:off x="1820160" y="335880"/>
-            <a:ext cx="5506920" cy="326160"/>
-          </a:xfrm>
-          <a:prstGeom prst="rect">
-            <a:avLst/>
-          </a:prstGeom>
-          <a:noFill/>
-          <a:ln w="0">
-            <a:noFill/>
-          </a:ln>
-        </p:spPr>
-        <p:style>
-          <a:lnRef idx="0"/>
-          <a:fillRef idx="0"/>
-          <a:effectRef idx="0"/>
-          <a:fontRef idx="minor"/>
-        </p:style>
-        <p:txBody>
-          <a:bodyPr anchor="t">
+            <a:ext cx="5506560" cy="325800"/>
+          </a:xfrm>
+          <a:prstGeom prst="rect">
+            <a:avLst/>
+          </a:prstGeom>
+          <a:noFill/>
+          <a:ln w="0">
+            <a:noFill/>
+          </a:ln>
+        </p:spPr>
+        <p:style>
+          <a:lnRef idx="0"/>
+          <a:fillRef idx="0"/>
+          <a:effectRef idx="0"/>
+          <a:fontRef idx="minor"/>
+        </p:style>
+        <p:txBody>
+          <a:bodyPr lIns="90000" rIns="90000" tIns="45000" bIns="45000" anchor="t">
             <a:noAutofit/>
           </a:bodyPr>
           <a:p>
@@ -2746,24 +2626,24 @@
         <p:spPr>
           <a:xfrm>
             <a:off x="1820160" y="111960"/>
-            <a:ext cx="5506920" cy="223560"/>
-          </a:xfrm>
-          <a:prstGeom prst="rect">
-            <a:avLst/>
-          </a:prstGeom>
-          <a:noFill/>
-          <a:ln w="0">
-            <a:noFill/>
-          </a:ln>
-        </p:spPr>
-        <p:style>
-          <a:lnRef idx="0"/>
-          <a:fillRef idx="0"/>
-          <a:effectRef idx="0"/>
-          <a:fontRef idx="minor"/>
-        </p:style>
-        <p:txBody>
-          <a:bodyPr anchor="t">
+            <a:ext cx="5506560" cy="223200"/>
+          </a:xfrm>
+          <a:prstGeom prst="rect">
+            <a:avLst/>
+          </a:prstGeom>
+          <a:noFill/>
+          <a:ln w="0">
+            <a:noFill/>
+          </a:ln>
+        </p:spPr>
+        <p:style>
+          <a:lnRef idx="0"/>
+          <a:fillRef idx="0"/>
+          <a:effectRef idx="0"/>
+          <a:fontRef idx="minor"/>
+        </p:style>
+        <p:txBody>
+          <a:bodyPr lIns="90000" rIns="90000" tIns="45000" bIns="45000" anchor="t">
             <a:noAutofit/>
           </a:bodyPr>
           <a:p>
@@ -2801,24 +2681,24 @@
         <p:spPr>
           <a:xfrm>
             <a:off x="1820160" y="717120"/>
-            <a:ext cx="5506920" cy="411120"/>
-          </a:xfrm>
-          <a:prstGeom prst="rect">
-            <a:avLst/>
-          </a:prstGeom>
-          <a:noFill/>
-          <a:ln w="0">
-            <a:noFill/>
-          </a:ln>
-        </p:spPr>
-        <p:style>
-          <a:lnRef idx="0"/>
-          <a:fillRef idx="0"/>
-          <a:effectRef idx="0"/>
-          <a:fontRef idx="minor"/>
-        </p:style>
-        <p:txBody>
-          <a:bodyPr anchor="t">
+            <a:ext cx="5506560" cy="410760"/>
+          </a:xfrm>
+          <a:prstGeom prst="rect">
+            <a:avLst/>
+          </a:prstGeom>
+          <a:noFill/>
+          <a:ln w="0">
+            <a:noFill/>
+          </a:ln>
+        </p:spPr>
+        <p:style>
+          <a:lnRef idx="0"/>
+          <a:fillRef idx="0"/>
+          <a:effectRef idx="0"/>
+          <a:fontRef idx="minor"/>
+        </p:style>
+        <p:txBody>
+          <a:bodyPr lIns="90000" rIns="90000" tIns="45000" bIns="45000" anchor="t">
             <a:noAutofit/>
           </a:bodyPr>
           <a:p>
@@ -2856,24 +2736,24 @@
         <p:spPr>
           <a:xfrm>
             <a:off x="123480" y="1175760"/>
-            <a:ext cx="3150720" cy="2966760"/>
-          </a:xfrm>
-          <a:prstGeom prst="rect">
-            <a:avLst/>
-          </a:prstGeom>
-          <a:noFill/>
-          <a:ln w="0">
-            <a:noFill/>
-          </a:ln>
-        </p:spPr>
-        <p:style>
-          <a:lnRef idx="0"/>
-          <a:fillRef idx="0"/>
-          <a:effectRef idx="0"/>
-          <a:fontRef idx="minor"/>
-        </p:style>
-        <p:txBody>
-          <a:bodyPr anchor="t">
+            <a:ext cx="3150360" cy="2966400"/>
+          </a:xfrm>
+          <a:prstGeom prst="rect">
+            <a:avLst/>
+          </a:prstGeom>
+          <a:noFill/>
+          <a:ln w="0">
+            <a:noFill/>
+          </a:ln>
+        </p:spPr>
+        <p:style>
+          <a:lnRef idx="0"/>
+          <a:fillRef idx="0"/>
+          <a:effectRef idx="0"/>
+          <a:fontRef idx="minor"/>
+        </p:style>
+        <p:txBody>
+          <a:bodyPr lIns="90000" rIns="90000" tIns="45000" bIns="45000" anchor="t">
             <a:normAutofit/>
           </a:bodyPr>
           <a:p>
@@ -2997,25 +2877,25 @@
         <p:spPr>
           <a:xfrm>
             <a:off x="123480" y="940320"/>
-            <a:ext cx="3150720" cy="230760"/>
-          </a:xfrm>
-          <a:prstGeom prst="rect">
-            <a:avLst/>
-          </a:prstGeom>
-          <a:noFill/>
-          <a:ln w="0">
-            <a:noFill/>
-          </a:ln>
-        </p:spPr>
-        <p:style>
-          <a:lnRef idx="0"/>
-          <a:fillRef idx="0"/>
-          <a:effectRef idx="0"/>
-          <a:fontRef idx="minor"/>
-        </p:style>
-        <p:txBody>
-          <a:bodyPr anchor="t">
-            <a:normAutofit fontScale="94000"/>
+            <a:ext cx="3150360" cy="230400"/>
+          </a:xfrm>
+          <a:prstGeom prst="rect">
+            <a:avLst/>
+          </a:prstGeom>
+          <a:noFill/>
+          <a:ln w="0">
+            <a:noFill/>
+          </a:ln>
+        </p:spPr>
+        <p:style>
+          <a:lnRef idx="0"/>
+          <a:fillRef idx="0"/>
+          <a:effectRef idx="0"/>
+          <a:fontRef idx="minor"/>
+        </p:style>
+        <p:txBody>
+          <a:bodyPr lIns="90000" rIns="90000" tIns="45000" bIns="45000" anchor="t">
+            <a:normAutofit fontScale="95000"/>
           </a:bodyPr>
           <a:p>
             <a:pPr>
@@ -3052,7 +2932,7 @@
         <p:spPr>
           <a:xfrm>
             <a:off x="3397680" y="1510200"/>
-            <a:ext cx="5289120" cy="3213360"/>
+            <a:ext cx="5288760" cy="3213000"/>
           </a:xfrm>
           <a:prstGeom prst="rect">
             <a:avLst/>
@@ -3073,7 +2953,7 @@
           <a:fontRef idx="minor"/>
         </p:style>
         <p:txBody>
-          <a:bodyPr tIns="91440" bIns="91440" anchor="ctr">
+          <a:bodyPr lIns="90000" rIns="90000" tIns="91440" bIns="91440" anchor="ctr">
             <a:noAutofit/>
           </a:bodyPr>
           <a:p>
@@ -3159,24 +3039,24 @@
         <p:spPr>
           <a:xfrm>
             <a:off x="1820160" y="335880"/>
-            <a:ext cx="5506920" cy="326160"/>
-          </a:xfrm>
-          <a:prstGeom prst="rect">
-            <a:avLst/>
-          </a:prstGeom>
-          <a:noFill/>
-          <a:ln w="0">
-            <a:noFill/>
-          </a:ln>
-        </p:spPr>
-        <p:style>
-          <a:lnRef idx="0"/>
-          <a:fillRef idx="0"/>
-          <a:effectRef idx="0"/>
-          <a:fontRef idx="minor"/>
-        </p:style>
-        <p:txBody>
-          <a:bodyPr anchor="t">
+            <a:ext cx="5506560" cy="325800"/>
+          </a:xfrm>
+          <a:prstGeom prst="rect">
+            <a:avLst/>
+          </a:prstGeom>
+          <a:noFill/>
+          <a:ln w="0">
+            <a:noFill/>
+          </a:ln>
+        </p:spPr>
+        <p:style>
+          <a:lnRef idx="0"/>
+          <a:fillRef idx="0"/>
+          <a:effectRef idx="0"/>
+          <a:fontRef idx="minor"/>
+        </p:style>
+        <p:txBody>
+          <a:bodyPr lIns="90000" rIns="90000" tIns="45000" bIns="45000" anchor="t">
             <a:noAutofit/>
           </a:bodyPr>
           <a:p>
@@ -3214,24 +3094,24 @@
         <p:spPr>
           <a:xfrm>
             <a:off x="1820160" y="111960"/>
-            <a:ext cx="5506920" cy="223560"/>
-          </a:xfrm>
-          <a:prstGeom prst="rect">
-            <a:avLst/>
-          </a:prstGeom>
-          <a:noFill/>
-          <a:ln w="0">
-            <a:noFill/>
-          </a:ln>
-        </p:spPr>
-        <p:style>
-          <a:lnRef idx="0"/>
-          <a:fillRef idx="0"/>
-          <a:effectRef idx="0"/>
-          <a:fontRef idx="minor"/>
-        </p:style>
-        <p:txBody>
-          <a:bodyPr anchor="t">
+            <a:ext cx="5506560" cy="223200"/>
+          </a:xfrm>
+          <a:prstGeom prst="rect">
+            <a:avLst/>
+          </a:prstGeom>
+          <a:noFill/>
+          <a:ln w="0">
+            <a:noFill/>
+          </a:ln>
+        </p:spPr>
+        <p:style>
+          <a:lnRef idx="0"/>
+          <a:fillRef idx="0"/>
+          <a:effectRef idx="0"/>
+          <a:fontRef idx="minor"/>
+        </p:style>
+        <p:txBody>
+          <a:bodyPr lIns="90000" rIns="90000" tIns="45000" bIns="45000" anchor="t">
             <a:noAutofit/>
           </a:bodyPr>
           <a:p>
@@ -3269,24 +3149,24 @@
         <p:spPr>
           <a:xfrm>
             <a:off x="1820160" y="717120"/>
-            <a:ext cx="5506920" cy="411120"/>
-          </a:xfrm>
-          <a:prstGeom prst="rect">
-            <a:avLst/>
-          </a:prstGeom>
-          <a:noFill/>
-          <a:ln w="0">
-            <a:noFill/>
-          </a:ln>
-        </p:spPr>
-        <p:style>
-          <a:lnRef idx="0"/>
-          <a:fillRef idx="0"/>
-          <a:effectRef idx="0"/>
-          <a:fontRef idx="minor"/>
-        </p:style>
-        <p:txBody>
-          <a:bodyPr anchor="t">
+            <a:ext cx="5506560" cy="410760"/>
+          </a:xfrm>
+          <a:prstGeom prst="rect">
+            <a:avLst/>
+          </a:prstGeom>
+          <a:noFill/>
+          <a:ln w="0">
+            <a:noFill/>
+          </a:ln>
+        </p:spPr>
+        <p:style>
+          <a:lnRef idx="0"/>
+          <a:fillRef idx="0"/>
+          <a:effectRef idx="0"/>
+          <a:fontRef idx="minor"/>
+        </p:style>
+        <p:txBody>
+          <a:bodyPr lIns="90000" rIns="90000" tIns="45000" bIns="45000" anchor="t">
             <a:noAutofit/>
           </a:bodyPr>
           <a:p>
@@ -3324,24 +3204,24 @@
         <p:spPr>
           <a:xfrm>
             <a:off x="123480" y="1175760"/>
-            <a:ext cx="3150720" cy="2966760"/>
-          </a:xfrm>
-          <a:prstGeom prst="rect">
-            <a:avLst/>
-          </a:prstGeom>
-          <a:noFill/>
-          <a:ln w="0">
-            <a:noFill/>
-          </a:ln>
-        </p:spPr>
-        <p:style>
-          <a:lnRef idx="0"/>
-          <a:fillRef idx="0"/>
-          <a:effectRef idx="0"/>
-          <a:fontRef idx="minor"/>
-        </p:style>
-        <p:txBody>
-          <a:bodyPr anchor="t">
+            <a:ext cx="3150360" cy="2966400"/>
+          </a:xfrm>
+          <a:prstGeom prst="rect">
+            <a:avLst/>
+          </a:prstGeom>
+          <a:noFill/>
+          <a:ln w="0">
+            <a:noFill/>
+          </a:ln>
+        </p:spPr>
+        <p:style>
+          <a:lnRef idx="0"/>
+          <a:fillRef idx="0"/>
+          <a:effectRef idx="0"/>
+          <a:fontRef idx="minor"/>
+        </p:style>
+        <p:txBody>
+          <a:bodyPr lIns="90000" rIns="90000" tIns="45000" bIns="45000" anchor="t">
             <a:normAutofit/>
           </a:bodyPr>
           <a:p>
@@ -3437,25 +3317,25 @@
         <p:spPr>
           <a:xfrm>
             <a:off x="123480" y="940320"/>
-            <a:ext cx="3150720" cy="230760"/>
-          </a:xfrm>
-          <a:prstGeom prst="rect">
-            <a:avLst/>
-          </a:prstGeom>
-          <a:noFill/>
-          <a:ln w="0">
-            <a:noFill/>
-          </a:ln>
-        </p:spPr>
-        <p:style>
-          <a:lnRef idx="0"/>
-          <a:fillRef idx="0"/>
-          <a:effectRef idx="0"/>
-          <a:fontRef idx="minor"/>
-        </p:style>
-        <p:txBody>
-          <a:bodyPr anchor="t">
-            <a:normAutofit fontScale="94000"/>
+            <a:ext cx="3150360" cy="230400"/>
+          </a:xfrm>
+          <a:prstGeom prst="rect">
+            <a:avLst/>
+          </a:prstGeom>
+          <a:noFill/>
+          <a:ln w="0">
+            <a:noFill/>
+          </a:ln>
+        </p:spPr>
+        <p:style>
+          <a:lnRef idx="0"/>
+          <a:fillRef idx="0"/>
+          <a:effectRef idx="0"/>
+          <a:fontRef idx="minor"/>
+        </p:style>
+        <p:txBody>
+          <a:bodyPr lIns="90000" rIns="90000" tIns="45000" bIns="45000" anchor="t">
+            <a:normAutofit fontScale="95000"/>
           </a:bodyPr>
           <a:p>
             <a:pPr>
@@ -3492,7 +3372,7 @@
         <p:spPr>
           <a:xfrm>
             <a:off x="3397680" y="1510200"/>
-            <a:ext cx="5289120" cy="3213360"/>
+            <a:ext cx="5288760" cy="3213000"/>
           </a:xfrm>
           <a:prstGeom prst="rect">
             <a:avLst/>
@@ -3513,7 +3393,7 @@
           <a:fontRef idx="minor"/>
         </p:style>
         <p:txBody>
-          <a:bodyPr tIns="91440" bIns="91440" anchor="ctr">
+          <a:bodyPr lIns="90000" rIns="90000" tIns="91440" bIns="91440" anchor="ctr">
             <a:noAutofit/>
           </a:bodyPr>
           <a:p>
@@ -3599,24 +3479,24 @@
         <p:spPr>
           <a:xfrm>
             <a:off x="1820160" y="335880"/>
-            <a:ext cx="5506920" cy="326160"/>
-          </a:xfrm>
-          <a:prstGeom prst="rect">
-            <a:avLst/>
-          </a:prstGeom>
-          <a:noFill/>
-          <a:ln w="0">
-            <a:noFill/>
-          </a:ln>
-        </p:spPr>
-        <p:style>
-          <a:lnRef idx="0"/>
-          <a:fillRef idx="0"/>
-          <a:effectRef idx="0"/>
-          <a:fontRef idx="minor"/>
-        </p:style>
-        <p:txBody>
-          <a:bodyPr anchor="t">
+            <a:ext cx="5506560" cy="325800"/>
+          </a:xfrm>
+          <a:prstGeom prst="rect">
+            <a:avLst/>
+          </a:prstGeom>
+          <a:noFill/>
+          <a:ln w="0">
+            <a:noFill/>
+          </a:ln>
+        </p:spPr>
+        <p:style>
+          <a:lnRef idx="0"/>
+          <a:fillRef idx="0"/>
+          <a:effectRef idx="0"/>
+          <a:fontRef idx="minor"/>
+        </p:style>
+        <p:txBody>
+          <a:bodyPr lIns="90000" rIns="90000" tIns="45000" bIns="45000" anchor="t">
             <a:noAutofit/>
           </a:bodyPr>
           <a:p>
@@ -3654,24 +3534,24 @@
         <p:spPr>
           <a:xfrm>
             <a:off x="1820160" y="111960"/>
-            <a:ext cx="5506920" cy="223560"/>
-          </a:xfrm>
-          <a:prstGeom prst="rect">
-            <a:avLst/>
-          </a:prstGeom>
-          <a:noFill/>
-          <a:ln w="0">
-            <a:noFill/>
-          </a:ln>
-        </p:spPr>
-        <p:style>
-          <a:lnRef idx="0"/>
-          <a:fillRef idx="0"/>
-          <a:effectRef idx="0"/>
-          <a:fontRef idx="minor"/>
-        </p:style>
-        <p:txBody>
-          <a:bodyPr anchor="t">
+            <a:ext cx="5506560" cy="223200"/>
+          </a:xfrm>
+          <a:prstGeom prst="rect">
+            <a:avLst/>
+          </a:prstGeom>
+          <a:noFill/>
+          <a:ln w="0">
+            <a:noFill/>
+          </a:ln>
+        </p:spPr>
+        <p:style>
+          <a:lnRef idx="0"/>
+          <a:fillRef idx="0"/>
+          <a:effectRef idx="0"/>
+          <a:fontRef idx="minor"/>
+        </p:style>
+        <p:txBody>
+          <a:bodyPr lIns="90000" rIns="90000" tIns="45000" bIns="45000" anchor="t">
             <a:noAutofit/>
           </a:bodyPr>
           <a:p>
@@ -3709,24 +3589,24 @@
         <p:spPr>
           <a:xfrm>
             <a:off x="1820160" y="717120"/>
-            <a:ext cx="5506920" cy="411120"/>
-          </a:xfrm>
-          <a:prstGeom prst="rect">
-            <a:avLst/>
-          </a:prstGeom>
-          <a:noFill/>
-          <a:ln w="0">
-            <a:noFill/>
-          </a:ln>
-        </p:spPr>
-        <p:style>
-          <a:lnRef idx="0"/>
-          <a:fillRef idx="0"/>
-          <a:effectRef idx="0"/>
-          <a:fontRef idx="minor"/>
-        </p:style>
-        <p:txBody>
-          <a:bodyPr anchor="t">
+            <a:ext cx="5506560" cy="410760"/>
+          </a:xfrm>
+          <a:prstGeom prst="rect">
+            <a:avLst/>
+          </a:prstGeom>
+          <a:noFill/>
+          <a:ln w="0">
+            <a:noFill/>
+          </a:ln>
+        </p:spPr>
+        <p:style>
+          <a:lnRef idx="0"/>
+          <a:fillRef idx="0"/>
+          <a:effectRef idx="0"/>
+          <a:fontRef idx="minor"/>
+        </p:style>
+        <p:txBody>
+          <a:bodyPr lIns="90000" rIns="90000" tIns="45000" bIns="45000" anchor="t">
             <a:noAutofit/>
           </a:bodyPr>
           <a:p>
@@ -3764,24 +3644,24 @@
         <p:spPr>
           <a:xfrm>
             <a:off x="123480" y="1175760"/>
-            <a:ext cx="3150720" cy="2966760"/>
-          </a:xfrm>
-          <a:prstGeom prst="rect">
-            <a:avLst/>
-          </a:prstGeom>
-          <a:noFill/>
-          <a:ln w="0">
-            <a:noFill/>
-          </a:ln>
-        </p:spPr>
-        <p:style>
-          <a:lnRef idx="0"/>
-          <a:fillRef idx="0"/>
-          <a:effectRef idx="0"/>
-          <a:fontRef idx="minor"/>
-        </p:style>
-        <p:txBody>
-          <a:bodyPr anchor="t">
+            <a:ext cx="3150360" cy="2966400"/>
+          </a:xfrm>
+          <a:prstGeom prst="rect">
+            <a:avLst/>
+          </a:prstGeom>
+          <a:noFill/>
+          <a:ln w="0">
+            <a:noFill/>
+          </a:ln>
+        </p:spPr>
+        <p:style>
+          <a:lnRef idx="0"/>
+          <a:fillRef idx="0"/>
+          <a:effectRef idx="0"/>
+          <a:fontRef idx="minor"/>
+        </p:style>
+        <p:txBody>
+          <a:bodyPr lIns="90000" rIns="90000" tIns="45000" bIns="45000" anchor="t">
             <a:normAutofit/>
           </a:bodyPr>
           <a:p>
@@ -3877,25 +3757,25 @@
         <p:spPr>
           <a:xfrm>
             <a:off x="123480" y="940320"/>
-            <a:ext cx="3150720" cy="230760"/>
-          </a:xfrm>
-          <a:prstGeom prst="rect">
-            <a:avLst/>
-          </a:prstGeom>
-          <a:noFill/>
-          <a:ln w="0">
-            <a:noFill/>
-          </a:ln>
-        </p:spPr>
-        <p:style>
-          <a:lnRef idx="0"/>
-          <a:fillRef idx="0"/>
-          <a:effectRef idx="0"/>
-          <a:fontRef idx="minor"/>
-        </p:style>
-        <p:txBody>
-          <a:bodyPr anchor="t">
-            <a:normAutofit fontScale="94000"/>
+            <a:ext cx="3150360" cy="230400"/>
+          </a:xfrm>
+          <a:prstGeom prst="rect">
+            <a:avLst/>
+          </a:prstGeom>
+          <a:noFill/>
+          <a:ln w="0">
+            <a:noFill/>
+          </a:ln>
+        </p:spPr>
+        <p:style>
+          <a:lnRef idx="0"/>
+          <a:fillRef idx="0"/>
+          <a:effectRef idx="0"/>
+          <a:fontRef idx="minor"/>
+        </p:style>
+        <p:txBody>
+          <a:bodyPr lIns="90000" rIns="90000" tIns="45000" bIns="45000" anchor="t">
+            <a:normAutofit fontScale="95000"/>
           </a:bodyPr>
           <a:p>
             <a:pPr>
@@ -3932,7 +3812,7 @@
         <p:spPr>
           <a:xfrm>
             <a:off x="3397680" y="1510200"/>
-            <a:ext cx="5289120" cy="3213360"/>
+            <a:ext cx="5288760" cy="3213000"/>
           </a:xfrm>
           <a:prstGeom prst="rect">
             <a:avLst/>
@@ -3953,7 +3833,7 @@
           <a:fontRef idx="minor"/>
         </p:style>
         <p:txBody>
-          <a:bodyPr tIns="91440" bIns="91440" anchor="ctr">
+          <a:bodyPr lIns="90000" rIns="90000" tIns="91440" bIns="91440" anchor="ctr">
             <a:noAutofit/>
           </a:bodyPr>
           <a:p>
@@ -4015,24 +3895,24 @@
         <p:spPr>
           <a:xfrm>
             <a:off x="1820160" y="335880"/>
-            <a:ext cx="5506920" cy="326160"/>
-          </a:xfrm>
-          <a:prstGeom prst="rect">
-            <a:avLst/>
-          </a:prstGeom>
-          <a:noFill/>
-          <a:ln w="0">
-            <a:noFill/>
-          </a:ln>
-        </p:spPr>
-        <p:style>
-          <a:lnRef idx="0"/>
-          <a:fillRef idx="0"/>
-          <a:effectRef idx="0"/>
-          <a:fontRef idx="minor"/>
-        </p:style>
-        <p:txBody>
-          <a:bodyPr anchor="t">
+            <a:ext cx="5506560" cy="325800"/>
+          </a:xfrm>
+          <a:prstGeom prst="rect">
+            <a:avLst/>
+          </a:prstGeom>
+          <a:noFill/>
+          <a:ln w="0">
+            <a:noFill/>
+          </a:ln>
+        </p:spPr>
+        <p:style>
+          <a:lnRef idx="0"/>
+          <a:fillRef idx="0"/>
+          <a:effectRef idx="0"/>
+          <a:fontRef idx="minor"/>
+        </p:style>
+        <p:txBody>
+          <a:bodyPr lIns="90000" rIns="90000" tIns="45000" bIns="45000" anchor="t">
             <a:noAutofit/>
           </a:bodyPr>
           <a:p>
@@ -4070,24 +3950,24 @@
         <p:spPr>
           <a:xfrm>
             <a:off x="1820160" y="111960"/>
-            <a:ext cx="5506920" cy="223560"/>
-          </a:xfrm>
-          <a:prstGeom prst="rect">
-            <a:avLst/>
-          </a:prstGeom>
-          <a:noFill/>
-          <a:ln w="0">
-            <a:noFill/>
-          </a:ln>
-        </p:spPr>
-        <p:style>
-          <a:lnRef idx="0"/>
-          <a:fillRef idx="0"/>
-          <a:effectRef idx="0"/>
-          <a:fontRef idx="minor"/>
-        </p:style>
-        <p:txBody>
-          <a:bodyPr anchor="t">
+            <a:ext cx="5506560" cy="223200"/>
+          </a:xfrm>
+          <a:prstGeom prst="rect">
+            <a:avLst/>
+          </a:prstGeom>
+          <a:noFill/>
+          <a:ln w="0">
+            <a:noFill/>
+          </a:ln>
+        </p:spPr>
+        <p:style>
+          <a:lnRef idx="0"/>
+          <a:fillRef idx="0"/>
+          <a:effectRef idx="0"/>
+          <a:fontRef idx="minor"/>
+        </p:style>
+        <p:txBody>
+          <a:bodyPr lIns="90000" rIns="90000" tIns="45000" bIns="45000" anchor="t">
             <a:noAutofit/>
           </a:bodyPr>
           <a:p>
@@ -4125,24 +4005,24 @@
         <p:spPr>
           <a:xfrm>
             <a:off x="1820160" y="717120"/>
-            <a:ext cx="5506920" cy="411120"/>
-          </a:xfrm>
-          <a:prstGeom prst="rect">
-            <a:avLst/>
-          </a:prstGeom>
-          <a:noFill/>
-          <a:ln w="0">
-            <a:noFill/>
-          </a:ln>
-        </p:spPr>
-        <p:style>
-          <a:lnRef idx="0"/>
-          <a:fillRef idx="0"/>
-          <a:effectRef idx="0"/>
-          <a:fontRef idx="minor"/>
-        </p:style>
-        <p:txBody>
-          <a:bodyPr anchor="t">
+            <a:ext cx="5506560" cy="410760"/>
+          </a:xfrm>
+          <a:prstGeom prst="rect">
+            <a:avLst/>
+          </a:prstGeom>
+          <a:noFill/>
+          <a:ln w="0">
+            <a:noFill/>
+          </a:ln>
+        </p:spPr>
+        <p:style>
+          <a:lnRef idx="0"/>
+          <a:fillRef idx="0"/>
+          <a:effectRef idx="0"/>
+          <a:fontRef idx="minor"/>
+        </p:style>
+        <p:txBody>
+          <a:bodyPr lIns="90000" rIns="90000" tIns="45000" bIns="45000" anchor="t">
             <a:noAutofit/>
           </a:bodyPr>
           <a:p>
@@ -4180,24 +4060,24 @@
         <p:spPr>
           <a:xfrm>
             <a:off x="123480" y="1175760"/>
-            <a:ext cx="3150720" cy="657000"/>
-          </a:xfrm>
-          <a:prstGeom prst="rect">
-            <a:avLst/>
-          </a:prstGeom>
-          <a:noFill/>
-          <a:ln w="0">
-            <a:noFill/>
-          </a:ln>
-        </p:spPr>
-        <p:style>
-          <a:lnRef idx="0"/>
-          <a:fillRef idx="0"/>
-          <a:effectRef idx="0"/>
-          <a:fontRef idx="minor"/>
-        </p:style>
-        <p:txBody>
-          <a:bodyPr anchor="t">
+            <a:ext cx="3150360" cy="656640"/>
+          </a:xfrm>
+          <a:prstGeom prst="rect">
+            <a:avLst/>
+          </a:prstGeom>
+          <a:noFill/>
+          <a:ln w="0">
+            <a:noFill/>
+          </a:ln>
+        </p:spPr>
+        <p:style>
+          <a:lnRef idx="0"/>
+          <a:fillRef idx="0"/>
+          <a:effectRef idx="0"/>
+          <a:fontRef idx="minor"/>
+        </p:style>
+        <p:txBody>
+          <a:bodyPr lIns="90000" rIns="90000" tIns="45000" bIns="45000" anchor="t">
             <a:normAutofit/>
           </a:bodyPr>
           <a:p>
@@ -4263,7 +4143,7 @@
         <p:spPr>
           <a:xfrm>
             <a:off x="213120" y="2661480"/>
-            <a:ext cx="3068640" cy="1023840"/>
+            <a:ext cx="3068280" cy="1023480"/>
           </a:xfrm>
           <a:prstGeom prst="rect">
             <a:avLst/>
@@ -4284,7 +4164,7 @@
           <a:fontRef idx="minor"/>
         </p:style>
         <p:txBody>
-          <a:bodyPr tIns="91440" bIns="91440" anchor="ctr">
+          <a:bodyPr lIns="90000" rIns="90000" tIns="91440" bIns="91440" anchor="ctr">
             <a:noAutofit/>
           </a:bodyPr>
           <a:p>
@@ -4352,25 +4232,25 @@
         <p:spPr>
           <a:xfrm>
             <a:off x="123480" y="940320"/>
-            <a:ext cx="3150720" cy="230760"/>
-          </a:xfrm>
-          <a:prstGeom prst="rect">
-            <a:avLst/>
-          </a:prstGeom>
-          <a:noFill/>
-          <a:ln w="0">
-            <a:noFill/>
-          </a:ln>
-        </p:spPr>
-        <p:style>
-          <a:lnRef idx="0"/>
-          <a:fillRef idx="0"/>
-          <a:effectRef idx="0"/>
-          <a:fontRef idx="minor"/>
-        </p:style>
-        <p:txBody>
-          <a:bodyPr anchor="t">
-            <a:normAutofit fontScale="94000"/>
+            <a:ext cx="3150360" cy="230400"/>
+          </a:xfrm>
+          <a:prstGeom prst="rect">
+            <a:avLst/>
+          </a:prstGeom>
+          <a:noFill/>
+          <a:ln w="0">
+            <a:noFill/>
+          </a:ln>
+        </p:spPr>
+        <p:style>
+          <a:lnRef idx="0"/>
+          <a:fillRef idx="0"/>
+          <a:effectRef idx="0"/>
+          <a:fontRef idx="minor"/>
+        </p:style>
+        <p:txBody>
+          <a:bodyPr lIns="90000" rIns="90000" tIns="45000" bIns="45000" anchor="t">
+            <a:normAutofit fontScale="95000"/>
           </a:bodyPr>
           <a:p>
             <a:pPr>
@@ -4407,7 +4287,7 @@
         <p:spPr>
           <a:xfrm>
             <a:off x="3397680" y="1510200"/>
-            <a:ext cx="5289120" cy="3213360"/>
+            <a:ext cx="5288760" cy="3213000"/>
           </a:xfrm>
           <a:prstGeom prst="rect">
             <a:avLst/>
@@ -4428,7 +4308,7 @@
           <a:fontRef idx="minor"/>
         </p:style>
         <p:txBody>
-          <a:bodyPr tIns="91440" bIns="91440" anchor="ctr">
+          <a:bodyPr lIns="90000" rIns="90000" tIns="91440" bIns="91440" anchor="ctr">
             <a:noAutofit/>
           </a:bodyPr>
           <a:p>
@@ -4514,24 +4394,24 @@
         <p:spPr>
           <a:xfrm>
             <a:off x="1820160" y="335880"/>
-            <a:ext cx="5506920" cy="326160"/>
-          </a:xfrm>
-          <a:prstGeom prst="rect">
-            <a:avLst/>
-          </a:prstGeom>
-          <a:noFill/>
-          <a:ln w="0">
-            <a:noFill/>
-          </a:ln>
-        </p:spPr>
-        <p:style>
-          <a:lnRef idx="0"/>
-          <a:fillRef idx="0"/>
-          <a:effectRef idx="0"/>
-          <a:fontRef idx="minor"/>
-        </p:style>
-        <p:txBody>
-          <a:bodyPr anchor="t">
+            <a:ext cx="5506560" cy="325800"/>
+          </a:xfrm>
+          <a:prstGeom prst="rect">
+            <a:avLst/>
+          </a:prstGeom>
+          <a:noFill/>
+          <a:ln w="0">
+            <a:noFill/>
+          </a:ln>
+        </p:spPr>
+        <p:style>
+          <a:lnRef idx="0"/>
+          <a:fillRef idx="0"/>
+          <a:effectRef idx="0"/>
+          <a:fontRef idx="minor"/>
+        </p:style>
+        <p:txBody>
+          <a:bodyPr lIns="90000" rIns="90000" tIns="45000" bIns="45000" anchor="t">
             <a:noAutofit/>
           </a:bodyPr>
           <a:p>
@@ -4569,24 +4449,24 @@
         <p:spPr>
           <a:xfrm>
             <a:off x="1820160" y="111960"/>
-            <a:ext cx="5506920" cy="223560"/>
-          </a:xfrm>
-          <a:prstGeom prst="rect">
-            <a:avLst/>
-          </a:prstGeom>
-          <a:noFill/>
-          <a:ln w="0">
-            <a:noFill/>
-          </a:ln>
-        </p:spPr>
-        <p:style>
-          <a:lnRef idx="0"/>
-          <a:fillRef idx="0"/>
-          <a:effectRef idx="0"/>
-          <a:fontRef idx="minor"/>
-        </p:style>
-        <p:txBody>
-          <a:bodyPr anchor="t">
+            <a:ext cx="5506560" cy="223200"/>
+          </a:xfrm>
+          <a:prstGeom prst="rect">
+            <a:avLst/>
+          </a:prstGeom>
+          <a:noFill/>
+          <a:ln w="0">
+            <a:noFill/>
+          </a:ln>
+        </p:spPr>
+        <p:style>
+          <a:lnRef idx="0"/>
+          <a:fillRef idx="0"/>
+          <a:effectRef idx="0"/>
+          <a:fontRef idx="minor"/>
+        </p:style>
+        <p:txBody>
+          <a:bodyPr lIns="90000" rIns="90000" tIns="45000" bIns="45000" anchor="t">
             <a:noAutofit/>
           </a:bodyPr>
           <a:p>
@@ -4624,24 +4504,24 @@
         <p:spPr>
           <a:xfrm>
             <a:off x="1820160" y="717120"/>
-            <a:ext cx="5506920" cy="411120"/>
-          </a:xfrm>
-          <a:prstGeom prst="rect">
-            <a:avLst/>
-          </a:prstGeom>
-          <a:noFill/>
-          <a:ln w="0">
-            <a:noFill/>
-          </a:ln>
-        </p:spPr>
-        <p:style>
-          <a:lnRef idx="0"/>
-          <a:fillRef idx="0"/>
-          <a:effectRef idx="0"/>
-          <a:fontRef idx="minor"/>
-        </p:style>
-        <p:txBody>
-          <a:bodyPr anchor="t">
+            <a:ext cx="5506560" cy="410760"/>
+          </a:xfrm>
+          <a:prstGeom prst="rect">
+            <a:avLst/>
+          </a:prstGeom>
+          <a:noFill/>
+          <a:ln w="0">
+            <a:noFill/>
+          </a:ln>
+        </p:spPr>
+        <p:style>
+          <a:lnRef idx="0"/>
+          <a:fillRef idx="0"/>
+          <a:effectRef idx="0"/>
+          <a:fontRef idx="minor"/>
+        </p:style>
+        <p:txBody>
+          <a:bodyPr lIns="90000" rIns="90000" tIns="45000" bIns="45000" anchor="t">
             <a:noAutofit/>
           </a:bodyPr>
           <a:p>
@@ -4679,24 +4559,24 @@
         <p:spPr>
           <a:xfrm>
             <a:off x="123480" y="1175760"/>
-            <a:ext cx="3150720" cy="1341360"/>
-          </a:xfrm>
-          <a:prstGeom prst="rect">
-            <a:avLst/>
-          </a:prstGeom>
-          <a:noFill/>
-          <a:ln w="0">
-            <a:noFill/>
-          </a:ln>
-        </p:spPr>
-        <p:style>
-          <a:lnRef idx="0"/>
-          <a:fillRef idx="0"/>
-          <a:effectRef idx="0"/>
-          <a:fontRef idx="minor"/>
-        </p:style>
-        <p:txBody>
-          <a:bodyPr anchor="t">
+            <a:ext cx="3150360" cy="1341000"/>
+          </a:xfrm>
+          <a:prstGeom prst="rect">
+            <a:avLst/>
+          </a:prstGeom>
+          <a:noFill/>
+          <a:ln w="0">
+            <a:noFill/>
+          </a:ln>
+        </p:spPr>
+        <p:style>
+          <a:lnRef idx="0"/>
+          <a:fillRef idx="0"/>
+          <a:effectRef idx="0"/>
+          <a:fontRef idx="minor"/>
+        </p:style>
+        <p:txBody>
+          <a:bodyPr lIns="90000" rIns="90000" tIns="45000" bIns="45000" anchor="t">
             <a:normAutofit/>
           </a:bodyPr>
           <a:p>
@@ -4810,7 +4690,7 @@
         <p:spPr>
           <a:xfrm>
             <a:off x="213120" y="2661480"/>
-            <a:ext cx="3068640" cy="1023840"/>
+            <a:ext cx="3068280" cy="1023480"/>
           </a:xfrm>
           <a:prstGeom prst="rect">
             <a:avLst/>
@@ -4831,7 +4711,7 @@
           <a:fontRef idx="minor"/>
         </p:style>
         <p:txBody>
-          <a:bodyPr tIns="91440" bIns="91440" anchor="ctr">
+          <a:bodyPr lIns="90000" rIns="90000" tIns="91440" bIns="91440" anchor="ctr">
             <a:noAutofit/>
           </a:bodyPr>
           <a:p>
@@ -4899,25 +4779,25 @@
         <p:spPr>
           <a:xfrm>
             <a:off x="123480" y="940320"/>
-            <a:ext cx="3150720" cy="230760"/>
-          </a:xfrm>
-          <a:prstGeom prst="rect">
-            <a:avLst/>
-          </a:prstGeom>
-          <a:noFill/>
-          <a:ln w="0">
-            <a:noFill/>
-          </a:ln>
-        </p:spPr>
-        <p:style>
-          <a:lnRef idx="0"/>
-          <a:fillRef idx="0"/>
-          <a:effectRef idx="0"/>
-          <a:fontRef idx="minor"/>
-        </p:style>
-        <p:txBody>
-          <a:bodyPr anchor="t">
-            <a:normAutofit fontScale="94000"/>
+            <a:ext cx="3150360" cy="230400"/>
+          </a:xfrm>
+          <a:prstGeom prst="rect">
+            <a:avLst/>
+          </a:prstGeom>
+          <a:noFill/>
+          <a:ln w="0">
+            <a:noFill/>
+          </a:ln>
+        </p:spPr>
+        <p:style>
+          <a:lnRef idx="0"/>
+          <a:fillRef idx="0"/>
+          <a:effectRef idx="0"/>
+          <a:fontRef idx="minor"/>
+        </p:style>
+        <p:txBody>
+          <a:bodyPr lIns="90000" rIns="90000" tIns="45000" bIns="45000" anchor="t">
+            <a:normAutofit fontScale="95000"/>
           </a:bodyPr>
           <a:p>
             <a:pPr>
@@ -4954,7 +4834,7 @@
         <p:spPr>
           <a:xfrm>
             <a:off x="3397680" y="1510200"/>
-            <a:ext cx="5289120" cy="3213360"/>
+            <a:ext cx="5288760" cy="3213000"/>
           </a:xfrm>
           <a:prstGeom prst="rect">
             <a:avLst/>
@@ -4975,7 +4855,7 @@
           <a:fontRef idx="minor"/>
         </p:style>
         <p:txBody>
-          <a:bodyPr tIns="91440" bIns="91440" anchor="ctr">
+          <a:bodyPr lIns="90000" rIns="90000" tIns="91440" bIns="91440" anchor="ctr">
             <a:noAutofit/>
           </a:bodyPr>
           <a:p>
@@ -5061,24 +4941,24 @@
         <p:spPr>
           <a:xfrm>
             <a:off x="1820160" y="335880"/>
-            <a:ext cx="5506920" cy="326160"/>
-          </a:xfrm>
-          <a:prstGeom prst="rect">
-            <a:avLst/>
-          </a:prstGeom>
-          <a:noFill/>
-          <a:ln w="0">
-            <a:noFill/>
-          </a:ln>
-        </p:spPr>
-        <p:style>
-          <a:lnRef idx="0"/>
-          <a:fillRef idx="0"/>
-          <a:effectRef idx="0"/>
-          <a:fontRef idx="minor"/>
-        </p:style>
-        <p:txBody>
-          <a:bodyPr anchor="t">
+            <a:ext cx="5506560" cy="325800"/>
+          </a:xfrm>
+          <a:prstGeom prst="rect">
+            <a:avLst/>
+          </a:prstGeom>
+          <a:noFill/>
+          <a:ln w="0">
+            <a:noFill/>
+          </a:ln>
+        </p:spPr>
+        <p:style>
+          <a:lnRef idx="0"/>
+          <a:fillRef idx="0"/>
+          <a:effectRef idx="0"/>
+          <a:fontRef idx="minor"/>
+        </p:style>
+        <p:txBody>
+          <a:bodyPr lIns="90000" rIns="90000" tIns="45000" bIns="45000" anchor="t">
             <a:noAutofit/>
           </a:bodyPr>
           <a:p>
@@ -5116,24 +4996,24 @@
         <p:spPr>
           <a:xfrm>
             <a:off x="1820160" y="111960"/>
-            <a:ext cx="5506920" cy="223560"/>
-          </a:xfrm>
-          <a:prstGeom prst="rect">
-            <a:avLst/>
-          </a:prstGeom>
-          <a:noFill/>
-          <a:ln w="0">
-            <a:noFill/>
-          </a:ln>
-        </p:spPr>
-        <p:style>
-          <a:lnRef idx="0"/>
-          <a:fillRef idx="0"/>
-          <a:effectRef idx="0"/>
-          <a:fontRef idx="minor"/>
-        </p:style>
-        <p:txBody>
-          <a:bodyPr anchor="t">
+            <a:ext cx="5506560" cy="223200"/>
+          </a:xfrm>
+          <a:prstGeom prst="rect">
+            <a:avLst/>
+          </a:prstGeom>
+          <a:noFill/>
+          <a:ln w="0">
+            <a:noFill/>
+          </a:ln>
+        </p:spPr>
+        <p:style>
+          <a:lnRef idx="0"/>
+          <a:fillRef idx="0"/>
+          <a:effectRef idx="0"/>
+          <a:fontRef idx="minor"/>
+        </p:style>
+        <p:txBody>
+          <a:bodyPr lIns="90000" rIns="90000" tIns="45000" bIns="45000" anchor="t">
             <a:noAutofit/>
           </a:bodyPr>
           <a:p>
@@ -5171,24 +5051,24 @@
         <p:spPr>
           <a:xfrm>
             <a:off x="1820160" y="717120"/>
-            <a:ext cx="5506920" cy="411120"/>
-          </a:xfrm>
-          <a:prstGeom prst="rect">
-            <a:avLst/>
-          </a:prstGeom>
-          <a:noFill/>
-          <a:ln w="0">
-            <a:noFill/>
-          </a:ln>
-        </p:spPr>
-        <p:style>
-          <a:lnRef idx="0"/>
-          <a:fillRef idx="0"/>
-          <a:effectRef idx="0"/>
-          <a:fontRef idx="minor"/>
-        </p:style>
-        <p:txBody>
-          <a:bodyPr anchor="t">
+            <a:ext cx="5506560" cy="410760"/>
+          </a:xfrm>
+          <a:prstGeom prst="rect">
+            <a:avLst/>
+          </a:prstGeom>
+          <a:noFill/>
+          <a:ln w="0">
+            <a:noFill/>
+          </a:ln>
+        </p:spPr>
+        <p:style>
+          <a:lnRef idx="0"/>
+          <a:fillRef idx="0"/>
+          <a:effectRef idx="0"/>
+          <a:fontRef idx="minor"/>
+        </p:style>
+        <p:txBody>
+          <a:bodyPr lIns="90000" rIns="90000" tIns="45000" bIns="45000" anchor="t">
             <a:noAutofit/>
           </a:bodyPr>
           <a:p>
@@ -5226,24 +5106,24 @@
         <p:spPr>
           <a:xfrm>
             <a:off x="123480" y="1175760"/>
-            <a:ext cx="3150720" cy="1341360"/>
-          </a:xfrm>
-          <a:prstGeom prst="rect">
-            <a:avLst/>
-          </a:prstGeom>
-          <a:noFill/>
-          <a:ln w="0">
-            <a:noFill/>
-          </a:ln>
-        </p:spPr>
-        <p:style>
-          <a:lnRef idx="0"/>
-          <a:fillRef idx="0"/>
-          <a:effectRef idx="0"/>
-          <a:fontRef idx="minor"/>
-        </p:style>
-        <p:txBody>
-          <a:bodyPr anchor="t">
+            <a:ext cx="3150360" cy="1341000"/>
+          </a:xfrm>
+          <a:prstGeom prst="rect">
+            <a:avLst/>
+          </a:prstGeom>
+          <a:noFill/>
+          <a:ln w="0">
+            <a:noFill/>
+          </a:ln>
+        </p:spPr>
+        <p:style>
+          <a:lnRef idx="0"/>
+          <a:fillRef idx="0"/>
+          <a:effectRef idx="0"/>
+          <a:fontRef idx="minor"/>
+        </p:style>
+        <p:txBody>
+          <a:bodyPr lIns="90000" rIns="90000" tIns="45000" bIns="45000" anchor="t">
             <a:normAutofit/>
           </a:bodyPr>
           <a:p>
@@ -5357,7 +5237,7 @@
         <p:spPr>
           <a:xfrm>
             <a:off x="213120" y="2661480"/>
-            <a:ext cx="3068640" cy="1023840"/>
+            <a:ext cx="3068280" cy="1023480"/>
           </a:xfrm>
           <a:prstGeom prst="rect">
             <a:avLst/>
@@ -5378,7 +5258,7 @@
           <a:fontRef idx="minor"/>
         </p:style>
         <p:txBody>
-          <a:bodyPr tIns="91440" bIns="91440" anchor="ctr">
+          <a:bodyPr lIns="90000" rIns="90000" tIns="91440" bIns="91440" anchor="ctr">
             <a:noAutofit/>
           </a:bodyPr>
           <a:p>
@@ -5446,25 +5326,25 @@
         <p:spPr>
           <a:xfrm>
             <a:off x="123480" y="940320"/>
-            <a:ext cx="3150720" cy="230760"/>
-          </a:xfrm>
-          <a:prstGeom prst="rect">
-            <a:avLst/>
-          </a:prstGeom>
-          <a:noFill/>
-          <a:ln w="0">
-            <a:noFill/>
-          </a:ln>
-        </p:spPr>
-        <p:style>
-          <a:lnRef idx="0"/>
-          <a:fillRef idx="0"/>
-          <a:effectRef idx="0"/>
-          <a:fontRef idx="minor"/>
-        </p:style>
-        <p:txBody>
-          <a:bodyPr anchor="t">
-            <a:normAutofit fontScale="94000"/>
+            <a:ext cx="3150360" cy="230400"/>
+          </a:xfrm>
+          <a:prstGeom prst="rect">
+            <a:avLst/>
+          </a:prstGeom>
+          <a:noFill/>
+          <a:ln w="0">
+            <a:noFill/>
+          </a:ln>
+        </p:spPr>
+        <p:style>
+          <a:lnRef idx="0"/>
+          <a:fillRef idx="0"/>
+          <a:effectRef idx="0"/>
+          <a:fontRef idx="minor"/>
+        </p:style>
+        <p:txBody>
+          <a:bodyPr lIns="90000" rIns="90000" tIns="45000" bIns="45000" anchor="t">
+            <a:normAutofit fontScale="95000"/>
           </a:bodyPr>
           <a:p>
             <a:pPr>
@@ -5501,7 +5381,7 @@
         <p:spPr>
           <a:xfrm>
             <a:off x="3397680" y="1510200"/>
-            <a:ext cx="5289120" cy="3213360"/>
+            <a:ext cx="5288760" cy="3213000"/>
           </a:xfrm>
           <a:prstGeom prst="rect">
             <a:avLst/>
@@ -5522,7 +5402,7 @@
           <a:fontRef idx="minor"/>
         </p:style>
         <p:txBody>
-          <a:bodyPr tIns="91440" bIns="91440" anchor="ctr">
+          <a:bodyPr lIns="90000" rIns="90000" tIns="91440" bIns="91440" anchor="ctr">
             <a:noAutofit/>
           </a:bodyPr>
           <a:p>
@@ -5608,24 +5488,24 @@
         <p:spPr>
           <a:xfrm>
             <a:off x="1820160" y="335880"/>
-            <a:ext cx="5506920" cy="326160"/>
-          </a:xfrm>
-          <a:prstGeom prst="rect">
-            <a:avLst/>
-          </a:prstGeom>
-          <a:noFill/>
-          <a:ln w="0">
-            <a:noFill/>
-          </a:ln>
-        </p:spPr>
-        <p:style>
-          <a:lnRef idx="0"/>
-          <a:fillRef idx="0"/>
-          <a:effectRef idx="0"/>
-          <a:fontRef idx="minor"/>
-        </p:style>
-        <p:txBody>
-          <a:bodyPr anchor="t">
+            <a:ext cx="5506560" cy="325800"/>
+          </a:xfrm>
+          <a:prstGeom prst="rect">
+            <a:avLst/>
+          </a:prstGeom>
+          <a:noFill/>
+          <a:ln w="0">
+            <a:noFill/>
+          </a:ln>
+        </p:spPr>
+        <p:style>
+          <a:lnRef idx="0"/>
+          <a:fillRef idx="0"/>
+          <a:effectRef idx="0"/>
+          <a:fontRef idx="minor"/>
+        </p:style>
+        <p:txBody>
+          <a:bodyPr lIns="90000" rIns="90000" tIns="45000" bIns="45000" anchor="t">
             <a:noAutofit/>
           </a:bodyPr>
           <a:p>
@@ -5663,24 +5543,24 @@
         <p:spPr>
           <a:xfrm>
             <a:off x="1820160" y="111960"/>
-            <a:ext cx="5506920" cy="223560"/>
-          </a:xfrm>
-          <a:prstGeom prst="rect">
-            <a:avLst/>
-          </a:prstGeom>
-          <a:noFill/>
-          <a:ln w="0">
-            <a:noFill/>
-          </a:ln>
-        </p:spPr>
-        <p:style>
-          <a:lnRef idx="0"/>
-          <a:fillRef idx="0"/>
-          <a:effectRef idx="0"/>
-          <a:fontRef idx="minor"/>
-        </p:style>
-        <p:txBody>
-          <a:bodyPr anchor="t">
+            <a:ext cx="5506560" cy="223200"/>
+          </a:xfrm>
+          <a:prstGeom prst="rect">
+            <a:avLst/>
+          </a:prstGeom>
+          <a:noFill/>
+          <a:ln w="0">
+            <a:noFill/>
+          </a:ln>
+        </p:spPr>
+        <p:style>
+          <a:lnRef idx="0"/>
+          <a:fillRef idx="0"/>
+          <a:effectRef idx="0"/>
+          <a:fontRef idx="minor"/>
+        </p:style>
+        <p:txBody>
+          <a:bodyPr lIns="90000" rIns="90000" tIns="45000" bIns="45000" anchor="t">
             <a:noAutofit/>
           </a:bodyPr>
           <a:p>
@@ -5718,24 +5598,24 @@
         <p:spPr>
           <a:xfrm>
             <a:off x="1820160" y="717120"/>
-            <a:ext cx="5506920" cy="411120"/>
-          </a:xfrm>
-          <a:prstGeom prst="rect">
-            <a:avLst/>
-          </a:prstGeom>
-          <a:noFill/>
-          <a:ln w="0">
-            <a:noFill/>
-          </a:ln>
-        </p:spPr>
-        <p:style>
-          <a:lnRef idx="0"/>
-          <a:fillRef idx="0"/>
-          <a:effectRef idx="0"/>
-          <a:fontRef idx="minor"/>
-        </p:style>
-        <p:txBody>
-          <a:bodyPr anchor="t">
+            <a:ext cx="5506560" cy="410760"/>
+          </a:xfrm>
+          <a:prstGeom prst="rect">
+            <a:avLst/>
+          </a:prstGeom>
+          <a:noFill/>
+          <a:ln w="0">
+            <a:noFill/>
+          </a:ln>
+        </p:spPr>
+        <p:style>
+          <a:lnRef idx="0"/>
+          <a:fillRef idx="0"/>
+          <a:effectRef idx="0"/>
+          <a:fontRef idx="minor"/>
+        </p:style>
+        <p:txBody>
+          <a:bodyPr lIns="90000" rIns="90000" tIns="45000" bIns="45000" anchor="t">
             <a:noAutofit/>
           </a:bodyPr>
           <a:p>
@@ -5773,24 +5653,24 @@
         <p:spPr>
           <a:xfrm>
             <a:off x="123480" y="1175760"/>
-            <a:ext cx="3150720" cy="1341360"/>
-          </a:xfrm>
-          <a:prstGeom prst="rect">
-            <a:avLst/>
-          </a:prstGeom>
-          <a:noFill/>
-          <a:ln w="0">
-            <a:noFill/>
-          </a:ln>
-        </p:spPr>
-        <p:style>
-          <a:lnRef idx="0"/>
-          <a:fillRef idx="0"/>
-          <a:effectRef idx="0"/>
-          <a:fontRef idx="minor"/>
-        </p:style>
-        <p:txBody>
-          <a:bodyPr anchor="t">
+            <a:ext cx="3150360" cy="1341000"/>
+          </a:xfrm>
+          <a:prstGeom prst="rect">
+            <a:avLst/>
+          </a:prstGeom>
+          <a:noFill/>
+          <a:ln w="0">
+            <a:noFill/>
+          </a:ln>
+        </p:spPr>
+        <p:style>
+          <a:lnRef idx="0"/>
+          <a:fillRef idx="0"/>
+          <a:effectRef idx="0"/>
+          <a:fontRef idx="minor"/>
+        </p:style>
+        <p:txBody>
+          <a:bodyPr lIns="90000" rIns="90000" tIns="45000" bIns="45000" anchor="t">
             <a:normAutofit/>
           </a:bodyPr>
           <a:p>
@@ -5884,7 +5764,7 @@
         <p:spPr>
           <a:xfrm>
             <a:off x="213120" y="2661480"/>
-            <a:ext cx="3068640" cy="1023840"/>
+            <a:ext cx="3068280" cy="1023480"/>
           </a:xfrm>
           <a:prstGeom prst="rect">
             <a:avLst/>
@@ -5905,7 +5785,7 @@
           <a:fontRef idx="minor"/>
         </p:style>
         <p:txBody>
-          <a:bodyPr tIns="91440" bIns="91440" anchor="ctr">
+          <a:bodyPr lIns="90000" rIns="90000" tIns="91440" bIns="91440" anchor="ctr">
             <a:noAutofit/>
           </a:bodyPr>
           <a:p>
@@ -5973,25 +5853,25 @@
         <p:spPr>
           <a:xfrm>
             <a:off x="123480" y="940320"/>
-            <a:ext cx="3150720" cy="230760"/>
-          </a:xfrm>
-          <a:prstGeom prst="rect">
-            <a:avLst/>
-          </a:prstGeom>
-          <a:noFill/>
-          <a:ln w="0">
-            <a:noFill/>
-          </a:ln>
-        </p:spPr>
-        <p:style>
-          <a:lnRef idx="0"/>
-          <a:fillRef idx="0"/>
-          <a:effectRef idx="0"/>
-          <a:fontRef idx="minor"/>
-        </p:style>
-        <p:txBody>
-          <a:bodyPr anchor="t">
-            <a:normAutofit fontScale="94000"/>
+            <a:ext cx="3150360" cy="230400"/>
+          </a:xfrm>
+          <a:prstGeom prst="rect">
+            <a:avLst/>
+          </a:prstGeom>
+          <a:noFill/>
+          <a:ln w="0">
+            <a:noFill/>
+          </a:ln>
+        </p:spPr>
+        <p:style>
+          <a:lnRef idx="0"/>
+          <a:fillRef idx="0"/>
+          <a:effectRef idx="0"/>
+          <a:fontRef idx="minor"/>
+        </p:style>
+        <p:txBody>
+          <a:bodyPr lIns="90000" rIns="90000" tIns="45000" bIns="45000" anchor="t">
+            <a:normAutofit fontScale="95000"/>
           </a:bodyPr>
           <a:p>
             <a:pPr>
@@ -6028,7 +5908,7 @@
         <p:spPr>
           <a:xfrm>
             <a:off x="3397680" y="1510200"/>
-            <a:ext cx="5289120" cy="3213360"/>
+            <a:ext cx="5288760" cy="3213000"/>
           </a:xfrm>
           <a:prstGeom prst="rect">
             <a:avLst/>
@@ -6049,7 +5929,7 @@
           <a:fontRef idx="minor"/>
         </p:style>
         <p:txBody>
-          <a:bodyPr tIns="91440" bIns="91440" anchor="ctr">
+          <a:bodyPr lIns="90000" rIns="90000" tIns="91440" bIns="91440" anchor="ctr">
             <a:noAutofit/>
           </a:bodyPr>
           <a:p>
@@ -6135,24 +6015,24 @@
         <p:spPr>
           <a:xfrm>
             <a:off x="1820160" y="335880"/>
-            <a:ext cx="5506920" cy="326160"/>
-          </a:xfrm>
-          <a:prstGeom prst="rect">
-            <a:avLst/>
-          </a:prstGeom>
-          <a:noFill/>
-          <a:ln w="0">
-            <a:noFill/>
-          </a:ln>
-        </p:spPr>
-        <p:style>
-          <a:lnRef idx="0"/>
-          <a:fillRef idx="0"/>
-          <a:effectRef idx="0"/>
-          <a:fontRef idx="minor"/>
-        </p:style>
-        <p:txBody>
-          <a:bodyPr anchor="t">
+            <a:ext cx="5506560" cy="325800"/>
+          </a:xfrm>
+          <a:prstGeom prst="rect">
+            <a:avLst/>
+          </a:prstGeom>
+          <a:noFill/>
+          <a:ln w="0">
+            <a:noFill/>
+          </a:ln>
+        </p:spPr>
+        <p:style>
+          <a:lnRef idx="0"/>
+          <a:fillRef idx="0"/>
+          <a:effectRef idx="0"/>
+          <a:fontRef idx="minor"/>
+        </p:style>
+        <p:txBody>
+          <a:bodyPr lIns="90000" rIns="90000" tIns="45000" bIns="45000" anchor="t">
             <a:noAutofit/>
           </a:bodyPr>
           <a:p>
@@ -6190,24 +6070,24 @@
         <p:spPr>
           <a:xfrm>
             <a:off x="1820160" y="111960"/>
-            <a:ext cx="5506920" cy="223560"/>
-          </a:xfrm>
-          <a:prstGeom prst="rect">
-            <a:avLst/>
-          </a:prstGeom>
-          <a:noFill/>
-          <a:ln w="0">
-            <a:noFill/>
-          </a:ln>
-        </p:spPr>
-        <p:style>
-          <a:lnRef idx="0"/>
-          <a:fillRef idx="0"/>
-          <a:effectRef idx="0"/>
-          <a:fontRef idx="minor"/>
-        </p:style>
-        <p:txBody>
-          <a:bodyPr anchor="t">
+            <a:ext cx="5506560" cy="223200"/>
+          </a:xfrm>
+          <a:prstGeom prst="rect">
+            <a:avLst/>
+          </a:prstGeom>
+          <a:noFill/>
+          <a:ln w="0">
+            <a:noFill/>
+          </a:ln>
+        </p:spPr>
+        <p:style>
+          <a:lnRef idx="0"/>
+          <a:fillRef idx="0"/>
+          <a:effectRef idx="0"/>
+          <a:fontRef idx="minor"/>
+        </p:style>
+        <p:txBody>
+          <a:bodyPr lIns="90000" rIns="90000" tIns="45000" bIns="45000" anchor="t">
             <a:noAutofit/>
           </a:bodyPr>
           <a:p>
@@ -6245,24 +6125,24 @@
         <p:spPr>
           <a:xfrm>
             <a:off x="1820160" y="717120"/>
-            <a:ext cx="5506920" cy="411120"/>
-          </a:xfrm>
-          <a:prstGeom prst="rect">
-            <a:avLst/>
-          </a:prstGeom>
-          <a:noFill/>
-          <a:ln w="0">
-            <a:noFill/>
-          </a:ln>
-        </p:spPr>
-        <p:style>
-          <a:lnRef idx="0"/>
-          <a:fillRef idx="0"/>
-          <a:effectRef idx="0"/>
-          <a:fontRef idx="minor"/>
-        </p:style>
-        <p:txBody>
-          <a:bodyPr anchor="t">
+            <a:ext cx="5506560" cy="410760"/>
+          </a:xfrm>
+          <a:prstGeom prst="rect">
+            <a:avLst/>
+          </a:prstGeom>
+          <a:noFill/>
+          <a:ln w="0">
+            <a:noFill/>
+          </a:ln>
+        </p:spPr>
+        <p:style>
+          <a:lnRef idx="0"/>
+          <a:fillRef idx="0"/>
+          <a:effectRef idx="0"/>
+          <a:fontRef idx="minor"/>
+        </p:style>
+        <p:txBody>
+          <a:bodyPr lIns="90000" rIns="90000" tIns="45000" bIns="45000" anchor="t">
             <a:noAutofit/>
           </a:bodyPr>
           <a:p>
@@ -6300,24 +6180,24 @@
         <p:spPr>
           <a:xfrm>
             <a:off x="123480" y="1175760"/>
-            <a:ext cx="3150720" cy="1341360"/>
-          </a:xfrm>
-          <a:prstGeom prst="rect">
-            <a:avLst/>
-          </a:prstGeom>
-          <a:noFill/>
-          <a:ln w="0">
-            <a:noFill/>
-          </a:ln>
-        </p:spPr>
-        <p:style>
-          <a:lnRef idx="0"/>
-          <a:fillRef idx="0"/>
-          <a:effectRef idx="0"/>
-          <a:fontRef idx="minor"/>
-        </p:style>
-        <p:txBody>
-          <a:bodyPr anchor="t">
+            <a:ext cx="3150360" cy="1341000"/>
+          </a:xfrm>
+          <a:prstGeom prst="rect">
+            <a:avLst/>
+          </a:prstGeom>
+          <a:noFill/>
+          <a:ln w="0">
+            <a:noFill/>
+          </a:ln>
+        </p:spPr>
+        <p:style>
+          <a:lnRef idx="0"/>
+          <a:fillRef idx="0"/>
+          <a:effectRef idx="0"/>
+          <a:fontRef idx="minor"/>
+        </p:style>
+        <p:txBody>
+          <a:bodyPr lIns="90000" rIns="90000" tIns="45000" bIns="45000" anchor="t">
             <a:normAutofit/>
           </a:bodyPr>
           <a:p>
@@ -6383,7 +6263,7 @@
         <p:spPr>
           <a:xfrm>
             <a:off x="213120" y="2661480"/>
-            <a:ext cx="3068640" cy="1023840"/>
+            <a:ext cx="3068280" cy="1023480"/>
           </a:xfrm>
           <a:prstGeom prst="rect">
             <a:avLst/>
@@ -6404,7 +6284,7 @@
           <a:fontRef idx="minor"/>
         </p:style>
         <p:txBody>
-          <a:bodyPr tIns="91440" bIns="91440" anchor="ctr">
+          <a:bodyPr lIns="90000" rIns="90000" tIns="91440" bIns="91440" anchor="ctr">
             <a:noAutofit/>
           </a:bodyPr>
           <a:p>
@@ -6472,25 +6352,25 @@
         <p:spPr>
           <a:xfrm>
             <a:off x="123480" y="940320"/>
-            <a:ext cx="3150720" cy="230760"/>
-          </a:xfrm>
-          <a:prstGeom prst="rect">
-            <a:avLst/>
-          </a:prstGeom>
-          <a:noFill/>
-          <a:ln w="0">
-            <a:noFill/>
-          </a:ln>
-        </p:spPr>
-        <p:style>
-          <a:lnRef idx="0"/>
-          <a:fillRef idx="0"/>
-          <a:effectRef idx="0"/>
-          <a:fontRef idx="minor"/>
-        </p:style>
-        <p:txBody>
-          <a:bodyPr anchor="t">
-            <a:normAutofit fontScale="94000"/>
+            <a:ext cx="3150360" cy="230400"/>
+          </a:xfrm>
+          <a:prstGeom prst="rect">
+            <a:avLst/>
+          </a:prstGeom>
+          <a:noFill/>
+          <a:ln w="0">
+            <a:noFill/>
+          </a:ln>
+        </p:spPr>
+        <p:style>
+          <a:lnRef idx="0"/>
+          <a:fillRef idx="0"/>
+          <a:effectRef idx="0"/>
+          <a:fontRef idx="minor"/>
+        </p:style>
+        <p:txBody>
+          <a:bodyPr lIns="90000" rIns="90000" tIns="45000" bIns="45000" anchor="t">
+            <a:normAutofit fontScale="95000"/>
           </a:bodyPr>
           <a:p>
             <a:pPr>
@@ -6527,7 +6407,7 @@
         <p:spPr>
           <a:xfrm>
             <a:off x="3397680" y="1510200"/>
-            <a:ext cx="5289120" cy="3213360"/>
+            <a:ext cx="5288760" cy="3213000"/>
           </a:xfrm>
           <a:prstGeom prst="rect">
             <a:avLst/>
@@ -6548,7 +6428,7 @@
           <a:fontRef idx="minor"/>
         </p:style>
         <p:txBody>
-          <a:bodyPr tIns="91440" bIns="91440" anchor="ctr">
+          <a:bodyPr lIns="90000" rIns="90000" tIns="91440" bIns="91440" anchor="ctr">
             <a:noAutofit/>
           </a:bodyPr>
           <a:p>
@@ -6634,24 +6514,24 @@
         <p:spPr>
           <a:xfrm>
             <a:off x="1820160" y="335880"/>
-            <a:ext cx="5506920" cy="326160"/>
-          </a:xfrm>
-          <a:prstGeom prst="rect">
-            <a:avLst/>
-          </a:prstGeom>
-          <a:noFill/>
-          <a:ln w="0">
-            <a:noFill/>
-          </a:ln>
-        </p:spPr>
-        <p:style>
-          <a:lnRef idx="0"/>
-          <a:fillRef idx="0"/>
-          <a:effectRef idx="0"/>
-          <a:fontRef idx="minor"/>
-        </p:style>
-        <p:txBody>
-          <a:bodyPr anchor="t">
+            <a:ext cx="5506560" cy="325800"/>
+          </a:xfrm>
+          <a:prstGeom prst="rect">
+            <a:avLst/>
+          </a:prstGeom>
+          <a:noFill/>
+          <a:ln w="0">
+            <a:noFill/>
+          </a:ln>
+        </p:spPr>
+        <p:style>
+          <a:lnRef idx="0"/>
+          <a:fillRef idx="0"/>
+          <a:effectRef idx="0"/>
+          <a:fontRef idx="minor"/>
+        </p:style>
+        <p:txBody>
+          <a:bodyPr lIns="90000" rIns="90000" tIns="45000" bIns="45000" anchor="t">
             <a:noAutofit/>
           </a:bodyPr>
           <a:p>
@@ -6689,24 +6569,24 @@
         <p:spPr>
           <a:xfrm>
             <a:off x="1820160" y="111960"/>
-            <a:ext cx="5506920" cy="223560"/>
-          </a:xfrm>
-          <a:prstGeom prst="rect">
-            <a:avLst/>
-          </a:prstGeom>
-          <a:noFill/>
-          <a:ln w="0">
-            <a:noFill/>
-          </a:ln>
-        </p:spPr>
-        <p:style>
-          <a:lnRef idx="0"/>
-          <a:fillRef idx="0"/>
-          <a:effectRef idx="0"/>
-          <a:fontRef idx="minor"/>
-        </p:style>
-        <p:txBody>
-          <a:bodyPr anchor="t">
+            <a:ext cx="5506560" cy="223200"/>
+          </a:xfrm>
+          <a:prstGeom prst="rect">
+            <a:avLst/>
+          </a:prstGeom>
+          <a:noFill/>
+          <a:ln w="0">
+            <a:noFill/>
+          </a:ln>
+        </p:spPr>
+        <p:style>
+          <a:lnRef idx="0"/>
+          <a:fillRef idx="0"/>
+          <a:effectRef idx="0"/>
+          <a:fontRef idx="minor"/>
+        </p:style>
+        <p:txBody>
+          <a:bodyPr lIns="90000" rIns="90000" tIns="45000" bIns="45000" anchor="t">
             <a:noAutofit/>
           </a:bodyPr>
           <a:p>
@@ -6744,24 +6624,24 @@
         <p:spPr>
           <a:xfrm>
             <a:off x="1820160" y="717120"/>
-            <a:ext cx="5506920" cy="411120"/>
-          </a:xfrm>
-          <a:prstGeom prst="rect">
-            <a:avLst/>
-          </a:prstGeom>
-          <a:noFill/>
-          <a:ln w="0">
-            <a:noFill/>
-          </a:ln>
-        </p:spPr>
-        <p:style>
-          <a:lnRef idx="0"/>
-          <a:fillRef idx="0"/>
-          <a:effectRef idx="0"/>
-          <a:fontRef idx="minor"/>
-        </p:style>
-        <p:txBody>
-          <a:bodyPr anchor="t">
+            <a:ext cx="5506560" cy="410760"/>
+          </a:xfrm>
+          <a:prstGeom prst="rect">
+            <a:avLst/>
+          </a:prstGeom>
+          <a:noFill/>
+          <a:ln w="0">
+            <a:noFill/>
+          </a:ln>
+        </p:spPr>
+        <p:style>
+          <a:lnRef idx="0"/>
+          <a:fillRef idx="0"/>
+          <a:effectRef idx="0"/>
+          <a:fontRef idx="minor"/>
+        </p:style>
+        <p:txBody>
+          <a:bodyPr lIns="90000" rIns="90000" tIns="45000" bIns="45000" anchor="t">
             <a:noAutofit/>
           </a:bodyPr>
           <a:p>
@@ -6799,24 +6679,24 @@
         <p:spPr>
           <a:xfrm>
             <a:off x="123480" y="1175760"/>
-            <a:ext cx="3150720" cy="1341360"/>
-          </a:xfrm>
-          <a:prstGeom prst="rect">
-            <a:avLst/>
-          </a:prstGeom>
-          <a:noFill/>
-          <a:ln w="0">
-            <a:noFill/>
-          </a:ln>
-        </p:spPr>
-        <p:style>
-          <a:lnRef idx="0"/>
-          <a:fillRef idx="0"/>
-          <a:effectRef idx="0"/>
-          <a:fontRef idx="minor"/>
-        </p:style>
-        <p:txBody>
-          <a:bodyPr anchor="t">
+            <a:ext cx="3150360" cy="1341000"/>
+          </a:xfrm>
+          <a:prstGeom prst="rect">
+            <a:avLst/>
+          </a:prstGeom>
+          <a:noFill/>
+          <a:ln w="0">
+            <a:noFill/>
+          </a:ln>
+        </p:spPr>
+        <p:style>
+          <a:lnRef idx="0"/>
+          <a:fillRef idx="0"/>
+          <a:effectRef idx="0"/>
+          <a:fontRef idx="minor"/>
+        </p:style>
+        <p:txBody>
+          <a:bodyPr lIns="90000" rIns="90000" tIns="45000" bIns="45000" anchor="t">
             <a:normAutofit/>
           </a:bodyPr>
           <a:p>
@@ -6882,7 +6762,7 @@
         <p:spPr>
           <a:xfrm>
             <a:off x="213120" y="2661480"/>
-            <a:ext cx="3068640" cy="1023840"/>
+            <a:ext cx="3068280" cy="1023480"/>
           </a:xfrm>
           <a:prstGeom prst="rect">
             <a:avLst/>
@@ -6903,7 +6783,7 @@
           <a:fontRef idx="minor"/>
         </p:style>
         <p:txBody>
-          <a:bodyPr tIns="91440" bIns="91440" anchor="ctr">
+          <a:bodyPr lIns="90000" rIns="90000" tIns="91440" bIns="91440" anchor="ctr">
             <a:noAutofit/>
           </a:bodyPr>
           <a:p>
@@ -6971,25 +6851,25 @@
         <p:spPr>
           <a:xfrm>
             <a:off x="123480" y="940320"/>
-            <a:ext cx="3150720" cy="230760"/>
-          </a:xfrm>
-          <a:prstGeom prst="rect">
-            <a:avLst/>
-          </a:prstGeom>
-          <a:noFill/>
-          <a:ln w="0">
-            <a:noFill/>
-          </a:ln>
-        </p:spPr>
-        <p:style>
-          <a:lnRef idx="0"/>
-          <a:fillRef idx="0"/>
-          <a:effectRef idx="0"/>
-          <a:fontRef idx="minor"/>
-        </p:style>
-        <p:txBody>
-          <a:bodyPr anchor="t">
-            <a:normAutofit fontScale="94000"/>
+            <a:ext cx="3150360" cy="230400"/>
+          </a:xfrm>
+          <a:prstGeom prst="rect">
+            <a:avLst/>
+          </a:prstGeom>
+          <a:noFill/>
+          <a:ln w="0">
+            <a:noFill/>
+          </a:ln>
+        </p:spPr>
+        <p:style>
+          <a:lnRef idx="0"/>
+          <a:fillRef idx="0"/>
+          <a:effectRef idx="0"/>
+          <a:fontRef idx="minor"/>
+        </p:style>
+        <p:txBody>
+          <a:bodyPr lIns="90000" rIns="90000" tIns="45000" bIns="45000" anchor="t">
+            <a:normAutofit fontScale="95000"/>
           </a:bodyPr>
           <a:p>
             <a:pPr>
@@ -7026,7 +6906,7 @@
         <p:spPr>
           <a:xfrm>
             <a:off x="3397680" y="1510200"/>
-            <a:ext cx="5289120" cy="3213360"/>
+            <a:ext cx="5288760" cy="3213000"/>
           </a:xfrm>
           <a:prstGeom prst="rect">
             <a:avLst/>
@@ -7047,7 +6927,7 @@
           <a:fontRef idx="minor"/>
         </p:style>
         <p:txBody>
-          <a:bodyPr tIns="91440" bIns="91440" anchor="ctr">
+          <a:bodyPr lIns="90000" rIns="90000" tIns="91440" bIns="91440" anchor="ctr">
             <a:noAutofit/>
           </a:bodyPr>
           <a:p>
@@ -7133,24 +7013,24 @@
         <p:spPr>
           <a:xfrm>
             <a:off x="1820160" y="335880"/>
-            <a:ext cx="5506920" cy="326160"/>
-          </a:xfrm>
-          <a:prstGeom prst="rect">
-            <a:avLst/>
-          </a:prstGeom>
-          <a:noFill/>
-          <a:ln w="0">
-            <a:noFill/>
-          </a:ln>
-        </p:spPr>
-        <p:style>
-          <a:lnRef idx="0"/>
-          <a:fillRef idx="0"/>
-          <a:effectRef idx="0"/>
-          <a:fontRef idx="minor"/>
-        </p:style>
-        <p:txBody>
-          <a:bodyPr anchor="t">
+            <a:ext cx="5506560" cy="325800"/>
+          </a:xfrm>
+          <a:prstGeom prst="rect">
+            <a:avLst/>
+          </a:prstGeom>
+          <a:noFill/>
+          <a:ln w="0">
+            <a:noFill/>
+          </a:ln>
+        </p:spPr>
+        <p:style>
+          <a:lnRef idx="0"/>
+          <a:fillRef idx="0"/>
+          <a:effectRef idx="0"/>
+          <a:fontRef idx="minor"/>
+        </p:style>
+        <p:txBody>
+          <a:bodyPr lIns="90000" rIns="90000" tIns="45000" bIns="45000" anchor="t">
             <a:noAutofit/>
           </a:bodyPr>
           <a:p>
@@ -7188,24 +7068,24 @@
         <p:spPr>
           <a:xfrm>
             <a:off x="1820160" y="111960"/>
-            <a:ext cx="5506920" cy="223560"/>
-          </a:xfrm>
-          <a:prstGeom prst="rect">
-            <a:avLst/>
-          </a:prstGeom>
-          <a:noFill/>
-          <a:ln w="0">
-            <a:noFill/>
-          </a:ln>
-        </p:spPr>
-        <p:style>
-          <a:lnRef idx="0"/>
-          <a:fillRef idx="0"/>
-          <a:effectRef idx="0"/>
-          <a:fontRef idx="minor"/>
-        </p:style>
-        <p:txBody>
-          <a:bodyPr anchor="t">
+            <a:ext cx="5506560" cy="223200"/>
+          </a:xfrm>
+          <a:prstGeom prst="rect">
+            <a:avLst/>
+          </a:prstGeom>
+          <a:noFill/>
+          <a:ln w="0">
+            <a:noFill/>
+          </a:ln>
+        </p:spPr>
+        <p:style>
+          <a:lnRef idx="0"/>
+          <a:fillRef idx="0"/>
+          <a:effectRef idx="0"/>
+          <a:fontRef idx="minor"/>
+        </p:style>
+        <p:txBody>
+          <a:bodyPr lIns="90000" rIns="90000" tIns="45000" bIns="45000" anchor="t">
             <a:noAutofit/>
           </a:bodyPr>
           <a:p>
@@ -7243,24 +7123,24 @@
         <p:spPr>
           <a:xfrm>
             <a:off x="1820160" y="717120"/>
-            <a:ext cx="5506920" cy="411120"/>
-          </a:xfrm>
-          <a:prstGeom prst="rect">
-            <a:avLst/>
-          </a:prstGeom>
-          <a:noFill/>
-          <a:ln w="0">
-            <a:noFill/>
-          </a:ln>
-        </p:spPr>
-        <p:style>
-          <a:lnRef idx="0"/>
-          <a:fillRef idx="0"/>
-          <a:effectRef idx="0"/>
-          <a:fontRef idx="minor"/>
-        </p:style>
-        <p:txBody>
-          <a:bodyPr anchor="t">
+            <a:ext cx="5506560" cy="410760"/>
+          </a:xfrm>
+          <a:prstGeom prst="rect">
+            <a:avLst/>
+          </a:prstGeom>
+          <a:noFill/>
+          <a:ln w="0">
+            <a:noFill/>
+          </a:ln>
+        </p:spPr>
+        <p:style>
+          <a:lnRef idx="0"/>
+          <a:fillRef idx="0"/>
+          <a:effectRef idx="0"/>
+          <a:fontRef idx="minor"/>
+        </p:style>
+        <p:txBody>
+          <a:bodyPr lIns="90000" rIns="90000" tIns="45000" bIns="45000" anchor="t">
             <a:noAutofit/>
           </a:bodyPr>
           <a:p>
@@ -7298,24 +7178,24 @@
         <p:spPr>
           <a:xfrm>
             <a:off x="123480" y="1175760"/>
-            <a:ext cx="3150720" cy="1341360"/>
-          </a:xfrm>
-          <a:prstGeom prst="rect">
-            <a:avLst/>
-          </a:prstGeom>
-          <a:noFill/>
-          <a:ln w="0">
-            <a:noFill/>
-          </a:ln>
-        </p:spPr>
-        <p:style>
-          <a:lnRef idx="0"/>
-          <a:fillRef idx="0"/>
-          <a:effectRef idx="0"/>
-          <a:fontRef idx="minor"/>
-        </p:style>
-        <p:txBody>
-          <a:bodyPr anchor="t">
+            <a:ext cx="3150360" cy="1341000"/>
+          </a:xfrm>
+          <a:prstGeom prst="rect">
+            <a:avLst/>
+          </a:prstGeom>
+          <a:noFill/>
+          <a:ln w="0">
+            <a:noFill/>
+          </a:ln>
+        </p:spPr>
+        <p:style>
+          <a:lnRef idx="0"/>
+          <a:fillRef idx="0"/>
+          <a:effectRef idx="0"/>
+          <a:fontRef idx="minor"/>
+        </p:style>
+        <p:txBody>
+          <a:bodyPr lIns="90000" rIns="90000" tIns="45000" bIns="45000" anchor="t">
             <a:normAutofit/>
           </a:bodyPr>
           <a:p>
@@ -7381,7 +7261,7 @@
         <p:spPr>
           <a:xfrm>
             <a:off x="213120" y="2661480"/>
-            <a:ext cx="3068640" cy="1023840"/>
+            <a:ext cx="3068280" cy="1023480"/>
           </a:xfrm>
           <a:prstGeom prst="rect">
             <a:avLst/>
@@ -7402,7 +7282,7 @@
           <a:fontRef idx="minor"/>
         </p:style>
         <p:txBody>
-          <a:bodyPr tIns="91440" bIns="91440" anchor="ctr">
+          <a:bodyPr lIns="90000" rIns="90000" tIns="91440" bIns="91440" anchor="ctr">
             <a:noAutofit/>
           </a:bodyPr>
           <a:p>
@@ -7463,90 +7343,86 @@
       </p:grpSpPr>
       <p:sp>
         <p:nvSpPr>
-          <p:cNvPr id="43" name="Google Shape;107;p26"/>
-          <p:cNvSpPr/>
-          <p:nvPr/>
-        </p:nvSpPr>
-        <p:spPr>
-          <a:xfrm>
-            <a:off x="3397680" y="1452960"/>
-            <a:ext cx="5289120" cy="3213360"/>
-          </a:xfrm>
-          <a:prstGeom prst="rect">
-            <a:avLst/>
-          </a:prstGeom>
-          <a:noFill/>
-          <a:ln w="9525">
-            <a:solidFill>
-              <a:srgbClr val="000000"/>
-            </a:solidFill>
-            <a:prstDash val="dot"/>
-            <a:round/>
-          </a:ln>
-        </p:spPr>
-        <p:style>
-          <a:lnRef idx="0"/>
-          <a:fillRef idx="0"/>
-          <a:effectRef idx="0"/>
-          <a:fontRef idx="minor"/>
-        </p:style>
-        <p:txBody>
-          <a:bodyPr tIns="91440" bIns="91440" anchor="ctr">
+          <p:cNvPr id="43" name="Google Shape;108;p26"/>
+          <p:cNvSpPr/>
+          <p:nvPr/>
+        </p:nvSpPr>
+        <p:spPr>
+          <a:xfrm>
+            <a:off x="1820160" y="335880"/>
+            <a:ext cx="5506560" cy="325800"/>
+          </a:xfrm>
+          <a:prstGeom prst="rect">
+            <a:avLst/>
+          </a:prstGeom>
+          <a:noFill/>
+          <a:ln w="0">
+            <a:noFill/>
+          </a:ln>
+        </p:spPr>
+        <p:style>
+          <a:lnRef idx="0"/>
+          <a:fillRef idx="0"/>
+          <a:effectRef idx="0"/>
+          <a:fontRef idx="minor"/>
+        </p:style>
+        <p:txBody>
+          <a:bodyPr lIns="90000" rIns="90000" tIns="45000" bIns="45000" anchor="t">
             <a:noAutofit/>
           </a:bodyPr>
           <a:p>
             <a:pPr algn="ctr">
               <a:lnSpc>
-                <a:spcPct val="100000"/>
-              </a:lnSpc>
-              <a:buNone/>
-              <a:tabLst>
-                <a:tab algn="l" pos="0"/>
-              </a:tabLst>
-            </a:pPr>
-            <a:r>
-              <a:rPr b="0" i="1" lang="en-GB" sz="1500" spc="-1" strike="noStrike">
+                <a:spcPct val="114000"/>
+              </a:lnSpc>
+              <a:buNone/>
+              <a:tabLst>
+                <a:tab algn="l" pos="0"/>
+              </a:tabLst>
+            </a:pPr>
+            <a:r>
+              <a:rPr b="1" lang="en-GB" sz="1400" spc="-1" strike="noStrike">
                 <a:solidFill>
                   <a:srgbClr val="04488e"/>
                 </a:solidFill>
                 <a:latin typeface="Arial"/>
                 <a:ea typeface="Arial"/>
               </a:rPr>
-              <a:t>Add one or more screenshot(s) of your website as it appears in the browser, and remove this frame and text.</a:t>
-            </a:r>
-            <a:endParaRPr b="0" lang="en-US" sz="1500" spc="-1" strike="noStrike">
-              <a:latin typeface="Arial"/>
-            </a:endParaRPr>
-          </a:p>
-        </p:txBody>
-      </p:sp>
-      <p:sp>
-        <p:nvSpPr>
-          <p:cNvPr id="44" name="Google Shape;108;p26"/>
-          <p:cNvSpPr/>
-          <p:nvPr/>
-        </p:nvSpPr>
-        <p:spPr>
-          <a:xfrm>
-            <a:off x="1820160" y="335880"/>
-            <a:ext cx="5506920" cy="326160"/>
-          </a:xfrm>
-          <a:prstGeom prst="rect">
-            <a:avLst/>
-          </a:prstGeom>
-          <a:noFill/>
-          <a:ln w="0">
-            <a:noFill/>
-          </a:ln>
-        </p:spPr>
-        <p:style>
-          <a:lnRef idx="0"/>
-          <a:fillRef idx="0"/>
-          <a:effectRef idx="0"/>
-          <a:fontRef idx="minor"/>
-        </p:style>
-        <p:txBody>
-          <a:bodyPr anchor="t">
+              <a:t>Your Name - Your Project’s Title</a:t>
+            </a:r>
+            <a:endParaRPr b="0" lang="en-US" sz="1400" spc="-1" strike="noStrike">
+              <a:latin typeface="Arial"/>
+            </a:endParaRPr>
+          </a:p>
+        </p:txBody>
+      </p:sp>
+      <p:sp>
+        <p:nvSpPr>
+          <p:cNvPr id="44" name="Google Shape;109;p26"/>
+          <p:cNvSpPr/>
+          <p:nvPr/>
+        </p:nvSpPr>
+        <p:spPr>
+          <a:xfrm>
+            <a:off x="1820160" y="111960"/>
+            <a:ext cx="5506560" cy="223200"/>
+          </a:xfrm>
+          <a:prstGeom prst="rect">
+            <a:avLst/>
+          </a:prstGeom>
+          <a:noFill/>
+          <a:ln w="0">
+            <a:noFill/>
+          </a:ln>
+        </p:spPr>
+        <p:style>
+          <a:lnRef idx="0"/>
+          <a:fillRef idx="0"/>
+          <a:effectRef idx="0"/>
+          <a:fontRef idx="minor"/>
+        </p:style>
+        <p:txBody>
+          <a:bodyPr lIns="90000" rIns="90000" tIns="45000" bIns="45000" anchor="t">
             <a:noAutofit/>
           </a:bodyPr>
           <a:p>
@@ -7560,48 +7436,48 @@
               </a:tabLst>
             </a:pPr>
             <a:r>
-              <a:rPr b="1" lang="en-GB" sz="1400" spc="-1" strike="noStrike">
-                <a:solidFill>
-                  <a:srgbClr val="04488e"/>
-                </a:solidFill>
-                <a:latin typeface="Arial"/>
-                <a:ea typeface="Arial"/>
-              </a:rPr>
-              <a:t>Your Name - Your Project’s Title</a:t>
-            </a:r>
-            <a:endParaRPr b="0" lang="en-US" sz="1400" spc="-1" strike="noStrike">
-              <a:latin typeface="Arial"/>
-            </a:endParaRPr>
-          </a:p>
-        </p:txBody>
-      </p:sp>
-      <p:sp>
-        <p:nvSpPr>
-          <p:cNvPr id="45" name="Google Shape;109;p26"/>
-          <p:cNvSpPr/>
-          <p:nvPr/>
-        </p:nvSpPr>
-        <p:spPr>
-          <a:xfrm>
-            <a:off x="1820160" y="111960"/>
-            <a:ext cx="5506920" cy="223560"/>
-          </a:xfrm>
-          <a:prstGeom prst="rect">
-            <a:avLst/>
-          </a:prstGeom>
-          <a:noFill/>
-          <a:ln w="0">
-            <a:noFill/>
-          </a:ln>
-        </p:spPr>
-        <p:style>
-          <a:lnRef idx="0"/>
-          <a:fillRef idx="0"/>
-          <a:effectRef idx="0"/>
-          <a:fontRef idx="minor"/>
-        </p:style>
-        <p:txBody>
-          <a:bodyPr anchor="t">
+              <a:rPr b="0" lang="en-GB" sz="1200" spc="-1" strike="noStrike">
+                <a:solidFill>
+                  <a:srgbClr val="3e3d3f"/>
+                </a:solidFill>
+                <a:latin typeface="Arial"/>
+                <a:ea typeface="Arial"/>
+              </a:rPr>
+              <a:t>Static Website - Final Project</a:t>
+            </a:r>
+            <a:endParaRPr b="0" lang="en-US" sz="1200" spc="-1" strike="noStrike">
+              <a:latin typeface="Arial"/>
+            </a:endParaRPr>
+          </a:p>
+        </p:txBody>
+      </p:sp>
+      <p:sp>
+        <p:nvSpPr>
+          <p:cNvPr id="45" name="Google Shape;110;p26"/>
+          <p:cNvSpPr/>
+          <p:nvPr/>
+        </p:nvSpPr>
+        <p:spPr>
+          <a:xfrm>
+            <a:off x="1820160" y="717120"/>
+            <a:ext cx="5506560" cy="410760"/>
+          </a:xfrm>
+          <a:prstGeom prst="rect">
+            <a:avLst/>
+          </a:prstGeom>
+          <a:noFill/>
+          <a:ln w="0">
+            <a:noFill/>
+          </a:ln>
+        </p:spPr>
+        <p:style>
+          <a:lnRef idx="0"/>
+          <a:fillRef idx="0"/>
+          <a:effectRef idx="0"/>
+          <a:fontRef idx="minor"/>
+        </p:style>
+        <p:txBody>
+          <a:bodyPr lIns="90000" rIns="90000" tIns="45000" bIns="45000" anchor="t">
             <a:noAutofit/>
           </a:bodyPr>
           <a:p>
@@ -7615,123 +7491,68 @@
               </a:tabLst>
             </a:pPr>
             <a:r>
-              <a:rPr b="0" lang="en-GB" sz="1200" spc="-1" strike="noStrike">
+              <a:rPr b="1" lang="en-GB" sz="2400" spc="-1" strike="noStrike">
                 <a:solidFill>
                   <a:srgbClr val="3e3d3f"/>
                 </a:solidFill>
                 <a:latin typeface="Arial"/>
                 <a:ea typeface="Arial"/>
               </a:rPr>
-              <a:t>Static Website - Final Project</a:t>
-            </a:r>
-            <a:endParaRPr b="0" lang="en-US" sz="1200" spc="-1" strike="noStrike">
-              <a:latin typeface="Arial"/>
-            </a:endParaRPr>
-          </a:p>
-        </p:txBody>
-      </p:sp>
-      <p:sp>
-        <p:nvSpPr>
-          <p:cNvPr id="46" name="Google Shape;110;p26"/>
-          <p:cNvSpPr/>
-          <p:nvPr/>
-        </p:nvSpPr>
-        <p:spPr>
-          <a:xfrm>
-            <a:off x="1820160" y="717120"/>
-            <a:ext cx="5506920" cy="411120"/>
-          </a:xfrm>
-          <a:prstGeom prst="rect">
-            <a:avLst/>
-          </a:prstGeom>
-          <a:noFill/>
-          <a:ln w="0">
-            <a:noFill/>
-          </a:ln>
-        </p:spPr>
-        <p:style>
-          <a:lnRef idx="0"/>
-          <a:fillRef idx="0"/>
-          <a:effectRef idx="0"/>
-          <a:fontRef idx="minor"/>
-        </p:style>
-        <p:txBody>
-          <a:bodyPr anchor="t">
-            <a:noAutofit/>
-          </a:bodyPr>
-          <a:p>
-            <a:pPr algn="ctr">
-              <a:lnSpc>
-                <a:spcPct val="114000"/>
-              </a:lnSpc>
-              <a:buNone/>
-              <a:tabLst>
-                <a:tab algn="l" pos="0"/>
-              </a:tabLst>
-            </a:pPr>
-            <a:r>
-              <a:rPr b="1" lang="en-GB" sz="2400" spc="-1" strike="noStrike">
+              <a:t>My Project</a:t>
+            </a:r>
+            <a:endParaRPr b="0" lang="en-US" sz="2400" spc="-1" strike="noStrike">
+              <a:latin typeface="Arial"/>
+            </a:endParaRPr>
+          </a:p>
+        </p:txBody>
+      </p:sp>
+      <p:sp>
+        <p:nvSpPr>
+          <p:cNvPr id="46" name="Google Shape;111;p26"/>
+          <p:cNvSpPr/>
+          <p:nvPr/>
+        </p:nvSpPr>
+        <p:spPr>
+          <a:xfrm>
+            <a:off x="123480" y="940320"/>
+            <a:ext cx="3150360" cy="230400"/>
+          </a:xfrm>
+          <a:prstGeom prst="rect">
+            <a:avLst/>
+          </a:prstGeom>
+          <a:noFill/>
+          <a:ln w="0">
+            <a:noFill/>
+          </a:ln>
+        </p:spPr>
+        <p:style>
+          <a:lnRef idx="0"/>
+          <a:fillRef idx="0"/>
+          <a:effectRef idx="0"/>
+          <a:fontRef idx="minor"/>
+        </p:style>
+        <p:txBody>
+          <a:bodyPr lIns="90000" rIns="90000" tIns="45000" bIns="45000" anchor="t">
+            <a:normAutofit fontScale="95000"/>
+          </a:bodyPr>
+          <a:p>
+            <a:pPr>
+              <a:lnSpc>
+                <a:spcPct val="114000"/>
+              </a:lnSpc>
+              <a:buNone/>
+              <a:tabLst>
+                <a:tab algn="l" pos="0"/>
+              </a:tabLst>
+            </a:pPr>
+            <a:r>
+              <a:rPr b="1" lang="en-GB" sz="850" spc="-1" strike="noStrike">
                 <a:solidFill>
                   <a:srgbClr val="3e3d3f"/>
                 </a:solidFill>
                 <a:latin typeface="Arial"/>
                 <a:ea typeface="Arial"/>
               </a:rPr>
-              <a:t>My Project</a:t>
-            </a:r>
-            <a:endParaRPr b="0" lang="en-US" sz="2400" spc="-1" strike="noStrike">
-              <a:latin typeface="Arial"/>
-            </a:endParaRPr>
-          </a:p>
-        </p:txBody>
-      </p:sp>
-      <p:sp>
-        <p:nvSpPr>
-          <p:cNvPr id="47" name="Google Shape;111;p26"/>
-          <p:cNvSpPr/>
-          <p:nvPr/>
-        </p:nvSpPr>
-        <p:spPr>
-          <a:xfrm>
-            <a:off x="123480" y="940320"/>
-            <a:ext cx="3150720" cy="230760"/>
-          </a:xfrm>
-          <a:prstGeom prst="rect">
-            <a:avLst/>
-          </a:prstGeom>
-          <a:noFill/>
-          <a:ln w="0">
-            <a:noFill/>
-          </a:ln>
-        </p:spPr>
-        <p:style>
-          <a:lnRef idx="0"/>
-          <a:fillRef idx="0"/>
-          <a:effectRef idx="0"/>
-          <a:fontRef idx="minor"/>
-        </p:style>
-        <p:txBody>
-          <a:bodyPr anchor="t">
-            <a:normAutofit fontScale="94000"/>
-          </a:bodyPr>
-          <a:p>
-            <a:pPr>
-              <a:lnSpc>
-                <a:spcPct val="114000"/>
-              </a:lnSpc>
-              <a:buNone/>
-              <a:tabLst>
-                <a:tab algn="l" pos="0"/>
-              </a:tabLst>
-            </a:pPr>
-            <a:r>
-              <a:rPr b="1" lang="en-GB" sz="850" spc="-1" strike="noStrike">
-                <a:solidFill>
-                  <a:srgbClr val="3e3d3f"/>
-                </a:solidFill>
-                <a:latin typeface="Arial"/>
-                <a:ea typeface="Arial"/>
-              </a:rPr>
               <a:t>1 of 30: Showcase your Website</a:t>
             </a:r>
             <a:endParaRPr b="0" lang="en-US" sz="850" spc="-1" strike="noStrike">
@@ -7742,31 +7563,31 @@
       </p:sp>
       <p:sp>
         <p:nvSpPr>
-          <p:cNvPr id="48" name="Google Shape;112;p26"/>
+          <p:cNvPr id="47" name="Google Shape;112;p26"/>
           <p:cNvSpPr/>
           <p:nvPr/>
         </p:nvSpPr>
         <p:spPr>
           <a:xfrm>
             <a:off x="123480" y="1175760"/>
-            <a:ext cx="3150720" cy="765000"/>
-          </a:xfrm>
-          <a:prstGeom prst="rect">
-            <a:avLst/>
-          </a:prstGeom>
-          <a:noFill/>
-          <a:ln w="0">
-            <a:noFill/>
-          </a:ln>
-        </p:spPr>
-        <p:style>
-          <a:lnRef idx="0"/>
-          <a:fillRef idx="0"/>
-          <a:effectRef idx="0"/>
-          <a:fontRef idx="minor"/>
-        </p:style>
-        <p:txBody>
-          <a:bodyPr anchor="t">
+            <a:ext cx="3150360" cy="764640"/>
+          </a:xfrm>
+          <a:prstGeom prst="rect">
+            <a:avLst/>
+          </a:prstGeom>
+          <a:noFill/>
+          <a:ln w="0">
+            <a:noFill/>
+          </a:ln>
+        </p:spPr>
+        <p:style>
+          <a:lnRef idx="0"/>
+          <a:fillRef idx="0"/>
+          <a:effectRef idx="0"/>
+          <a:fontRef idx="minor"/>
+        </p:style>
+        <p:txBody>
+          <a:bodyPr lIns="90000" rIns="90000" tIns="45000" bIns="45000" anchor="t">
             <a:normAutofit fontScale="91000"/>
           </a:bodyPr>
           <a:p>
@@ -7828,7 +7649,7 @@
                 <a:latin typeface="Arial"/>
                 <a:ea typeface="Arial"/>
               </a:rPr>
-              <a:t>What is your website about?</a:t>
+              <a:t>What is your website about? </a:t>
             </a:r>
             <a:endParaRPr b="0" lang="en-US" sz="850" spc="-1" strike="noStrike">
               <a:latin typeface="Arial"/>
@@ -7892,6 +7713,29 @@
           </a:p>
         </p:txBody>
       </p:sp>
+      <p:pic>
+        <p:nvPicPr>
+          <p:cNvPr id="48" name="" descr=""/>
+          <p:cNvPicPr/>
+          <p:nvPr/>
+        </p:nvPicPr>
+        <p:blipFill>
+          <a:blip r:embed="rId1"/>
+          <a:stretch/>
+        </p:blipFill>
+        <p:spPr>
+          <a:xfrm>
+            <a:off x="3886200" y="1499040"/>
+            <a:ext cx="5069880" cy="3530160"/>
+          </a:xfrm>
+          <a:prstGeom prst="rect">
+            <a:avLst/>
+          </a:prstGeom>
+          <a:ln w="0">
+            <a:noFill/>
+          </a:ln>
+        </p:spPr>
+      </p:pic>
     </p:spTree>
   </p:cSld>
   <mc:AlternateContent>
@@ -7931,25 +7775,25 @@
         <p:spPr>
           <a:xfrm>
             <a:off x="123480" y="940320"/>
-            <a:ext cx="3150720" cy="230760"/>
-          </a:xfrm>
-          <a:prstGeom prst="rect">
-            <a:avLst/>
-          </a:prstGeom>
-          <a:noFill/>
-          <a:ln w="0">
-            <a:noFill/>
-          </a:ln>
-        </p:spPr>
-        <p:style>
-          <a:lnRef idx="0"/>
-          <a:fillRef idx="0"/>
-          <a:effectRef idx="0"/>
-          <a:fontRef idx="minor"/>
-        </p:style>
-        <p:txBody>
-          <a:bodyPr anchor="t">
-            <a:normAutofit fontScale="94000"/>
+            <a:ext cx="3150360" cy="230400"/>
+          </a:xfrm>
+          <a:prstGeom prst="rect">
+            <a:avLst/>
+          </a:prstGeom>
+          <a:noFill/>
+          <a:ln w="0">
+            <a:noFill/>
+          </a:ln>
+        </p:spPr>
+        <p:style>
+          <a:lnRef idx="0"/>
+          <a:fillRef idx="0"/>
+          <a:effectRef idx="0"/>
+          <a:fontRef idx="minor"/>
+        </p:style>
+        <p:txBody>
+          <a:bodyPr lIns="90000" rIns="90000" tIns="45000" bIns="45000" anchor="t">
+            <a:normAutofit fontScale="95000"/>
           </a:bodyPr>
           <a:p>
             <a:pPr>
@@ -7986,7 +7830,7 @@
         <p:spPr>
           <a:xfrm>
             <a:off x="3397680" y="1510200"/>
-            <a:ext cx="5289120" cy="3213360"/>
+            <a:ext cx="5288760" cy="3213000"/>
           </a:xfrm>
           <a:prstGeom prst="rect">
             <a:avLst/>
@@ -8007,7 +7851,7 @@
           <a:fontRef idx="minor"/>
         </p:style>
         <p:txBody>
-          <a:bodyPr tIns="91440" bIns="91440" anchor="ctr">
+          <a:bodyPr lIns="90000" rIns="90000" tIns="91440" bIns="91440" anchor="ctr">
             <a:noAutofit/>
           </a:bodyPr>
           <a:p>
@@ -8069,24 +7913,24 @@
         <p:spPr>
           <a:xfrm>
             <a:off x="1820160" y="335880"/>
-            <a:ext cx="5506920" cy="326160"/>
-          </a:xfrm>
-          <a:prstGeom prst="rect">
-            <a:avLst/>
-          </a:prstGeom>
-          <a:noFill/>
-          <a:ln w="0">
-            <a:noFill/>
-          </a:ln>
-        </p:spPr>
-        <p:style>
-          <a:lnRef idx="0"/>
-          <a:fillRef idx="0"/>
-          <a:effectRef idx="0"/>
-          <a:fontRef idx="minor"/>
-        </p:style>
-        <p:txBody>
-          <a:bodyPr anchor="t">
+            <a:ext cx="5506560" cy="325800"/>
+          </a:xfrm>
+          <a:prstGeom prst="rect">
+            <a:avLst/>
+          </a:prstGeom>
+          <a:noFill/>
+          <a:ln w="0">
+            <a:noFill/>
+          </a:ln>
+        </p:spPr>
+        <p:style>
+          <a:lnRef idx="0"/>
+          <a:fillRef idx="0"/>
+          <a:effectRef idx="0"/>
+          <a:fontRef idx="minor"/>
+        </p:style>
+        <p:txBody>
+          <a:bodyPr lIns="90000" rIns="90000" tIns="45000" bIns="45000" anchor="t">
             <a:noAutofit/>
           </a:bodyPr>
           <a:p>
@@ -8124,24 +7968,24 @@
         <p:spPr>
           <a:xfrm>
             <a:off x="1820160" y="111960"/>
-            <a:ext cx="5506920" cy="223560"/>
-          </a:xfrm>
-          <a:prstGeom prst="rect">
-            <a:avLst/>
-          </a:prstGeom>
-          <a:noFill/>
-          <a:ln w="0">
-            <a:noFill/>
-          </a:ln>
-        </p:spPr>
-        <p:style>
-          <a:lnRef idx="0"/>
-          <a:fillRef idx="0"/>
-          <a:effectRef idx="0"/>
-          <a:fontRef idx="minor"/>
-        </p:style>
-        <p:txBody>
-          <a:bodyPr anchor="t">
+            <a:ext cx="5506560" cy="223200"/>
+          </a:xfrm>
+          <a:prstGeom prst="rect">
+            <a:avLst/>
+          </a:prstGeom>
+          <a:noFill/>
+          <a:ln w="0">
+            <a:noFill/>
+          </a:ln>
+        </p:spPr>
+        <p:style>
+          <a:lnRef idx="0"/>
+          <a:fillRef idx="0"/>
+          <a:effectRef idx="0"/>
+          <a:fontRef idx="minor"/>
+        </p:style>
+        <p:txBody>
+          <a:bodyPr lIns="90000" rIns="90000" tIns="45000" bIns="45000" anchor="t">
             <a:noAutofit/>
           </a:bodyPr>
           <a:p>
@@ -8179,24 +8023,24 @@
         <p:spPr>
           <a:xfrm>
             <a:off x="1820160" y="717120"/>
-            <a:ext cx="5506920" cy="411120"/>
-          </a:xfrm>
-          <a:prstGeom prst="rect">
-            <a:avLst/>
-          </a:prstGeom>
-          <a:noFill/>
-          <a:ln w="0">
-            <a:noFill/>
-          </a:ln>
-        </p:spPr>
-        <p:style>
-          <a:lnRef idx="0"/>
-          <a:fillRef idx="0"/>
-          <a:effectRef idx="0"/>
-          <a:fontRef idx="minor"/>
-        </p:style>
-        <p:txBody>
-          <a:bodyPr anchor="t">
+            <a:ext cx="5506560" cy="410760"/>
+          </a:xfrm>
+          <a:prstGeom prst="rect">
+            <a:avLst/>
+          </a:prstGeom>
+          <a:noFill/>
+          <a:ln w="0">
+            <a:noFill/>
+          </a:ln>
+        </p:spPr>
+        <p:style>
+          <a:lnRef idx="0"/>
+          <a:fillRef idx="0"/>
+          <a:effectRef idx="0"/>
+          <a:fontRef idx="minor"/>
+        </p:style>
+        <p:txBody>
+          <a:bodyPr lIns="90000" rIns="90000" tIns="45000" bIns="45000" anchor="t">
             <a:noAutofit/>
           </a:bodyPr>
           <a:p>
@@ -8234,24 +8078,24 @@
         <p:spPr>
           <a:xfrm>
             <a:off x="123480" y="1175760"/>
-            <a:ext cx="3150720" cy="1565640"/>
-          </a:xfrm>
-          <a:prstGeom prst="rect">
-            <a:avLst/>
-          </a:prstGeom>
-          <a:noFill/>
-          <a:ln w="0">
-            <a:noFill/>
-          </a:ln>
-        </p:spPr>
-        <p:style>
-          <a:lnRef idx="0"/>
-          <a:fillRef idx="0"/>
-          <a:effectRef idx="0"/>
-          <a:fontRef idx="minor"/>
-        </p:style>
-        <p:txBody>
-          <a:bodyPr anchor="t">
+            <a:ext cx="3150360" cy="1565280"/>
+          </a:xfrm>
+          <a:prstGeom prst="rect">
+            <a:avLst/>
+          </a:prstGeom>
+          <a:noFill/>
+          <a:ln w="0">
+            <a:noFill/>
+          </a:ln>
+        </p:spPr>
+        <p:style>
+          <a:lnRef idx="0"/>
+          <a:fillRef idx="0"/>
+          <a:effectRef idx="0"/>
+          <a:fontRef idx="minor"/>
+        </p:style>
+        <p:txBody>
+          <a:bodyPr lIns="90000" rIns="90000" tIns="45000" bIns="45000" anchor="t">
             <a:normAutofit/>
           </a:bodyPr>
           <a:p>
@@ -8457,7 +8301,7 @@
         <p:spPr>
           <a:xfrm>
             <a:off x="205200" y="3003840"/>
-            <a:ext cx="3068640" cy="1023840"/>
+            <a:ext cx="3068280" cy="1023480"/>
           </a:xfrm>
           <a:prstGeom prst="rect">
             <a:avLst/>
@@ -8478,7 +8322,7 @@
           <a:fontRef idx="minor"/>
         </p:style>
         <p:txBody>
-          <a:bodyPr tIns="91440" bIns="91440" anchor="ctr">
+          <a:bodyPr lIns="90000" rIns="90000" tIns="91440" bIns="91440" anchor="ctr">
             <a:noAutofit/>
           </a:bodyPr>
           <a:p>
@@ -8546,25 +8390,25 @@
         <p:spPr>
           <a:xfrm>
             <a:off x="123480" y="940320"/>
-            <a:ext cx="3150720" cy="230760"/>
-          </a:xfrm>
-          <a:prstGeom prst="rect">
-            <a:avLst/>
-          </a:prstGeom>
-          <a:noFill/>
-          <a:ln w="0">
-            <a:noFill/>
-          </a:ln>
-        </p:spPr>
-        <p:style>
-          <a:lnRef idx="0"/>
-          <a:fillRef idx="0"/>
-          <a:effectRef idx="0"/>
-          <a:fontRef idx="minor"/>
-        </p:style>
-        <p:txBody>
-          <a:bodyPr anchor="t">
-            <a:normAutofit fontScale="94000"/>
+            <a:ext cx="3150360" cy="230400"/>
+          </a:xfrm>
+          <a:prstGeom prst="rect">
+            <a:avLst/>
+          </a:prstGeom>
+          <a:noFill/>
+          <a:ln w="0">
+            <a:noFill/>
+          </a:ln>
+        </p:spPr>
+        <p:style>
+          <a:lnRef idx="0"/>
+          <a:fillRef idx="0"/>
+          <a:effectRef idx="0"/>
+          <a:fontRef idx="minor"/>
+        </p:style>
+        <p:txBody>
+          <a:bodyPr lIns="90000" rIns="90000" tIns="45000" bIns="45000" anchor="t">
+            <a:normAutofit fontScale="95000"/>
           </a:bodyPr>
           <a:p>
             <a:pPr>
@@ -8601,7 +8445,7 @@
         <p:spPr>
           <a:xfrm>
             <a:off x="3397680" y="1510200"/>
-            <a:ext cx="5289120" cy="3213360"/>
+            <a:ext cx="5288760" cy="3213000"/>
           </a:xfrm>
           <a:prstGeom prst="rect">
             <a:avLst/>
@@ -8622,7 +8466,7 @@
           <a:fontRef idx="minor"/>
         </p:style>
         <p:txBody>
-          <a:bodyPr tIns="91440" bIns="91440" anchor="ctr">
+          <a:bodyPr lIns="90000" rIns="90000" tIns="91440" bIns="91440" anchor="ctr">
             <a:noAutofit/>
           </a:bodyPr>
           <a:p>
@@ -8708,24 +8552,24 @@
         <p:spPr>
           <a:xfrm>
             <a:off x="1820160" y="335880"/>
-            <a:ext cx="5506920" cy="326160"/>
-          </a:xfrm>
-          <a:prstGeom prst="rect">
-            <a:avLst/>
-          </a:prstGeom>
-          <a:noFill/>
-          <a:ln w="0">
-            <a:noFill/>
-          </a:ln>
-        </p:spPr>
-        <p:style>
-          <a:lnRef idx="0"/>
-          <a:fillRef idx="0"/>
-          <a:effectRef idx="0"/>
-          <a:fontRef idx="minor"/>
-        </p:style>
-        <p:txBody>
-          <a:bodyPr anchor="t">
+            <a:ext cx="5506560" cy="325800"/>
+          </a:xfrm>
+          <a:prstGeom prst="rect">
+            <a:avLst/>
+          </a:prstGeom>
+          <a:noFill/>
+          <a:ln w="0">
+            <a:noFill/>
+          </a:ln>
+        </p:spPr>
+        <p:style>
+          <a:lnRef idx="0"/>
+          <a:fillRef idx="0"/>
+          <a:effectRef idx="0"/>
+          <a:fontRef idx="minor"/>
+        </p:style>
+        <p:txBody>
+          <a:bodyPr lIns="90000" rIns="90000" tIns="45000" bIns="45000" anchor="t">
             <a:noAutofit/>
           </a:bodyPr>
           <a:p>
@@ -8763,24 +8607,24 @@
         <p:spPr>
           <a:xfrm>
             <a:off x="1820160" y="111960"/>
-            <a:ext cx="5506920" cy="223560"/>
-          </a:xfrm>
-          <a:prstGeom prst="rect">
-            <a:avLst/>
-          </a:prstGeom>
-          <a:noFill/>
-          <a:ln w="0">
-            <a:noFill/>
-          </a:ln>
-        </p:spPr>
-        <p:style>
-          <a:lnRef idx="0"/>
-          <a:fillRef idx="0"/>
-          <a:effectRef idx="0"/>
-          <a:fontRef idx="minor"/>
-        </p:style>
-        <p:txBody>
-          <a:bodyPr anchor="t">
+            <a:ext cx="5506560" cy="223200"/>
+          </a:xfrm>
+          <a:prstGeom prst="rect">
+            <a:avLst/>
+          </a:prstGeom>
+          <a:noFill/>
+          <a:ln w="0">
+            <a:noFill/>
+          </a:ln>
+        </p:spPr>
+        <p:style>
+          <a:lnRef idx="0"/>
+          <a:fillRef idx="0"/>
+          <a:effectRef idx="0"/>
+          <a:fontRef idx="minor"/>
+        </p:style>
+        <p:txBody>
+          <a:bodyPr lIns="90000" rIns="90000" tIns="45000" bIns="45000" anchor="t">
             <a:noAutofit/>
           </a:bodyPr>
           <a:p>
@@ -8818,24 +8662,24 @@
         <p:spPr>
           <a:xfrm>
             <a:off x="1820160" y="717120"/>
-            <a:ext cx="5506920" cy="411120"/>
-          </a:xfrm>
-          <a:prstGeom prst="rect">
-            <a:avLst/>
-          </a:prstGeom>
-          <a:noFill/>
-          <a:ln w="0">
-            <a:noFill/>
-          </a:ln>
-        </p:spPr>
-        <p:style>
-          <a:lnRef idx="0"/>
-          <a:fillRef idx="0"/>
-          <a:effectRef idx="0"/>
-          <a:fontRef idx="minor"/>
-        </p:style>
-        <p:txBody>
-          <a:bodyPr anchor="t">
+            <a:ext cx="5506560" cy="410760"/>
+          </a:xfrm>
+          <a:prstGeom prst="rect">
+            <a:avLst/>
+          </a:prstGeom>
+          <a:noFill/>
+          <a:ln w="0">
+            <a:noFill/>
+          </a:ln>
+        </p:spPr>
+        <p:style>
+          <a:lnRef idx="0"/>
+          <a:fillRef idx="0"/>
+          <a:effectRef idx="0"/>
+          <a:fontRef idx="minor"/>
+        </p:style>
+        <p:txBody>
+          <a:bodyPr lIns="90000" rIns="90000" tIns="45000" bIns="45000" anchor="t">
             <a:noAutofit/>
           </a:bodyPr>
           <a:p>
@@ -8873,24 +8717,24 @@
         <p:spPr>
           <a:xfrm>
             <a:off x="123480" y="1175760"/>
-            <a:ext cx="3150720" cy="1565640"/>
-          </a:xfrm>
-          <a:prstGeom prst="rect">
-            <a:avLst/>
-          </a:prstGeom>
-          <a:noFill/>
-          <a:ln w="0">
-            <a:noFill/>
-          </a:ln>
-        </p:spPr>
-        <p:style>
-          <a:lnRef idx="0"/>
-          <a:fillRef idx="0"/>
-          <a:effectRef idx="0"/>
-          <a:fontRef idx="minor"/>
-        </p:style>
-        <p:txBody>
-          <a:bodyPr anchor="t">
+            <a:ext cx="3150360" cy="1565280"/>
+          </a:xfrm>
+          <a:prstGeom prst="rect">
+            <a:avLst/>
+          </a:prstGeom>
+          <a:noFill/>
+          <a:ln w="0">
+            <a:noFill/>
+          </a:ln>
+        </p:spPr>
+        <p:style>
+          <a:lnRef idx="0"/>
+          <a:fillRef idx="0"/>
+          <a:effectRef idx="0"/>
+          <a:fontRef idx="minor"/>
+        </p:style>
+        <p:txBody>
+          <a:bodyPr lIns="90000" rIns="90000" tIns="45000" bIns="45000" anchor="t">
             <a:normAutofit/>
           </a:bodyPr>
           <a:p>
@@ -9012,7 +8856,7 @@
         <p:spPr>
           <a:xfrm>
             <a:off x="205200" y="3003840"/>
-            <a:ext cx="3068640" cy="1023840"/>
+            <a:ext cx="3068280" cy="1023480"/>
           </a:xfrm>
           <a:prstGeom prst="rect">
             <a:avLst/>
@@ -9033,7 +8877,7 @@
           <a:fontRef idx="minor"/>
         </p:style>
         <p:txBody>
-          <a:bodyPr tIns="91440" bIns="91440" anchor="ctr">
+          <a:bodyPr lIns="90000" rIns="90000" tIns="91440" bIns="91440" anchor="ctr">
             <a:noAutofit/>
           </a:bodyPr>
           <a:p>
@@ -9101,25 +8945,25 @@
         <p:spPr>
           <a:xfrm>
             <a:off x="123480" y="940320"/>
-            <a:ext cx="3150720" cy="230760"/>
-          </a:xfrm>
-          <a:prstGeom prst="rect">
-            <a:avLst/>
-          </a:prstGeom>
-          <a:noFill/>
-          <a:ln w="0">
-            <a:noFill/>
-          </a:ln>
-        </p:spPr>
-        <p:style>
-          <a:lnRef idx="0"/>
-          <a:fillRef idx="0"/>
-          <a:effectRef idx="0"/>
-          <a:fontRef idx="minor"/>
-        </p:style>
-        <p:txBody>
-          <a:bodyPr anchor="t">
-            <a:normAutofit fontScale="94000"/>
+            <a:ext cx="3150360" cy="230400"/>
+          </a:xfrm>
+          <a:prstGeom prst="rect">
+            <a:avLst/>
+          </a:prstGeom>
+          <a:noFill/>
+          <a:ln w="0">
+            <a:noFill/>
+          </a:ln>
+        </p:spPr>
+        <p:style>
+          <a:lnRef idx="0"/>
+          <a:fillRef idx="0"/>
+          <a:effectRef idx="0"/>
+          <a:fontRef idx="minor"/>
+        </p:style>
+        <p:txBody>
+          <a:bodyPr lIns="90000" rIns="90000" tIns="45000" bIns="45000" anchor="t">
+            <a:normAutofit fontScale="95000"/>
           </a:bodyPr>
           <a:p>
             <a:pPr>
@@ -9156,7 +9000,7 @@
         <p:spPr>
           <a:xfrm>
             <a:off x="3397680" y="1510200"/>
-            <a:ext cx="5289120" cy="3213360"/>
+            <a:ext cx="5288760" cy="3213000"/>
           </a:xfrm>
           <a:prstGeom prst="rect">
             <a:avLst/>
@@ -9177,7 +9021,7 @@
           <a:fontRef idx="minor"/>
         </p:style>
         <p:txBody>
-          <a:bodyPr tIns="91440" bIns="91440" anchor="ctr">
+          <a:bodyPr lIns="90000" rIns="90000" tIns="91440" bIns="91440" anchor="ctr">
             <a:noAutofit/>
           </a:bodyPr>
           <a:p>
@@ -9239,24 +9083,24 @@
         <p:spPr>
           <a:xfrm>
             <a:off x="1820160" y="335880"/>
-            <a:ext cx="5506920" cy="326160"/>
-          </a:xfrm>
-          <a:prstGeom prst="rect">
-            <a:avLst/>
-          </a:prstGeom>
-          <a:noFill/>
-          <a:ln w="0">
-            <a:noFill/>
-          </a:ln>
-        </p:spPr>
-        <p:style>
-          <a:lnRef idx="0"/>
-          <a:fillRef idx="0"/>
-          <a:effectRef idx="0"/>
-          <a:fontRef idx="minor"/>
-        </p:style>
-        <p:txBody>
-          <a:bodyPr anchor="t">
+            <a:ext cx="5506560" cy="325800"/>
+          </a:xfrm>
+          <a:prstGeom prst="rect">
+            <a:avLst/>
+          </a:prstGeom>
+          <a:noFill/>
+          <a:ln w="0">
+            <a:noFill/>
+          </a:ln>
+        </p:spPr>
+        <p:style>
+          <a:lnRef idx="0"/>
+          <a:fillRef idx="0"/>
+          <a:effectRef idx="0"/>
+          <a:fontRef idx="minor"/>
+        </p:style>
+        <p:txBody>
+          <a:bodyPr lIns="90000" rIns="90000" tIns="45000" bIns="45000" anchor="t">
             <a:noAutofit/>
           </a:bodyPr>
           <a:p>
@@ -9294,24 +9138,24 @@
         <p:spPr>
           <a:xfrm>
             <a:off x="1820160" y="111960"/>
-            <a:ext cx="5506920" cy="223560"/>
-          </a:xfrm>
-          <a:prstGeom prst="rect">
-            <a:avLst/>
-          </a:prstGeom>
-          <a:noFill/>
-          <a:ln w="0">
-            <a:noFill/>
-          </a:ln>
-        </p:spPr>
-        <p:style>
-          <a:lnRef idx="0"/>
-          <a:fillRef idx="0"/>
-          <a:effectRef idx="0"/>
-          <a:fontRef idx="minor"/>
-        </p:style>
-        <p:txBody>
-          <a:bodyPr anchor="t">
+            <a:ext cx="5506560" cy="223200"/>
+          </a:xfrm>
+          <a:prstGeom prst="rect">
+            <a:avLst/>
+          </a:prstGeom>
+          <a:noFill/>
+          <a:ln w="0">
+            <a:noFill/>
+          </a:ln>
+        </p:spPr>
+        <p:style>
+          <a:lnRef idx="0"/>
+          <a:fillRef idx="0"/>
+          <a:effectRef idx="0"/>
+          <a:fontRef idx="minor"/>
+        </p:style>
+        <p:txBody>
+          <a:bodyPr lIns="90000" rIns="90000" tIns="45000" bIns="45000" anchor="t">
             <a:noAutofit/>
           </a:bodyPr>
           <a:p>
@@ -9349,24 +9193,24 @@
         <p:spPr>
           <a:xfrm>
             <a:off x="1820160" y="717120"/>
-            <a:ext cx="5506920" cy="411120"/>
-          </a:xfrm>
-          <a:prstGeom prst="rect">
-            <a:avLst/>
-          </a:prstGeom>
-          <a:noFill/>
-          <a:ln w="0">
-            <a:noFill/>
-          </a:ln>
-        </p:spPr>
-        <p:style>
-          <a:lnRef idx="0"/>
-          <a:fillRef idx="0"/>
-          <a:effectRef idx="0"/>
-          <a:fontRef idx="minor"/>
-        </p:style>
-        <p:txBody>
-          <a:bodyPr anchor="t">
+            <a:ext cx="5506560" cy="410760"/>
+          </a:xfrm>
+          <a:prstGeom prst="rect">
+            <a:avLst/>
+          </a:prstGeom>
+          <a:noFill/>
+          <a:ln w="0">
+            <a:noFill/>
+          </a:ln>
+        </p:spPr>
+        <p:style>
+          <a:lnRef idx="0"/>
+          <a:fillRef idx="0"/>
+          <a:effectRef idx="0"/>
+          <a:fontRef idx="minor"/>
+        </p:style>
+        <p:txBody>
+          <a:bodyPr lIns="90000" rIns="90000" tIns="45000" bIns="45000" anchor="t">
             <a:noAutofit/>
           </a:bodyPr>
           <a:p>
@@ -9428,24 +9272,24 @@
         <p:spPr>
           <a:xfrm>
             <a:off x="123480" y="1175760"/>
-            <a:ext cx="3150720" cy="1565640"/>
-          </a:xfrm>
-          <a:prstGeom prst="rect">
-            <a:avLst/>
-          </a:prstGeom>
-          <a:noFill/>
-          <a:ln w="0">
-            <a:noFill/>
-          </a:ln>
-        </p:spPr>
-        <p:style>
-          <a:lnRef idx="0"/>
-          <a:fillRef idx="0"/>
-          <a:effectRef idx="0"/>
-          <a:fontRef idx="minor"/>
-        </p:style>
-        <p:txBody>
-          <a:bodyPr anchor="t">
+            <a:ext cx="3150360" cy="1565280"/>
+          </a:xfrm>
+          <a:prstGeom prst="rect">
+            <a:avLst/>
+          </a:prstGeom>
+          <a:noFill/>
+          <a:ln w="0">
+            <a:noFill/>
+          </a:ln>
+        </p:spPr>
+        <p:style>
+          <a:lnRef idx="0"/>
+          <a:fillRef idx="0"/>
+          <a:effectRef idx="0"/>
+          <a:fontRef idx="minor"/>
+        </p:style>
+        <p:txBody>
+          <a:bodyPr lIns="90000" rIns="90000" tIns="45000" bIns="45000" anchor="t">
             <a:normAutofit/>
           </a:bodyPr>
           <a:p>
@@ -9651,7 +9495,7 @@
         <p:spPr>
           <a:xfrm>
             <a:off x="205200" y="3003840"/>
-            <a:ext cx="3068640" cy="1023840"/>
+            <a:ext cx="3068280" cy="1023480"/>
           </a:xfrm>
           <a:prstGeom prst="rect">
             <a:avLst/>
@@ -9672,7 +9516,7 @@
           <a:fontRef idx="minor"/>
         </p:style>
         <p:txBody>
-          <a:bodyPr tIns="91440" bIns="91440" anchor="ctr">
+          <a:bodyPr lIns="90000" rIns="90000" tIns="91440" bIns="91440" anchor="ctr">
             <a:noAutofit/>
           </a:bodyPr>
           <a:p>
@@ -9740,25 +9584,25 @@
         <p:spPr>
           <a:xfrm>
             <a:off x="123480" y="940320"/>
-            <a:ext cx="3150720" cy="230760"/>
-          </a:xfrm>
-          <a:prstGeom prst="rect">
-            <a:avLst/>
-          </a:prstGeom>
-          <a:noFill/>
-          <a:ln w="0">
-            <a:noFill/>
-          </a:ln>
-        </p:spPr>
-        <p:style>
-          <a:lnRef idx="0"/>
-          <a:fillRef idx="0"/>
-          <a:effectRef idx="0"/>
-          <a:fontRef idx="minor"/>
-        </p:style>
-        <p:txBody>
-          <a:bodyPr anchor="t">
-            <a:normAutofit fontScale="94000"/>
+            <a:ext cx="3150360" cy="230400"/>
+          </a:xfrm>
+          <a:prstGeom prst="rect">
+            <a:avLst/>
+          </a:prstGeom>
+          <a:noFill/>
+          <a:ln w="0">
+            <a:noFill/>
+          </a:ln>
+        </p:spPr>
+        <p:style>
+          <a:lnRef idx="0"/>
+          <a:fillRef idx="0"/>
+          <a:effectRef idx="0"/>
+          <a:fontRef idx="minor"/>
+        </p:style>
+        <p:txBody>
+          <a:bodyPr lIns="90000" rIns="90000" tIns="45000" bIns="45000" anchor="t">
+            <a:normAutofit fontScale="95000"/>
           </a:bodyPr>
           <a:p>
             <a:pPr>
@@ -9795,7 +9639,7 @@
         <p:spPr>
           <a:xfrm>
             <a:off x="3397680" y="1510200"/>
-            <a:ext cx="5289120" cy="3213360"/>
+            <a:ext cx="5288760" cy="3213000"/>
           </a:xfrm>
           <a:prstGeom prst="rect">
             <a:avLst/>
@@ -9816,7 +9660,7 @@
           <a:fontRef idx="minor"/>
         </p:style>
         <p:txBody>
-          <a:bodyPr tIns="91440" bIns="91440" anchor="ctr">
+          <a:bodyPr lIns="90000" rIns="90000" tIns="91440" bIns="91440" anchor="ctr">
             <a:noAutofit/>
           </a:bodyPr>
           <a:p>
@@ -9902,24 +9746,24 @@
         <p:spPr>
           <a:xfrm>
             <a:off x="1820160" y="335880"/>
-            <a:ext cx="5506920" cy="326160"/>
-          </a:xfrm>
-          <a:prstGeom prst="rect">
-            <a:avLst/>
-          </a:prstGeom>
-          <a:noFill/>
-          <a:ln w="0">
-            <a:noFill/>
-          </a:ln>
-        </p:spPr>
-        <p:style>
-          <a:lnRef idx="0"/>
-          <a:fillRef idx="0"/>
-          <a:effectRef idx="0"/>
-          <a:fontRef idx="minor"/>
-        </p:style>
-        <p:txBody>
-          <a:bodyPr anchor="t">
+            <a:ext cx="5506560" cy="325800"/>
+          </a:xfrm>
+          <a:prstGeom prst="rect">
+            <a:avLst/>
+          </a:prstGeom>
+          <a:noFill/>
+          <a:ln w="0">
+            <a:noFill/>
+          </a:ln>
+        </p:spPr>
+        <p:style>
+          <a:lnRef idx="0"/>
+          <a:fillRef idx="0"/>
+          <a:effectRef idx="0"/>
+          <a:fontRef idx="minor"/>
+        </p:style>
+        <p:txBody>
+          <a:bodyPr lIns="90000" rIns="90000" tIns="45000" bIns="45000" anchor="t">
             <a:noAutofit/>
           </a:bodyPr>
           <a:p>
@@ -9957,24 +9801,24 @@
         <p:spPr>
           <a:xfrm>
             <a:off x="1820160" y="111960"/>
-            <a:ext cx="5506920" cy="223560"/>
-          </a:xfrm>
-          <a:prstGeom prst="rect">
-            <a:avLst/>
-          </a:prstGeom>
-          <a:noFill/>
-          <a:ln w="0">
-            <a:noFill/>
-          </a:ln>
-        </p:spPr>
-        <p:style>
-          <a:lnRef idx="0"/>
-          <a:fillRef idx="0"/>
-          <a:effectRef idx="0"/>
-          <a:fontRef idx="minor"/>
-        </p:style>
-        <p:txBody>
-          <a:bodyPr anchor="t">
+            <a:ext cx="5506560" cy="223200"/>
+          </a:xfrm>
+          <a:prstGeom prst="rect">
+            <a:avLst/>
+          </a:prstGeom>
+          <a:noFill/>
+          <a:ln w="0">
+            <a:noFill/>
+          </a:ln>
+        </p:spPr>
+        <p:style>
+          <a:lnRef idx="0"/>
+          <a:fillRef idx="0"/>
+          <a:effectRef idx="0"/>
+          <a:fontRef idx="minor"/>
+        </p:style>
+        <p:txBody>
+          <a:bodyPr lIns="90000" rIns="90000" tIns="45000" bIns="45000" anchor="t">
             <a:noAutofit/>
           </a:bodyPr>
           <a:p>
@@ -10012,24 +9856,24 @@
         <p:spPr>
           <a:xfrm>
             <a:off x="1820160" y="717120"/>
-            <a:ext cx="5506920" cy="411120"/>
-          </a:xfrm>
-          <a:prstGeom prst="rect">
-            <a:avLst/>
-          </a:prstGeom>
-          <a:noFill/>
-          <a:ln w="0">
-            <a:noFill/>
-          </a:ln>
-        </p:spPr>
-        <p:style>
-          <a:lnRef idx="0"/>
-          <a:fillRef idx="0"/>
-          <a:effectRef idx="0"/>
-          <a:fontRef idx="minor"/>
-        </p:style>
-        <p:txBody>
-          <a:bodyPr anchor="t">
+            <a:ext cx="5506560" cy="410760"/>
+          </a:xfrm>
+          <a:prstGeom prst="rect">
+            <a:avLst/>
+          </a:prstGeom>
+          <a:noFill/>
+          <a:ln w="0">
+            <a:noFill/>
+          </a:ln>
+        </p:spPr>
+        <p:style>
+          <a:lnRef idx="0"/>
+          <a:fillRef idx="0"/>
+          <a:effectRef idx="0"/>
+          <a:fontRef idx="minor"/>
+        </p:style>
+        <p:txBody>
+          <a:bodyPr lIns="90000" rIns="90000" tIns="45000" bIns="45000" anchor="t">
             <a:noAutofit/>
           </a:bodyPr>
           <a:p>
@@ -10067,24 +9911,24 @@
         <p:spPr>
           <a:xfrm>
             <a:off x="123480" y="1175760"/>
-            <a:ext cx="3150720" cy="1565640"/>
-          </a:xfrm>
-          <a:prstGeom prst="rect">
-            <a:avLst/>
-          </a:prstGeom>
-          <a:noFill/>
-          <a:ln w="0">
-            <a:noFill/>
-          </a:ln>
-        </p:spPr>
-        <p:style>
-          <a:lnRef idx="0"/>
-          <a:fillRef idx="0"/>
-          <a:effectRef idx="0"/>
-          <a:fontRef idx="minor"/>
-        </p:style>
-        <p:txBody>
-          <a:bodyPr anchor="t">
+            <a:ext cx="3150360" cy="1565280"/>
+          </a:xfrm>
+          <a:prstGeom prst="rect">
+            <a:avLst/>
+          </a:prstGeom>
+          <a:noFill/>
+          <a:ln w="0">
+            <a:noFill/>
+          </a:ln>
+        </p:spPr>
+        <p:style>
+          <a:lnRef idx="0"/>
+          <a:fillRef idx="0"/>
+          <a:effectRef idx="0"/>
+          <a:fontRef idx="minor"/>
+        </p:style>
+        <p:txBody>
+          <a:bodyPr lIns="90000" rIns="90000" tIns="45000" bIns="45000" anchor="t">
             <a:normAutofit/>
           </a:bodyPr>
           <a:p>
@@ -10178,7 +10022,7 @@
         <p:spPr>
           <a:xfrm>
             <a:off x="205200" y="3003840"/>
-            <a:ext cx="3068640" cy="1023840"/>
+            <a:ext cx="3068280" cy="1023480"/>
           </a:xfrm>
           <a:prstGeom prst="rect">
             <a:avLst/>
@@ -10199,7 +10043,7 @@
           <a:fontRef idx="minor"/>
         </p:style>
         <p:txBody>
-          <a:bodyPr tIns="91440" bIns="91440" anchor="ctr">
+          <a:bodyPr lIns="90000" rIns="90000" tIns="91440" bIns="91440" anchor="ctr">
             <a:noAutofit/>
           </a:bodyPr>
           <a:p>
@@ -10267,25 +10111,25 @@
         <p:spPr>
           <a:xfrm>
             <a:off x="123480" y="940320"/>
-            <a:ext cx="3150720" cy="230760"/>
-          </a:xfrm>
-          <a:prstGeom prst="rect">
-            <a:avLst/>
-          </a:prstGeom>
-          <a:noFill/>
-          <a:ln w="0">
-            <a:noFill/>
-          </a:ln>
-        </p:spPr>
-        <p:style>
-          <a:lnRef idx="0"/>
-          <a:fillRef idx="0"/>
-          <a:effectRef idx="0"/>
-          <a:fontRef idx="minor"/>
-        </p:style>
-        <p:txBody>
-          <a:bodyPr anchor="t">
-            <a:normAutofit fontScale="94000"/>
+            <a:ext cx="3150360" cy="230400"/>
+          </a:xfrm>
+          <a:prstGeom prst="rect">
+            <a:avLst/>
+          </a:prstGeom>
+          <a:noFill/>
+          <a:ln w="0">
+            <a:noFill/>
+          </a:ln>
+        </p:spPr>
+        <p:style>
+          <a:lnRef idx="0"/>
+          <a:fillRef idx="0"/>
+          <a:effectRef idx="0"/>
+          <a:fontRef idx="minor"/>
+        </p:style>
+        <p:txBody>
+          <a:bodyPr lIns="90000" rIns="90000" tIns="45000" bIns="45000" anchor="t">
+            <a:normAutofit fontScale="95000"/>
           </a:bodyPr>
           <a:p>
             <a:pPr>
@@ -10322,7 +10166,7 @@
         <p:spPr>
           <a:xfrm>
             <a:off x="3397680" y="1510200"/>
-            <a:ext cx="5289120" cy="3213360"/>
+            <a:ext cx="5288760" cy="3213000"/>
           </a:xfrm>
           <a:prstGeom prst="rect">
             <a:avLst/>
@@ -10343,7 +10187,7 @@
           <a:fontRef idx="minor"/>
         </p:style>
         <p:txBody>
-          <a:bodyPr tIns="91440" bIns="91440" anchor="ctr">
+          <a:bodyPr lIns="90000" rIns="90000" tIns="91440" bIns="91440" anchor="ctr">
             <a:noAutofit/>
           </a:bodyPr>
           <a:p>
@@ -10429,24 +10273,24 @@
         <p:spPr>
           <a:xfrm>
             <a:off x="1820160" y="335880"/>
-            <a:ext cx="5506920" cy="326160"/>
-          </a:xfrm>
-          <a:prstGeom prst="rect">
-            <a:avLst/>
-          </a:prstGeom>
-          <a:noFill/>
-          <a:ln w="0">
-            <a:noFill/>
-          </a:ln>
-        </p:spPr>
-        <p:style>
-          <a:lnRef idx="0"/>
-          <a:fillRef idx="0"/>
-          <a:effectRef idx="0"/>
-          <a:fontRef idx="minor"/>
-        </p:style>
-        <p:txBody>
-          <a:bodyPr anchor="t">
+            <a:ext cx="5506560" cy="325800"/>
+          </a:xfrm>
+          <a:prstGeom prst="rect">
+            <a:avLst/>
+          </a:prstGeom>
+          <a:noFill/>
+          <a:ln w="0">
+            <a:noFill/>
+          </a:ln>
+        </p:spPr>
+        <p:style>
+          <a:lnRef idx="0"/>
+          <a:fillRef idx="0"/>
+          <a:effectRef idx="0"/>
+          <a:fontRef idx="minor"/>
+        </p:style>
+        <p:txBody>
+          <a:bodyPr lIns="90000" rIns="90000" tIns="45000" bIns="45000" anchor="t">
             <a:noAutofit/>
           </a:bodyPr>
           <a:p>
@@ -10484,24 +10328,24 @@
         <p:spPr>
           <a:xfrm>
             <a:off x="1820160" y="111960"/>
-            <a:ext cx="5506920" cy="223560"/>
-          </a:xfrm>
-          <a:prstGeom prst="rect">
-            <a:avLst/>
-          </a:prstGeom>
-          <a:noFill/>
-          <a:ln w="0">
-            <a:noFill/>
-          </a:ln>
-        </p:spPr>
-        <p:style>
-          <a:lnRef idx="0"/>
-          <a:fillRef idx="0"/>
-          <a:effectRef idx="0"/>
-          <a:fontRef idx="minor"/>
-        </p:style>
-        <p:txBody>
-          <a:bodyPr anchor="t">
+            <a:ext cx="5506560" cy="223200"/>
+          </a:xfrm>
+          <a:prstGeom prst="rect">
+            <a:avLst/>
+          </a:prstGeom>
+          <a:noFill/>
+          <a:ln w="0">
+            <a:noFill/>
+          </a:ln>
+        </p:spPr>
+        <p:style>
+          <a:lnRef idx="0"/>
+          <a:fillRef idx="0"/>
+          <a:effectRef idx="0"/>
+          <a:fontRef idx="minor"/>
+        </p:style>
+        <p:txBody>
+          <a:bodyPr lIns="90000" rIns="90000" tIns="45000" bIns="45000" anchor="t">
             <a:noAutofit/>
           </a:bodyPr>
           <a:p>
@@ -10539,24 +10383,24 @@
         <p:spPr>
           <a:xfrm>
             <a:off x="1820160" y="717120"/>
-            <a:ext cx="5506920" cy="411120"/>
-          </a:xfrm>
-          <a:prstGeom prst="rect">
-            <a:avLst/>
-          </a:prstGeom>
-          <a:noFill/>
-          <a:ln w="0">
-            <a:noFill/>
-          </a:ln>
-        </p:spPr>
-        <p:style>
-          <a:lnRef idx="0"/>
-          <a:fillRef idx="0"/>
-          <a:effectRef idx="0"/>
-          <a:fontRef idx="minor"/>
-        </p:style>
-        <p:txBody>
-          <a:bodyPr anchor="t">
+            <a:ext cx="5506560" cy="410760"/>
+          </a:xfrm>
+          <a:prstGeom prst="rect">
+            <a:avLst/>
+          </a:prstGeom>
+          <a:noFill/>
+          <a:ln w="0">
+            <a:noFill/>
+          </a:ln>
+        </p:spPr>
+        <p:style>
+          <a:lnRef idx="0"/>
+          <a:fillRef idx="0"/>
+          <a:effectRef idx="0"/>
+          <a:fontRef idx="minor"/>
+        </p:style>
+        <p:txBody>
+          <a:bodyPr lIns="90000" rIns="90000" tIns="45000" bIns="45000" anchor="t">
             <a:noAutofit/>
           </a:bodyPr>
           <a:p>
@@ -10594,24 +10438,24 @@
         <p:spPr>
           <a:xfrm>
             <a:off x="123480" y="1175760"/>
-            <a:ext cx="3150720" cy="1565640"/>
-          </a:xfrm>
-          <a:prstGeom prst="rect">
-            <a:avLst/>
-          </a:prstGeom>
-          <a:noFill/>
-          <a:ln w="0">
-            <a:noFill/>
-          </a:ln>
-        </p:spPr>
-        <p:style>
-          <a:lnRef idx="0"/>
-          <a:fillRef idx="0"/>
-          <a:effectRef idx="0"/>
-          <a:fontRef idx="minor"/>
-        </p:style>
-        <p:txBody>
-          <a:bodyPr anchor="t">
+            <a:ext cx="3150360" cy="1565280"/>
+          </a:xfrm>
+          <a:prstGeom prst="rect">
+            <a:avLst/>
+          </a:prstGeom>
+          <a:noFill/>
+          <a:ln w="0">
+            <a:noFill/>
+          </a:ln>
+        </p:spPr>
+        <p:style>
+          <a:lnRef idx="0"/>
+          <a:fillRef idx="0"/>
+          <a:effectRef idx="0"/>
+          <a:fontRef idx="minor"/>
+        </p:style>
+        <p:txBody>
+          <a:bodyPr lIns="90000" rIns="90000" tIns="45000" bIns="45000" anchor="t">
             <a:normAutofit/>
           </a:bodyPr>
           <a:p>
@@ -10705,7 +10549,7 @@
         <p:spPr>
           <a:xfrm>
             <a:off x="205200" y="3003840"/>
-            <a:ext cx="3068640" cy="1023840"/>
+            <a:ext cx="3068280" cy="1023480"/>
           </a:xfrm>
           <a:prstGeom prst="rect">
             <a:avLst/>
@@ -10726,7 +10570,7 @@
           <a:fontRef idx="minor"/>
         </p:style>
         <p:txBody>
-          <a:bodyPr tIns="91440" bIns="91440" anchor="ctr">
+          <a:bodyPr lIns="90000" rIns="90000" tIns="91440" bIns="91440" anchor="ctr">
             <a:noAutofit/>
           </a:bodyPr>
           <a:p>
@@ -10794,25 +10638,25 @@
         <p:spPr>
           <a:xfrm>
             <a:off x="123480" y="940320"/>
-            <a:ext cx="3150720" cy="230760"/>
-          </a:xfrm>
-          <a:prstGeom prst="rect">
-            <a:avLst/>
-          </a:prstGeom>
-          <a:noFill/>
-          <a:ln w="0">
-            <a:noFill/>
-          </a:ln>
-        </p:spPr>
-        <p:style>
-          <a:lnRef idx="0"/>
-          <a:fillRef idx="0"/>
-          <a:effectRef idx="0"/>
-          <a:fontRef idx="minor"/>
-        </p:style>
-        <p:txBody>
-          <a:bodyPr anchor="t">
-            <a:normAutofit fontScale="94000"/>
+            <a:ext cx="3150360" cy="230400"/>
+          </a:xfrm>
+          <a:prstGeom prst="rect">
+            <a:avLst/>
+          </a:prstGeom>
+          <a:noFill/>
+          <a:ln w="0">
+            <a:noFill/>
+          </a:ln>
+        </p:spPr>
+        <p:style>
+          <a:lnRef idx="0"/>
+          <a:fillRef idx="0"/>
+          <a:effectRef idx="0"/>
+          <a:fontRef idx="minor"/>
+        </p:style>
+        <p:txBody>
+          <a:bodyPr lIns="90000" rIns="90000" tIns="45000" bIns="45000" anchor="t">
+            <a:normAutofit fontScale="95000"/>
           </a:bodyPr>
           <a:p>
             <a:pPr>
@@ -10849,7 +10693,7 @@
         <p:spPr>
           <a:xfrm>
             <a:off x="3397680" y="1510200"/>
-            <a:ext cx="5289120" cy="3213360"/>
+            <a:ext cx="5288760" cy="3213000"/>
           </a:xfrm>
           <a:prstGeom prst="rect">
             <a:avLst/>
@@ -10870,7 +10714,7 @@
           <a:fontRef idx="minor"/>
         </p:style>
         <p:txBody>
-          <a:bodyPr tIns="91440" bIns="91440" anchor="ctr">
+          <a:bodyPr lIns="90000" rIns="90000" tIns="91440" bIns="91440" anchor="ctr">
             <a:noAutofit/>
           </a:bodyPr>
           <a:p>
@@ -10956,24 +10800,24 @@
         <p:spPr>
           <a:xfrm>
             <a:off x="1820160" y="335880"/>
-            <a:ext cx="5506920" cy="326160"/>
-          </a:xfrm>
-          <a:prstGeom prst="rect">
-            <a:avLst/>
-          </a:prstGeom>
-          <a:noFill/>
-          <a:ln w="0">
-            <a:noFill/>
-          </a:ln>
-        </p:spPr>
-        <p:style>
-          <a:lnRef idx="0"/>
-          <a:fillRef idx="0"/>
-          <a:effectRef idx="0"/>
-          <a:fontRef idx="minor"/>
-        </p:style>
-        <p:txBody>
-          <a:bodyPr anchor="t">
+            <a:ext cx="5506560" cy="325800"/>
+          </a:xfrm>
+          <a:prstGeom prst="rect">
+            <a:avLst/>
+          </a:prstGeom>
+          <a:noFill/>
+          <a:ln w="0">
+            <a:noFill/>
+          </a:ln>
+        </p:spPr>
+        <p:style>
+          <a:lnRef idx="0"/>
+          <a:fillRef idx="0"/>
+          <a:effectRef idx="0"/>
+          <a:fontRef idx="minor"/>
+        </p:style>
+        <p:txBody>
+          <a:bodyPr lIns="90000" rIns="90000" tIns="45000" bIns="45000" anchor="t">
             <a:noAutofit/>
           </a:bodyPr>
           <a:p>
@@ -11011,24 +10855,24 @@
         <p:spPr>
           <a:xfrm>
             <a:off x="1820160" y="111960"/>
-            <a:ext cx="5506920" cy="223560"/>
-          </a:xfrm>
-          <a:prstGeom prst="rect">
-            <a:avLst/>
-          </a:prstGeom>
-          <a:noFill/>
-          <a:ln w="0">
-            <a:noFill/>
-          </a:ln>
-        </p:spPr>
-        <p:style>
-          <a:lnRef idx="0"/>
-          <a:fillRef idx="0"/>
-          <a:effectRef idx="0"/>
-          <a:fontRef idx="minor"/>
-        </p:style>
-        <p:txBody>
-          <a:bodyPr anchor="t">
+            <a:ext cx="5506560" cy="223200"/>
+          </a:xfrm>
+          <a:prstGeom prst="rect">
+            <a:avLst/>
+          </a:prstGeom>
+          <a:noFill/>
+          <a:ln w="0">
+            <a:noFill/>
+          </a:ln>
+        </p:spPr>
+        <p:style>
+          <a:lnRef idx="0"/>
+          <a:fillRef idx="0"/>
+          <a:effectRef idx="0"/>
+          <a:fontRef idx="minor"/>
+        </p:style>
+        <p:txBody>
+          <a:bodyPr lIns="90000" rIns="90000" tIns="45000" bIns="45000" anchor="t">
             <a:noAutofit/>
           </a:bodyPr>
           <a:p>
@@ -11066,24 +10910,24 @@
         <p:spPr>
           <a:xfrm>
             <a:off x="1820160" y="717120"/>
-            <a:ext cx="5506920" cy="411120"/>
-          </a:xfrm>
-          <a:prstGeom prst="rect">
-            <a:avLst/>
-          </a:prstGeom>
-          <a:noFill/>
-          <a:ln w="0">
-            <a:noFill/>
-          </a:ln>
-        </p:spPr>
-        <p:style>
-          <a:lnRef idx="0"/>
-          <a:fillRef idx="0"/>
-          <a:effectRef idx="0"/>
-          <a:fontRef idx="minor"/>
-        </p:style>
-        <p:txBody>
-          <a:bodyPr anchor="t">
+            <a:ext cx="5506560" cy="410760"/>
+          </a:xfrm>
+          <a:prstGeom prst="rect">
+            <a:avLst/>
+          </a:prstGeom>
+          <a:noFill/>
+          <a:ln w="0">
+            <a:noFill/>
+          </a:ln>
+        </p:spPr>
+        <p:style>
+          <a:lnRef idx="0"/>
+          <a:fillRef idx="0"/>
+          <a:effectRef idx="0"/>
+          <a:fontRef idx="minor"/>
+        </p:style>
+        <p:txBody>
+          <a:bodyPr lIns="90000" rIns="90000" tIns="45000" bIns="45000" anchor="t">
             <a:noAutofit/>
           </a:bodyPr>
           <a:p>
@@ -11121,24 +10965,24 @@
         <p:spPr>
           <a:xfrm>
             <a:off x="123480" y="1175760"/>
-            <a:ext cx="3150720" cy="1827720"/>
-          </a:xfrm>
-          <a:prstGeom prst="rect">
-            <a:avLst/>
-          </a:prstGeom>
-          <a:noFill/>
-          <a:ln w="0">
-            <a:noFill/>
-          </a:ln>
-        </p:spPr>
-        <p:style>
-          <a:lnRef idx="0"/>
-          <a:fillRef idx="0"/>
-          <a:effectRef idx="0"/>
-          <a:fontRef idx="minor"/>
-        </p:style>
-        <p:txBody>
-          <a:bodyPr anchor="t">
+            <a:ext cx="3150360" cy="1827360"/>
+          </a:xfrm>
+          <a:prstGeom prst="rect">
+            <a:avLst/>
+          </a:prstGeom>
+          <a:noFill/>
+          <a:ln w="0">
+            <a:noFill/>
+          </a:ln>
+        </p:spPr>
+        <p:style>
+          <a:lnRef idx="0"/>
+          <a:fillRef idx="0"/>
+          <a:effectRef idx="0"/>
+          <a:fontRef idx="minor"/>
+        </p:style>
+        <p:txBody>
+          <a:bodyPr lIns="90000" rIns="90000" tIns="45000" bIns="45000" anchor="t">
             <a:normAutofit/>
           </a:bodyPr>
           <a:p>
@@ -11372,7 +11216,7 @@
         <p:spPr>
           <a:xfrm>
             <a:off x="205200" y="3003840"/>
-            <a:ext cx="3068640" cy="1023840"/>
+            <a:ext cx="3068280" cy="1023480"/>
           </a:xfrm>
           <a:prstGeom prst="rect">
             <a:avLst/>
@@ -11393,7 +11237,7 @@
           <a:fontRef idx="minor"/>
         </p:style>
         <p:txBody>
-          <a:bodyPr tIns="91440" bIns="91440" anchor="ctr">
+          <a:bodyPr lIns="90000" rIns="90000" tIns="91440" bIns="91440" anchor="ctr">
             <a:noAutofit/>
           </a:bodyPr>
           <a:p>
@@ -11461,25 +11305,25 @@
         <p:spPr>
           <a:xfrm>
             <a:off x="123480" y="940320"/>
-            <a:ext cx="3150720" cy="230760"/>
-          </a:xfrm>
-          <a:prstGeom prst="rect">
-            <a:avLst/>
-          </a:prstGeom>
-          <a:noFill/>
-          <a:ln w="0">
-            <a:noFill/>
-          </a:ln>
-        </p:spPr>
-        <p:style>
-          <a:lnRef idx="0"/>
-          <a:fillRef idx="0"/>
-          <a:effectRef idx="0"/>
-          <a:fontRef idx="minor"/>
-        </p:style>
-        <p:txBody>
-          <a:bodyPr anchor="t">
-            <a:normAutofit fontScale="94000"/>
+            <a:ext cx="3150360" cy="230400"/>
+          </a:xfrm>
+          <a:prstGeom prst="rect">
+            <a:avLst/>
+          </a:prstGeom>
+          <a:noFill/>
+          <a:ln w="0">
+            <a:noFill/>
+          </a:ln>
+        </p:spPr>
+        <p:style>
+          <a:lnRef idx="0"/>
+          <a:fillRef idx="0"/>
+          <a:effectRef idx="0"/>
+          <a:fontRef idx="minor"/>
+        </p:style>
+        <p:txBody>
+          <a:bodyPr lIns="90000" rIns="90000" tIns="45000" bIns="45000" anchor="t">
+            <a:normAutofit fontScale="95000"/>
           </a:bodyPr>
           <a:p>
             <a:pPr>
@@ -11516,7 +11360,7 @@
         <p:spPr>
           <a:xfrm>
             <a:off x="3397680" y="1510200"/>
-            <a:ext cx="5289120" cy="3213360"/>
+            <a:ext cx="5288760" cy="3213000"/>
           </a:xfrm>
           <a:prstGeom prst="rect">
             <a:avLst/>
@@ -11537,7 +11381,7 @@
           <a:fontRef idx="minor"/>
         </p:style>
         <p:txBody>
-          <a:bodyPr tIns="91440" bIns="91440" anchor="ctr">
+          <a:bodyPr lIns="90000" rIns="90000" tIns="91440" bIns="91440" anchor="ctr">
             <a:noAutofit/>
           </a:bodyPr>
           <a:p>
@@ -11623,24 +11467,24 @@
         <p:spPr>
           <a:xfrm>
             <a:off x="1820160" y="335880"/>
-            <a:ext cx="5506920" cy="326160"/>
-          </a:xfrm>
-          <a:prstGeom prst="rect">
-            <a:avLst/>
-          </a:prstGeom>
-          <a:noFill/>
-          <a:ln w="0">
-            <a:noFill/>
-          </a:ln>
-        </p:spPr>
-        <p:style>
-          <a:lnRef idx="0"/>
-          <a:fillRef idx="0"/>
-          <a:effectRef idx="0"/>
-          <a:fontRef idx="minor"/>
-        </p:style>
-        <p:txBody>
-          <a:bodyPr anchor="t">
+            <a:ext cx="5506560" cy="325800"/>
+          </a:xfrm>
+          <a:prstGeom prst="rect">
+            <a:avLst/>
+          </a:prstGeom>
+          <a:noFill/>
+          <a:ln w="0">
+            <a:noFill/>
+          </a:ln>
+        </p:spPr>
+        <p:style>
+          <a:lnRef idx="0"/>
+          <a:fillRef idx="0"/>
+          <a:effectRef idx="0"/>
+          <a:fontRef idx="minor"/>
+        </p:style>
+        <p:txBody>
+          <a:bodyPr lIns="90000" rIns="90000" tIns="45000" bIns="45000" anchor="t">
             <a:noAutofit/>
           </a:bodyPr>
           <a:p>
@@ -11678,24 +11522,24 @@
         <p:spPr>
           <a:xfrm>
             <a:off x="1820160" y="111960"/>
-            <a:ext cx="5506920" cy="223560"/>
-          </a:xfrm>
-          <a:prstGeom prst="rect">
-            <a:avLst/>
-          </a:prstGeom>
-          <a:noFill/>
-          <a:ln w="0">
-            <a:noFill/>
-          </a:ln>
-        </p:spPr>
-        <p:style>
-          <a:lnRef idx="0"/>
-          <a:fillRef idx="0"/>
-          <a:effectRef idx="0"/>
-          <a:fontRef idx="minor"/>
-        </p:style>
-        <p:txBody>
-          <a:bodyPr anchor="t">
+            <a:ext cx="5506560" cy="223200"/>
+          </a:xfrm>
+          <a:prstGeom prst="rect">
+            <a:avLst/>
+          </a:prstGeom>
+          <a:noFill/>
+          <a:ln w="0">
+            <a:noFill/>
+          </a:ln>
+        </p:spPr>
+        <p:style>
+          <a:lnRef idx="0"/>
+          <a:fillRef idx="0"/>
+          <a:effectRef idx="0"/>
+          <a:fontRef idx="minor"/>
+        </p:style>
+        <p:txBody>
+          <a:bodyPr lIns="90000" rIns="90000" tIns="45000" bIns="45000" anchor="t">
             <a:noAutofit/>
           </a:bodyPr>
           <a:p>
@@ -11733,24 +11577,24 @@
         <p:spPr>
           <a:xfrm>
             <a:off x="1820160" y="717120"/>
-            <a:ext cx="5506920" cy="411120"/>
-          </a:xfrm>
-          <a:prstGeom prst="rect">
-            <a:avLst/>
-          </a:prstGeom>
-          <a:noFill/>
-          <a:ln w="0">
-            <a:noFill/>
-          </a:ln>
-        </p:spPr>
-        <p:style>
-          <a:lnRef idx="0"/>
-          <a:fillRef idx="0"/>
-          <a:effectRef idx="0"/>
-          <a:fontRef idx="minor"/>
-        </p:style>
-        <p:txBody>
-          <a:bodyPr anchor="t">
+            <a:ext cx="5506560" cy="410760"/>
+          </a:xfrm>
+          <a:prstGeom prst="rect">
+            <a:avLst/>
+          </a:prstGeom>
+          <a:noFill/>
+          <a:ln w="0">
+            <a:noFill/>
+          </a:ln>
+        </p:spPr>
+        <p:style>
+          <a:lnRef idx="0"/>
+          <a:fillRef idx="0"/>
+          <a:effectRef idx="0"/>
+          <a:fontRef idx="minor"/>
+        </p:style>
+        <p:txBody>
+          <a:bodyPr lIns="90000" rIns="90000" tIns="45000" bIns="45000" anchor="t">
             <a:noAutofit/>
           </a:bodyPr>
           <a:p>
@@ -11788,24 +11632,24 @@
         <p:spPr>
           <a:xfrm>
             <a:off x="123480" y="1175760"/>
-            <a:ext cx="3150720" cy="1395720"/>
-          </a:xfrm>
-          <a:prstGeom prst="rect">
-            <a:avLst/>
-          </a:prstGeom>
-          <a:noFill/>
-          <a:ln w="0">
-            <a:noFill/>
-          </a:ln>
-        </p:spPr>
-        <p:style>
-          <a:lnRef idx="0"/>
-          <a:fillRef idx="0"/>
-          <a:effectRef idx="0"/>
-          <a:fontRef idx="minor"/>
-        </p:style>
-        <p:txBody>
-          <a:bodyPr anchor="t">
+            <a:ext cx="3150360" cy="1395360"/>
+          </a:xfrm>
+          <a:prstGeom prst="rect">
+            <a:avLst/>
+          </a:prstGeom>
+          <a:noFill/>
+          <a:ln w="0">
+            <a:noFill/>
+          </a:ln>
+        </p:spPr>
+        <p:style>
+          <a:lnRef idx="0"/>
+          <a:fillRef idx="0"/>
+          <a:effectRef idx="0"/>
+          <a:fontRef idx="minor"/>
+        </p:style>
+        <p:txBody>
+          <a:bodyPr lIns="90000" rIns="90000" tIns="45000" bIns="45000" anchor="t">
             <a:normAutofit/>
           </a:bodyPr>
           <a:p>
@@ -11955,7 +11799,7 @@
         <p:spPr>
           <a:xfrm>
             <a:off x="205200" y="3003840"/>
-            <a:ext cx="3068640" cy="1023840"/>
+            <a:ext cx="3068280" cy="1023480"/>
           </a:xfrm>
           <a:prstGeom prst="rect">
             <a:avLst/>
@@ -11976,7 +11820,7 @@
           <a:fontRef idx="minor"/>
         </p:style>
         <p:txBody>
-          <a:bodyPr tIns="91440" bIns="91440" anchor="ctr">
+          <a:bodyPr lIns="90000" rIns="90000" tIns="91440" bIns="91440" anchor="ctr">
             <a:noAutofit/>
           </a:bodyPr>
           <a:p>
@@ -12044,25 +11888,25 @@
         <p:spPr>
           <a:xfrm>
             <a:off x="123480" y="940320"/>
-            <a:ext cx="3150720" cy="230760"/>
-          </a:xfrm>
-          <a:prstGeom prst="rect">
-            <a:avLst/>
-          </a:prstGeom>
-          <a:noFill/>
-          <a:ln w="0">
-            <a:noFill/>
-          </a:ln>
-        </p:spPr>
-        <p:style>
-          <a:lnRef idx="0"/>
-          <a:fillRef idx="0"/>
-          <a:effectRef idx="0"/>
-          <a:fontRef idx="minor"/>
-        </p:style>
-        <p:txBody>
-          <a:bodyPr anchor="t">
-            <a:normAutofit fontScale="94000"/>
+            <a:ext cx="3150360" cy="230400"/>
+          </a:xfrm>
+          <a:prstGeom prst="rect">
+            <a:avLst/>
+          </a:prstGeom>
+          <a:noFill/>
+          <a:ln w="0">
+            <a:noFill/>
+          </a:ln>
+        </p:spPr>
+        <p:style>
+          <a:lnRef idx="0"/>
+          <a:fillRef idx="0"/>
+          <a:effectRef idx="0"/>
+          <a:fontRef idx="minor"/>
+        </p:style>
+        <p:txBody>
+          <a:bodyPr lIns="90000" rIns="90000" tIns="45000" bIns="45000" anchor="t">
+            <a:normAutofit fontScale="95000"/>
           </a:bodyPr>
           <a:p>
             <a:pPr>
@@ -12099,7 +11943,7 @@
         <p:spPr>
           <a:xfrm>
             <a:off x="3397680" y="1510200"/>
-            <a:ext cx="5289120" cy="3213360"/>
+            <a:ext cx="5288760" cy="3213000"/>
           </a:xfrm>
           <a:prstGeom prst="rect">
             <a:avLst/>
@@ -12120,7 +11964,7 @@
           <a:fontRef idx="minor"/>
         </p:style>
         <p:txBody>
-          <a:bodyPr tIns="91440" bIns="91440" anchor="ctr">
+          <a:bodyPr lIns="90000" rIns="90000" tIns="91440" bIns="91440" anchor="ctr">
             <a:noAutofit/>
           </a:bodyPr>
           <a:p>
@@ -12206,24 +12050,24 @@
         <p:spPr>
           <a:xfrm>
             <a:off x="1820160" y="335880"/>
-            <a:ext cx="5506920" cy="326160"/>
-          </a:xfrm>
-          <a:prstGeom prst="rect">
-            <a:avLst/>
-          </a:prstGeom>
-          <a:noFill/>
-          <a:ln w="0">
-            <a:noFill/>
-          </a:ln>
-        </p:spPr>
-        <p:style>
-          <a:lnRef idx="0"/>
-          <a:fillRef idx="0"/>
-          <a:effectRef idx="0"/>
-          <a:fontRef idx="minor"/>
-        </p:style>
-        <p:txBody>
-          <a:bodyPr anchor="t">
+            <a:ext cx="5506560" cy="325800"/>
+          </a:xfrm>
+          <a:prstGeom prst="rect">
+            <a:avLst/>
+          </a:prstGeom>
+          <a:noFill/>
+          <a:ln w="0">
+            <a:noFill/>
+          </a:ln>
+        </p:spPr>
+        <p:style>
+          <a:lnRef idx="0"/>
+          <a:fillRef idx="0"/>
+          <a:effectRef idx="0"/>
+          <a:fontRef idx="minor"/>
+        </p:style>
+        <p:txBody>
+          <a:bodyPr lIns="90000" rIns="90000" tIns="45000" bIns="45000" anchor="t">
             <a:noAutofit/>
           </a:bodyPr>
           <a:p>
@@ -12261,24 +12105,24 @@
         <p:spPr>
           <a:xfrm>
             <a:off x="1820160" y="111960"/>
-            <a:ext cx="5506920" cy="223560"/>
-          </a:xfrm>
-          <a:prstGeom prst="rect">
-            <a:avLst/>
-          </a:prstGeom>
-          <a:noFill/>
-          <a:ln w="0">
-            <a:noFill/>
-          </a:ln>
-        </p:spPr>
-        <p:style>
-          <a:lnRef idx="0"/>
-          <a:fillRef idx="0"/>
-          <a:effectRef idx="0"/>
-          <a:fontRef idx="minor"/>
-        </p:style>
-        <p:txBody>
-          <a:bodyPr anchor="t">
+            <a:ext cx="5506560" cy="223200"/>
+          </a:xfrm>
+          <a:prstGeom prst="rect">
+            <a:avLst/>
+          </a:prstGeom>
+          <a:noFill/>
+          <a:ln w="0">
+            <a:noFill/>
+          </a:ln>
+        </p:spPr>
+        <p:style>
+          <a:lnRef idx="0"/>
+          <a:fillRef idx="0"/>
+          <a:effectRef idx="0"/>
+          <a:fontRef idx="minor"/>
+        </p:style>
+        <p:txBody>
+          <a:bodyPr lIns="90000" rIns="90000" tIns="45000" bIns="45000" anchor="t">
             <a:noAutofit/>
           </a:bodyPr>
           <a:p>
@@ -12316,24 +12160,24 @@
         <p:spPr>
           <a:xfrm>
             <a:off x="1820160" y="717120"/>
-            <a:ext cx="5506920" cy="411120"/>
-          </a:xfrm>
-          <a:prstGeom prst="rect">
-            <a:avLst/>
-          </a:prstGeom>
-          <a:noFill/>
-          <a:ln w="0">
-            <a:noFill/>
-          </a:ln>
-        </p:spPr>
-        <p:style>
-          <a:lnRef idx="0"/>
-          <a:fillRef idx="0"/>
-          <a:effectRef idx="0"/>
-          <a:fontRef idx="minor"/>
-        </p:style>
-        <p:txBody>
-          <a:bodyPr anchor="t">
+            <a:ext cx="5506560" cy="410760"/>
+          </a:xfrm>
+          <a:prstGeom prst="rect">
+            <a:avLst/>
+          </a:prstGeom>
+          <a:noFill/>
+          <a:ln w="0">
+            <a:noFill/>
+          </a:ln>
+        </p:spPr>
+        <p:style>
+          <a:lnRef idx="0"/>
+          <a:fillRef idx="0"/>
+          <a:effectRef idx="0"/>
+          <a:fontRef idx="minor"/>
+        </p:style>
+        <p:txBody>
+          <a:bodyPr lIns="90000" rIns="90000" tIns="45000" bIns="45000" anchor="t">
             <a:noAutofit/>
           </a:bodyPr>
           <a:p>
@@ -12371,24 +12215,24 @@
         <p:spPr>
           <a:xfrm>
             <a:off x="123480" y="1175760"/>
-            <a:ext cx="3150720" cy="1619280"/>
-          </a:xfrm>
-          <a:prstGeom prst="rect">
-            <a:avLst/>
-          </a:prstGeom>
-          <a:noFill/>
-          <a:ln w="0">
-            <a:noFill/>
-          </a:ln>
-        </p:spPr>
-        <p:style>
-          <a:lnRef idx="0"/>
-          <a:fillRef idx="0"/>
-          <a:effectRef idx="0"/>
-          <a:fontRef idx="minor"/>
-        </p:style>
-        <p:txBody>
-          <a:bodyPr anchor="t">
+            <a:ext cx="3150360" cy="1618920"/>
+          </a:xfrm>
+          <a:prstGeom prst="rect">
+            <a:avLst/>
+          </a:prstGeom>
+          <a:noFill/>
+          <a:ln w="0">
+            <a:noFill/>
+          </a:ln>
+        </p:spPr>
+        <p:style>
+          <a:lnRef idx="0"/>
+          <a:fillRef idx="0"/>
+          <a:effectRef idx="0"/>
+          <a:fontRef idx="minor"/>
+        </p:style>
+        <p:txBody>
+          <a:bodyPr lIns="90000" rIns="90000" tIns="45000" bIns="45000" anchor="t">
             <a:normAutofit/>
           </a:bodyPr>
           <a:p>
@@ -12594,7 +12438,7 @@
         <p:spPr>
           <a:xfrm>
             <a:off x="205200" y="3003840"/>
-            <a:ext cx="3068640" cy="1023840"/>
+            <a:ext cx="3068280" cy="1023480"/>
           </a:xfrm>
           <a:prstGeom prst="rect">
             <a:avLst/>
@@ -12615,7 +12459,7 @@
           <a:fontRef idx="minor"/>
         </p:style>
         <p:txBody>
-          <a:bodyPr tIns="91440" bIns="91440" anchor="ctr">
+          <a:bodyPr lIns="90000" rIns="90000" tIns="91440" bIns="91440" anchor="ctr">
             <a:noAutofit/>
           </a:bodyPr>
           <a:p>
@@ -12683,25 +12527,25 @@
         <p:spPr>
           <a:xfrm>
             <a:off x="123480" y="940320"/>
-            <a:ext cx="3150720" cy="230760"/>
-          </a:xfrm>
-          <a:prstGeom prst="rect">
-            <a:avLst/>
-          </a:prstGeom>
-          <a:noFill/>
-          <a:ln w="0">
-            <a:noFill/>
-          </a:ln>
-        </p:spPr>
-        <p:style>
-          <a:lnRef idx="0"/>
-          <a:fillRef idx="0"/>
-          <a:effectRef idx="0"/>
-          <a:fontRef idx="minor"/>
-        </p:style>
-        <p:txBody>
-          <a:bodyPr anchor="t">
-            <a:normAutofit fontScale="94000"/>
+            <a:ext cx="3150360" cy="230400"/>
+          </a:xfrm>
+          <a:prstGeom prst="rect">
+            <a:avLst/>
+          </a:prstGeom>
+          <a:noFill/>
+          <a:ln w="0">
+            <a:noFill/>
+          </a:ln>
+        </p:spPr>
+        <p:style>
+          <a:lnRef idx="0"/>
+          <a:fillRef idx="0"/>
+          <a:effectRef idx="0"/>
+          <a:fontRef idx="minor"/>
+        </p:style>
+        <p:txBody>
+          <a:bodyPr lIns="90000" rIns="90000" tIns="45000" bIns="45000" anchor="t">
+            <a:normAutofit fontScale="95000"/>
           </a:bodyPr>
           <a:p>
             <a:pPr>
@@ -12738,7 +12582,7 @@
         <p:spPr>
           <a:xfrm>
             <a:off x="3397680" y="1510200"/>
-            <a:ext cx="5289120" cy="3213360"/>
+            <a:ext cx="5288760" cy="3213000"/>
           </a:xfrm>
           <a:prstGeom prst="rect">
             <a:avLst/>
@@ -12759,7 +12603,7 @@
           <a:fontRef idx="minor"/>
         </p:style>
         <p:txBody>
-          <a:bodyPr tIns="91440" bIns="91440" anchor="ctr">
+          <a:bodyPr lIns="90000" rIns="90000" tIns="91440" bIns="91440" anchor="ctr">
             <a:noAutofit/>
           </a:bodyPr>
           <a:p>
@@ -12845,24 +12689,24 @@
         <p:spPr>
           <a:xfrm>
             <a:off x="1820160" y="335880"/>
-            <a:ext cx="5506920" cy="326160"/>
-          </a:xfrm>
-          <a:prstGeom prst="rect">
-            <a:avLst/>
-          </a:prstGeom>
-          <a:noFill/>
-          <a:ln w="0">
-            <a:noFill/>
-          </a:ln>
-        </p:spPr>
-        <p:style>
-          <a:lnRef idx="0"/>
-          <a:fillRef idx="0"/>
-          <a:effectRef idx="0"/>
-          <a:fontRef idx="minor"/>
-        </p:style>
-        <p:txBody>
-          <a:bodyPr anchor="t">
+            <a:ext cx="5506560" cy="325800"/>
+          </a:xfrm>
+          <a:prstGeom prst="rect">
+            <a:avLst/>
+          </a:prstGeom>
+          <a:noFill/>
+          <a:ln w="0">
+            <a:noFill/>
+          </a:ln>
+        </p:spPr>
+        <p:style>
+          <a:lnRef idx="0"/>
+          <a:fillRef idx="0"/>
+          <a:effectRef idx="0"/>
+          <a:fontRef idx="minor"/>
+        </p:style>
+        <p:txBody>
+          <a:bodyPr lIns="90000" rIns="90000" tIns="45000" bIns="45000" anchor="t">
             <a:noAutofit/>
           </a:bodyPr>
           <a:p>
@@ -12900,24 +12744,24 @@
         <p:spPr>
           <a:xfrm>
             <a:off x="1820160" y="111960"/>
-            <a:ext cx="5506920" cy="223560"/>
-          </a:xfrm>
-          <a:prstGeom prst="rect">
-            <a:avLst/>
-          </a:prstGeom>
-          <a:noFill/>
-          <a:ln w="0">
-            <a:noFill/>
-          </a:ln>
-        </p:spPr>
-        <p:style>
-          <a:lnRef idx="0"/>
-          <a:fillRef idx="0"/>
-          <a:effectRef idx="0"/>
-          <a:fontRef idx="minor"/>
-        </p:style>
-        <p:txBody>
-          <a:bodyPr anchor="t">
+            <a:ext cx="5506560" cy="223200"/>
+          </a:xfrm>
+          <a:prstGeom prst="rect">
+            <a:avLst/>
+          </a:prstGeom>
+          <a:noFill/>
+          <a:ln w="0">
+            <a:noFill/>
+          </a:ln>
+        </p:spPr>
+        <p:style>
+          <a:lnRef idx="0"/>
+          <a:fillRef idx="0"/>
+          <a:effectRef idx="0"/>
+          <a:fontRef idx="minor"/>
+        </p:style>
+        <p:txBody>
+          <a:bodyPr lIns="90000" rIns="90000" tIns="45000" bIns="45000" anchor="t">
             <a:noAutofit/>
           </a:bodyPr>
           <a:p>
@@ -12955,24 +12799,24 @@
         <p:spPr>
           <a:xfrm>
             <a:off x="1820160" y="717120"/>
-            <a:ext cx="5506920" cy="411120"/>
-          </a:xfrm>
-          <a:prstGeom prst="rect">
-            <a:avLst/>
-          </a:prstGeom>
-          <a:noFill/>
-          <a:ln w="0">
-            <a:noFill/>
-          </a:ln>
-        </p:spPr>
-        <p:style>
-          <a:lnRef idx="0"/>
-          <a:fillRef idx="0"/>
-          <a:effectRef idx="0"/>
-          <a:fontRef idx="minor"/>
-        </p:style>
-        <p:txBody>
-          <a:bodyPr anchor="t">
+            <a:ext cx="5506560" cy="410760"/>
+          </a:xfrm>
+          <a:prstGeom prst="rect">
+            <a:avLst/>
+          </a:prstGeom>
+          <a:noFill/>
+          <a:ln w="0">
+            <a:noFill/>
+          </a:ln>
+        </p:spPr>
+        <p:style>
+          <a:lnRef idx="0"/>
+          <a:fillRef idx="0"/>
+          <a:effectRef idx="0"/>
+          <a:fontRef idx="minor"/>
+        </p:style>
+        <p:txBody>
+          <a:bodyPr lIns="90000" rIns="90000" tIns="45000" bIns="45000" anchor="t">
             <a:noAutofit/>
           </a:bodyPr>
           <a:p>
@@ -13010,24 +12854,24 @@
         <p:spPr>
           <a:xfrm>
             <a:off x="123480" y="1175760"/>
-            <a:ext cx="3150720" cy="1619280"/>
-          </a:xfrm>
-          <a:prstGeom prst="rect">
-            <a:avLst/>
-          </a:prstGeom>
-          <a:noFill/>
-          <a:ln w="0">
-            <a:noFill/>
-          </a:ln>
-        </p:spPr>
-        <p:style>
-          <a:lnRef idx="0"/>
-          <a:fillRef idx="0"/>
-          <a:effectRef idx="0"/>
-          <a:fontRef idx="minor"/>
-        </p:style>
-        <p:txBody>
-          <a:bodyPr anchor="t">
+            <a:ext cx="3150360" cy="1618920"/>
+          </a:xfrm>
+          <a:prstGeom prst="rect">
+            <a:avLst/>
+          </a:prstGeom>
+          <a:noFill/>
+          <a:ln w="0">
+            <a:noFill/>
+          </a:ln>
+        </p:spPr>
+        <p:style>
+          <a:lnRef idx="0"/>
+          <a:fillRef idx="0"/>
+          <a:effectRef idx="0"/>
+          <a:fontRef idx="minor"/>
+        </p:style>
+        <p:txBody>
+          <a:bodyPr lIns="90000" rIns="90000" tIns="45000" bIns="45000" anchor="t">
             <a:normAutofit/>
           </a:bodyPr>
           <a:p>
@@ -13093,7 +12937,7 @@
         <p:spPr>
           <a:xfrm>
             <a:off x="205200" y="3003840"/>
-            <a:ext cx="3068640" cy="1023840"/>
+            <a:ext cx="3068280" cy="1023480"/>
           </a:xfrm>
           <a:prstGeom prst="rect">
             <a:avLst/>
@@ -13114,7 +12958,7 @@
           <a:fontRef idx="minor"/>
         </p:style>
         <p:txBody>
-          <a:bodyPr tIns="91440" bIns="91440" anchor="ctr">
+          <a:bodyPr lIns="90000" rIns="90000" tIns="91440" bIns="91440" anchor="ctr">
             <a:noAutofit/>
           </a:bodyPr>
           <a:p>
@@ -13182,25 +13026,25 @@
         <p:spPr>
           <a:xfrm>
             <a:off x="123480" y="940320"/>
-            <a:ext cx="3150720" cy="230760"/>
-          </a:xfrm>
-          <a:prstGeom prst="rect">
-            <a:avLst/>
-          </a:prstGeom>
-          <a:noFill/>
-          <a:ln w="0">
-            <a:noFill/>
-          </a:ln>
-        </p:spPr>
-        <p:style>
-          <a:lnRef idx="0"/>
-          <a:fillRef idx="0"/>
-          <a:effectRef idx="0"/>
-          <a:fontRef idx="minor"/>
-        </p:style>
-        <p:txBody>
-          <a:bodyPr anchor="t">
-            <a:normAutofit fontScale="94000"/>
+            <a:ext cx="3150360" cy="230400"/>
+          </a:xfrm>
+          <a:prstGeom prst="rect">
+            <a:avLst/>
+          </a:prstGeom>
+          <a:noFill/>
+          <a:ln w="0">
+            <a:noFill/>
+          </a:ln>
+        </p:spPr>
+        <p:style>
+          <a:lnRef idx="0"/>
+          <a:fillRef idx="0"/>
+          <a:effectRef idx="0"/>
+          <a:fontRef idx="minor"/>
+        </p:style>
+        <p:txBody>
+          <a:bodyPr lIns="90000" rIns="90000" tIns="45000" bIns="45000" anchor="t">
+            <a:normAutofit fontScale="95000"/>
           </a:bodyPr>
           <a:p>
             <a:pPr>
@@ -13237,7 +13081,7 @@
         <p:spPr>
           <a:xfrm>
             <a:off x="3397680" y="1510200"/>
-            <a:ext cx="5289120" cy="3213360"/>
+            <a:ext cx="5288760" cy="3213000"/>
           </a:xfrm>
           <a:prstGeom prst="rect">
             <a:avLst/>
@@ -13258,7 +13102,7 @@
           <a:fontRef idx="minor"/>
         </p:style>
         <p:txBody>
-          <a:bodyPr tIns="91440" bIns="91440" anchor="ctr">
+          <a:bodyPr lIns="90000" rIns="90000" tIns="91440" bIns="91440" anchor="ctr">
             <a:noAutofit/>
           </a:bodyPr>
           <a:p>
@@ -13320,24 +13164,24 @@
         <p:spPr>
           <a:xfrm>
             <a:off x="1820160" y="335880"/>
-            <a:ext cx="5506920" cy="326160"/>
-          </a:xfrm>
-          <a:prstGeom prst="rect">
-            <a:avLst/>
-          </a:prstGeom>
-          <a:noFill/>
-          <a:ln w="0">
-            <a:noFill/>
-          </a:ln>
-        </p:spPr>
-        <p:style>
-          <a:lnRef idx="0"/>
-          <a:fillRef idx="0"/>
-          <a:effectRef idx="0"/>
-          <a:fontRef idx="minor"/>
-        </p:style>
-        <p:txBody>
-          <a:bodyPr anchor="t">
+            <a:ext cx="5506560" cy="325800"/>
+          </a:xfrm>
+          <a:prstGeom prst="rect">
+            <a:avLst/>
+          </a:prstGeom>
+          <a:noFill/>
+          <a:ln w="0">
+            <a:noFill/>
+          </a:ln>
+        </p:spPr>
+        <p:style>
+          <a:lnRef idx="0"/>
+          <a:fillRef idx="0"/>
+          <a:effectRef idx="0"/>
+          <a:fontRef idx="minor"/>
+        </p:style>
+        <p:txBody>
+          <a:bodyPr lIns="90000" rIns="90000" tIns="45000" bIns="45000" anchor="t">
             <a:noAutofit/>
           </a:bodyPr>
           <a:p>
@@ -13375,24 +13219,24 @@
         <p:spPr>
           <a:xfrm>
             <a:off x="1820160" y="111960"/>
-            <a:ext cx="5506920" cy="223560"/>
-          </a:xfrm>
-          <a:prstGeom prst="rect">
-            <a:avLst/>
-          </a:prstGeom>
-          <a:noFill/>
-          <a:ln w="0">
-            <a:noFill/>
-          </a:ln>
-        </p:spPr>
-        <p:style>
-          <a:lnRef idx="0"/>
-          <a:fillRef idx="0"/>
-          <a:effectRef idx="0"/>
-          <a:fontRef idx="minor"/>
-        </p:style>
-        <p:txBody>
-          <a:bodyPr anchor="t">
+            <a:ext cx="5506560" cy="223200"/>
+          </a:xfrm>
+          <a:prstGeom prst="rect">
+            <a:avLst/>
+          </a:prstGeom>
+          <a:noFill/>
+          <a:ln w="0">
+            <a:noFill/>
+          </a:ln>
+        </p:spPr>
+        <p:style>
+          <a:lnRef idx="0"/>
+          <a:fillRef idx="0"/>
+          <a:effectRef idx="0"/>
+          <a:fontRef idx="minor"/>
+        </p:style>
+        <p:txBody>
+          <a:bodyPr lIns="90000" rIns="90000" tIns="45000" bIns="45000" anchor="t">
             <a:noAutofit/>
           </a:bodyPr>
           <a:p>
@@ -13430,24 +13274,24 @@
         <p:spPr>
           <a:xfrm>
             <a:off x="1820160" y="717120"/>
-            <a:ext cx="5506920" cy="411120"/>
-          </a:xfrm>
-          <a:prstGeom prst="rect">
-            <a:avLst/>
-          </a:prstGeom>
-          <a:noFill/>
-          <a:ln w="0">
-            <a:noFill/>
-          </a:ln>
-        </p:spPr>
-        <p:style>
-          <a:lnRef idx="0"/>
-          <a:fillRef idx="0"/>
-          <a:effectRef idx="0"/>
-          <a:fontRef idx="minor"/>
-        </p:style>
-        <p:txBody>
-          <a:bodyPr anchor="t">
+            <a:ext cx="5506560" cy="410760"/>
+          </a:xfrm>
+          <a:prstGeom prst="rect">
+            <a:avLst/>
+          </a:prstGeom>
+          <a:noFill/>
+          <a:ln w="0">
+            <a:noFill/>
+          </a:ln>
+        </p:spPr>
+        <p:style>
+          <a:lnRef idx="0"/>
+          <a:fillRef idx="0"/>
+          <a:effectRef idx="0"/>
+          <a:fontRef idx="minor"/>
+        </p:style>
+        <p:txBody>
+          <a:bodyPr lIns="90000" rIns="90000" tIns="45000" bIns="45000" anchor="t">
             <a:noAutofit/>
           </a:bodyPr>
           <a:p>
@@ -13485,24 +13329,24 @@
         <p:spPr>
           <a:xfrm>
             <a:off x="123480" y="1175760"/>
-            <a:ext cx="3150720" cy="1619280"/>
-          </a:xfrm>
-          <a:prstGeom prst="rect">
-            <a:avLst/>
-          </a:prstGeom>
-          <a:noFill/>
-          <a:ln w="0">
-            <a:noFill/>
-          </a:ln>
-        </p:spPr>
-        <p:style>
-          <a:lnRef idx="0"/>
-          <a:fillRef idx="0"/>
-          <a:effectRef idx="0"/>
-          <a:fontRef idx="minor"/>
-        </p:style>
-        <p:txBody>
-          <a:bodyPr anchor="t">
+            <a:ext cx="3150360" cy="1618920"/>
+          </a:xfrm>
+          <a:prstGeom prst="rect">
+            <a:avLst/>
+          </a:prstGeom>
+          <a:noFill/>
+          <a:ln w="0">
+            <a:noFill/>
+          </a:ln>
+        </p:spPr>
+        <p:style>
+          <a:lnRef idx="0"/>
+          <a:fillRef idx="0"/>
+          <a:effectRef idx="0"/>
+          <a:fontRef idx="minor"/>
+        </p:style>
+        <p:txBody>
+          <a:bodyPr lIns="90000" rIns="90000" tIns="45000" bIns="45000" anchor="t">
             <a:normAutofit/>
           </a:bodyPr>
           <a:p>
@@ -13626,25 +13470,25 @@
         <p:spPr>
           <a:xfrm>
             <a:off x="123480" y="940320"/>
-            <a:ext cx="3150720" cy="230760"/>
-          </a:xfrm>
-          <a:prstGeom prst="rect">
-            <a:avLst/>
-          </a:prstGeom>
-          <a:noFill/>
-          <a:ln w="0">
-            <a:noFill/>
-          </a:ln>
-        </p:spPr>
-        <p:style>
-          <a:lnRef idx="0"/>
-          <a:fillRef idx="0"/>
-          <a:effectRef idx="0"/>
-          <a:fontRef idx="minor"/>
-        </p:style>
-        <p:txBody>
-          <a:bodyPr anchor="t">
-            <a:normAutofit fontScale="94000"/>
+            <a:ext cx="3150360" cy="230400"/>
+          </a:xfrm>
+          <a:prstGeom prst="rect">
+            <a:avLst/>
+          </a:prstGeom>
+          <a:noFill/>
+          <a:ln w="0">
+            <a:noFill/>
+          </a:ln>
+        </p:spPr>
+        <p:style>
+          <a:lnRef idx="0"/>
+          <a:fillRef idx="0"/>
+          <a:effectRef idx="0"/>
+          <a:fontRef idx="minor"/>
+        </p:style>
+        <p:txBody>
+          <a:bodyPr lIns="90000" rIns="90000" tIns="45000" bIns="45000" anchor="t">
+            <a:normAutofit fontScale="95000"/>
           </a:bodyPr>
           <a:p>
             <a:pPr>
@@ -13674,90 +13518,86 @@
       </p:sp>
       <p:sp>
         <p:nvSpPr>
-          <p:cNvPr id="50" name="Google Shape;118;p27"/>
-          <p:cNvSpPr/>
-          <p:nvPr/>
-        </p:nvSpPr>
-        <p:spPr>
-          <a:xfrm>
-            <a:off x="3397680" y="1510200"/>
-            <a:ext cx="5289120" cy="3213360"/>
-          </a:xfrm>
-          <a:prstGeom prst="rect">
-            <a:avLst/>
-          </a:prstGeom>
-          <a:noFill/>
-          <a:ln w="9525">
-            <a:solidFill>
-              <a:srgbClr val="000000"/>
-            </a:solidFill>
-            <a:prstDash val="dot"/>
-            <a:round/>
-          </a:ln>
-        </p:spPr>
-        <p:style>
-          <a:lnRef idx="0"/>
-          <a:fillRef idx="0"/>
-          <a:effectRef idx="0"/>
-          <a:fontRef idx="minor"/>
-        </p:style>
-        <p:txBody>
-          <a:bodyPr tIns="91440" bIns="91440" anchor="ctr">
+          <p:cNvPr id="50" name="Google Shape;119;p27"/>
+          <p:cNvSpPr/>
+          <p:nvPr/>
+        </p:nvSpPr>
+        <p:spPr>
+          <a:xfrm>
+            <a:off x="1820160" y="335880"/>
+            <a:ext cx="5506560" cy="325800"/>
+          </a:xfrm>
+          <a:prstGeom prst="rect">
+            <a:avLst/>
+          </a:prstGeom>
+          <a:noFill/>
+          <a:ln w="0">
+            <a:noFill/>
+          </a:ln>
+        </p:spPr>
+        <p:style>
+          <a:lnRef idx="0"/>
+          <a:fillRef idx="0"/>
+          <a:effectRef idx="0"/>
+          <a:fontRef idx="minor"/>
+        </p:style>
+        <p:txBody>
+          <a:bodyPr lIns="90000" rIns="90000" tIns="45000" bIns="45000" anchor="t">
             <a:noAutofit/>
           </a:bodyPr>
           <a:p>
             <a:pPr algn="ctr">
               <a:lnSpc>
-                <a:spcPct val="100000"/>
-              </a:lnSpc>
-              <a:buNone/>
-              <a:tabLst>
-                <a:tab algn="l" pos="0"/>
-              </a:tabLst>
-            </a:pPr>
-            <a:r>
-              <a:rPr b="0" i="1" lang="en-GB" sz="1500" spc="-1" strike="noStrike">
+                <a:spcPct val="114000"/>
+              </a:lnSpc>
+              <a:buNone/>
+              <a:tabLst>
+                <a:tab algn="l" pos="0"/>
+              </a:tabLst>
+            </a:pPr>
+            <a:r>
+              <a:rPr b="1" lang="en-GB" sz="1400" spc="-1" strike="noStrike">
                 <a:solidFill>
                   <a:srgbClr val="04488e"/>
                 </a:solidFill>
                 <a:latin typeface="Arial"/>
                 <a:ea typeface="Arial"/>
               </a:rPr>
-              <a:t>Add one or more screenshot(s) of your GitHub repository page as it appears on GitHub, and remove this frame and text.</a:t>
-            </a:r>
-            <a:endParaRPr b="0" lang="en-US" sz="1500" spc="-1" strike="noStrike">
-              <a:latin typeface="Arial"/>
-            </a:endParaRPr>
-          </a:p>
-        </p:txBody>
-      </p:sp>
-      <p:sp>
-        <p:nvSpPr>
-          <p:cNvPr id="51" name="Google Shape;119;p27"/>
-          <p:cNvSpPr/>
-          <p:nvPr/>
-        </p:nvSpPr>
-        <p:spPr>
-          <a:xfrm>
-            <a:off x="1820160" y="335880"/>
-            <a:ext cx="5506920" cy="326160"/>
-          </a:xfrm>
-          <a:prstGeom prst="rect">
-            <a:avLst/>
-          </a:prstGeom>
-          <a:noFill/>
-          <a:ln w="0">
-            <a:noFill/>
-          </a:ln>
-        </p:spPr>
-        <p:style>
-          <a:lnRef idx="0"/>
-          <a:fillRef idx="0"/>
-          <a:effectRef idx="0"/>
-          <a:fontRef idx="minor"/>
-        </p:style>
-        <p:txBody>
-          <a:bodyPr anchor="t">
+              <a:t>Your Name - Your Project’s Title</a:t>
+            </a:r>
+            <a:endParaRPr b="0" lang="en-US" sz="1400" spc="-1" strike="noStrike">
+              <a:latin typeface="Arial"/>
+            </a:endParaRPr>
+          </a:p>
+        </p:txBody>
+      </p:sp>
+      <p:sp>
+        <p:nvSpPr>
+          <p:cNvPr id="51" name="Google Shape;120;p27"/>
+          <p:cNvSpPr/>
+          <p:nvPr/>
+        </p:nvSpPr>
+        <p:spPr>
+          <a:xfrm>
+            <a:off x="1820160" y="111960"/>
+            <a:ext cx="5506560" cy="223200"/>
+          </a:xfrm>
+          <a:prstGeom prst="rect">
+            <a:avLst/>
+          </a:prstGeom>
+          <a:noFill/>
+          <a:ln w="0">
+            <a:noFill/>
+          </a:ln>
+        </p:spPr>
+        <p:style>
+          <a:lnRef idx="0"/>
+          <a:fillRef idx="0"/>
+          <a:effectRef idx="0"/>
+          <a:fontRef idx="minor"/>
+        </p:style>
+        <p:txBody>
+          <a:bodyPr lIns="90000" rIns="90000" tIns="45000" bIns="45000" anchor="t">
             <a:noAutofit/>
           </a:bodyPr>
           <a:p>
@@ -13771,48 +13611,103 @@
               </a:tabLst>
             </a:pPr>
             <a:r>
-              <a:rPr b="1" lang="en-GB" sz="1400" spc="-1" strike="noStrike">
+              <a:rPr b="0" lang="en-GB" sz="1200" spc="-1" strike="noStrike">
+                <a:solidFill>
+                  <a:srgbClr val="3e3d3f"/>
+                </a:solidFill>
+                <a:latin typeface="Arial"/>
+                <a:ea typeface="Arial"/>
+              </a:rPr>
+              <a:t>Static Website - Final Project</a:t>
+            </a:r>
+            <a:endParaRPr b="0" lang="en-US" sz="1200" spc="-1" strike="noStrike">
+              <a:latin typeface="Arial"/>
+            </a:endParaRPr>
+          </a:p>
+        </p:txBody>
+      </p:sp>
+      <p:sp>
+        <p:nvSpPr>
+          <p:cNvPr id="52" name="Google Shape;121;p27"/>
+          <p:cNvSpPr/>
+          <p:nvPr/>
+        </p:nvSpPr>
+        <p:spPr>
+          <a:xfrm>
+            <a:off x="2985480" y="1128960"/>
+            <a:ext cx="5700960" cy="410760"/>
+          </a:xfrm>
+          <a:prstGeom prst="rect">
+            <a:avLst/>
+          </a:prstGeom>
+          <a:noFill/>
+          <a:ln w="0">
+            <a:noFill/>
+          </a:ln>
+        </p:spPr>
+        <p:style>
+          <a:lnRef idx="0"/>
+          <a:fillRef idx="0"/>
+          <a:effectRef idx="0"/>
+          <a:fontRef idx="minor"/>
+        </p:style>
+        <p:txBody>
+          <a:bodyPr lIns="90000" rIns="90000" tIns="45000" bIns="45000" anchor="t">
+            <a:noAutofit/>
+          </a:bodyPr>
+          <a:p>
+            <a:pPr>
+              <a:lnSpc>
+                <a:spcPct val="114000"/>
+              </a:lnSpc>
+              <a:buNone/>
+              <a:tabLst>
+                <a:tab algn="l" pos="0"/>
+              </a:tabLst>
+            </a:pPr>
+            <a:r>
+              <a:rPr b="1" i="1" lang="en-GB" sz="1800" spc="-1" strike="noStrike">
                 <a:solidFill>
                   <a:srgbClr val="04488e"/>
                 </a:solidFill>
                 <a:latin typeface="Arial"/>
                 <a:ea typeface="Arial"/>
               </a:rPr>
-              <a:t>Your Name - Your Project’s Title</a:t>
-            </a:r>
-            <a:endParaRPr b="0" lang="en-US" sz="1400" spc="-1" strike="noStrike">
-              <a:latin typeface="Arial"/>
-            </a:endParaRPr>
-          </a:p>
-        </p:txBody>
-      </p:sp>
-      <p:sp>
-        <p:nvSpPr>
-          <p:cNvPr id="52" name="Google Shape;120;p27"/>
-          <p:cNvSpPr/>
-          <p:nvPr/>
-        </p:nvSpPr>
-        <p:spPr>
-          <a:xfrm>
-            <a:off x="1820160" y="111960"/>
-            <a:ext cx="5506920" cy="223560"/>
-          </a:xfrm>
-          <a:prstGeom prst="rect">
-            <a:avLst/>
-          </a:prstGeom>
-          <a:noFill/>
-          <a:ln w="0">
-            <a:noFill/>
-          </a:ln>
-        </p:spPr>
-        <p:style>
-          <a:lnRef idx="0"/>
-          <a:fillRef idx="0"/>
-          <a:effectRef idx="0"/>
-          <a:fontRef idx="minor"/>
-        </p:style>
-        <p:txBody>
-          <a:bodyPr anchor="t">
+              <a:t>&lt;your GitHub repository link&gt;</a:t>
+            </a:r>
+            <a:endParaRPr b="0" lang="en-US" sz="1800" spc="-1" strike="noStrike">
+              <a:latin typeface="Arial"/>
+            </a:endParaRPr>
+          </a:p>
+        </p:txBody>
+      </p:sp>
+      <p:sp>
+        <p:nvSpPr>
+          <p:cNvPr id="53" name="Google Shape;122;p27"/>
+          <p:cNvSpPr/>
+          <p:nvPr/>
+        </p:nvSpPr>
+        <p:spPr>
+          <a:xfrm>
+            <a:off x="1820160" y="717120"/>
+            <a:ext cx="5506560" cy="410760"/>
+          </a:xfrm>
+          <a:prstGeom prst="rect">
+            <a:avLst/>
+          </a:prstGeom>
+          <a:noFill/>
+          <a:ln w="0">
+            <a:noFill/>
+          </a:ln>
+        </p:spPr>
+        <p:style>
+          <a:lnRef idx="0"/>
+          <a:fillRef idx="0"/>
+          <a:effectRef idx="0"/>
+          <a:fontRef idx="minor"/>
+        </p:style>
+        <p:txBody>
+          <a:bodyPr lIns="90000" rIns="90000" tIns="45000" bIns="45000" anchor="t">
             <a:noAutofit/>
           </a:bodyPr>
           <a:p>
@@ -13826,123 +13721,13 @@
               </a:tabLst>
             </a:pPr>
             <a:r>
-              <a:rPr b="0" lang="en-GB" sz="1200" spc="-1" strike="noStrike">
+              <a:rPr b="1" lang="en-GB" sz="2400" spc="-1" strike="noStrike">
                 <a:solidFill>
                   <a:srgbClr val="3e3d3f"/>
                 </a:solidFill>
                 <a:latin typeface="Arial"/>
                 <a:ea typeface="Arial"/>
               </a:rPr>
-              <a:t>Static Website - Final Project</a:t>
-            </a:r>
-            <a:endParaRPr b="0" lang="en-US" sz="1200" spc="-1" strike="noStrike">
-              <a:latin typeface="Arial"/>
-            </a:endParaRPr>
-          </a:p>
-        </p:txBody>
-      </p:sp>
-      <p:sp>
-        <p:nvSpPr>
-          <p:cNvPr id="53" name="Google Shape;121;p27"/>
-          <p:cNvSpPr/>
-          <p:nvPr/>
-        </p:nvSpPr>
-        <p:spPr>
-          <a:xfrm>
-            <a:off x="2985480" y="1128960"/>
-            <a:ext cx="5701320" cy="411120"/>
-          </a:xfrm>
-          <a:prstGeom prst="rect">
-            <a:avLst/>
-          </a:prstGeom>
-          <a:noFill/>
-          <a:ln w="0">
-            <a:noFill/>
-          </a:ln>
-        </p:spPr>
-        <p:style>
-          <a:lnRef idx="0"/>
-          <a:fillRef idx="0"/>
-          <a:effectRef idx="0"/>
-          <a:fontRef idx="minor"/>
-        </p:style>
-        <p:txBody>
-          <a:bodyPr anchor="t">
-            <a:noAutofit/>
-          </a:bodyPr>
-          <a:p>
-            <a:pPr>
-              <a:lnSpc>
-                <a:spcPct val="114000"/>
-              </a:lnSpc>
-              <a:buNone/>
-              <a:tabLst>
-                <a:tab algn="l" pos="0"/>
-              </a:tabLst>
-            </a:pPr>
-            <a:r>
-              <a:rPr b="1" i="1" lang="en-GB" sz="1800" spc="-1" strike="noStrike">
-                <a:solidFill>
-                  <a:srgbClr val="04488e"/>
-                </a:solidFill>
-                <a:latin typeface="Arial"/>
-                <a:ea typeface="Arial"/>
-              </a:rPr>
-              <a:t>&lt;your GitHub repository link&gt;</a:t>
-            </a:r>
-            <a:endParaRPr b="0" lang="en-US" sz="1800" spc="-1" strike="noStrike">
-              <a:latin typeface="Arial"/>
-            </a:endParaRPr>
-          </a:p>
-        </p:txBody>
-      </p:sp>
-      <p:sp>
-        <p:nvSpPr>
-          <p:cNvPr id="54" name="Google Shape;122;p27"/>
-          <p:cNvSpPr/>
-          <p:nvPr/>
-        </p:nvSpPr>
-        <p:spPr>
-          <a:xfrm>
-            <a:off x="1820160" y="717120"/>
-            <a:ext cx="5506920" cy="411120"/>
-          </a:xfrm>
-          <a:prstGeom prst="rect">
-            <a:avLst/>
-          </a:prstGeom>
-          <a:noFill/>
-          <a:ln w="0">
-            <a:noFill/>
-          </a:ln>
-        </p:spPr>
-        <p:style>
-          <a:lnRef idx="0"/>
-          <a:fillRef idx="0"/>
-          <a:effectRef idx="0"/>
-          <a:fontRef idx="minor"/>
-        </p:style>
-        <p:txBody>
-          <a:bodyPr anchor="t">
-            <a:noAutofit/>
-          </a:bodyPr>
-          <a:p>
-            <a:pPr algn="ctr">
-              <a:lnSpc>
-                <a:spcPct val="114000"/>
-              </a:lnSpc>
-              <a:buNone/>
-              <a:tabLst>
-                <a:tab algn="l" pos="0"/>
-              </a:tabLst>
-            </a:pPr>
-            <a:r>
-              <a:rPr b="1" lang="en-GB" sz="2400" spc="-1" strike="noStrike">
-                <a:solidFill>
-                  <a:srgbClr val="3e3d3f"/>
-                </a:solidFill>
-                <a:latin typeface="Arial"/>
-                <a:ea typeface="Arial"/>
-              </a:rPr>
               <a:t>GitHub Repository</a:t>
             </a:r>
             <a:endParaRPr b="0" lang="en-US" sz="2400" spc="-1" strike="noStrike">
@@ -13953,31 +13738,31 @@
       </p:sp>
       <p:sp>
         <p:nvSpPr>
-          <p:cNvPr id="55" name="Google Shape;123;p27"/>
+          <p:cNvPr id="54" name="Google Shape;123;p27"/>
           <p:cNvSpPr/>
           <p:nvPr/>
         </p:nvSpPr>
         <p:spPr>
           <a:xfrm>
             <a:off x="123480" y="1175760"/>
-            <a:ext cx="3150720" cy="765000"/>
-          </a:xfrm>
-          <a:prstGeom prst="rect">
-            <a:avLst/>
-          </a:prstGeom>
-          <a:noFill/>
-          <a:ln w="0">
-            <a:noFill/>
-          </a:ln>
-        </p:spPr>
-        <p:style>
-          <a:lnRef idx="0"/>
-          <a:fillRef idx="0"/>
-          <a:effectRef idx="0"/>
-          <a:fontRef idx="minor"/>
-        </p:style>
-        <p:txBody>
-          <a:bodyPr anchor="t">
+            <a:ext cx="3150360" cy="764640"/>
+          </a:xfrm>
+          <a:prstGeom prst="rect">
+            <a:avLst/>
+          </a:prstGeom>
+          <a:noFill/>
+          <a:ln w="0">
+            <a:noFill/>
+          </a:ln>
+        </p:spPr>
+        <p:style>
+          <a:lnRef idx="0"/>
+          <a:fillRef idx="0"/>
+          <a:effectRef idx="0"/>
+          <a:fontRef idx="minor"/>
+        </p:style>
+        <p:txBody>
+          <a:bodyPr lIns="90000" rIns="90000" tIns="45000" bIns="45000" anchor="t">
             <a:normAutofit/>
           </a:bodyPr>
           <a:p>
@@ -14062,6 +13847,29 @@
           </a:p>
         </p:txBody>
       </p:sp>
+      <p:pic>
+        <p:nvPicPr>
+          <p:cNvPr id="55" name="" descr=""/>
+          <p:cNvPicPr/>
+          <p:nvPr/>
+        </p:nvPicPr>
+        <p:blipFill>
+          <a:blip r:embed="rId1"/>
+          <a:stretch/>
+        </p:blipFill>
+        <p:spPr>
+          <a:xfrm>
+            <a:off x="4343400" y="1491480"/>
+            <a:ext cx="4136400" cy="3537720"/>
+          </a:xfrm>
+          <a:prstGeom prst="rect">
+            <a:avLst/>
+          </a:prstGeom>
+          <a:ln w="0">
+            <a:noFill/>
+          </a:ln>
+        </p:spPr>
+      </p:pic>
     </p:spTree>
   </p:cSld>
   <mc:AlternateContent>
@@ -14101,25 +13909,25 @@
         <p:spPr>
           <a:xfrm>
             <a:off x="123480" y="940320"/>
-            <a:ext cx="3150720" cy="230760"/>
-          </a:xfrm>
-          <a:prstGeom prst="rect">
-            <a:avLst/>
-          </a:prstGeom>
-          <a:noFill/>
-          <a:ln w="0">
-            <a:noFill/>
-          </a:ln>
-        </p:spPr>
-        <p:style>
-          <a:lnRef idx="0"/>
-          <a:fillRef idx="0"/>
-          <a:effectRef idx="0"/>
-          <a:fontRef idx="minor"/>
-        </p:style>
-        <p:txBody>
-          <a:bodyPr anchor="t">
-            <a:normAutofit fontScale="94000"/>
+            <a:ext cx="3150360" cy="230400"/>
+          </a:xfrm>
+          <a:prstGeom prst="rect">
+            <a:avLst/>
+          </a:prstGeom>
+          <a:noFill/>
+          <a:ln w="0">
+            <a:noFill/>
+          </a:ln>
+        </p:spPr>
+        <p:style>
+          <a:lnRef idx="0"/>
+          <a:fillRef idx="0"/>
+          <a:effectRef idx="0"/>
+          <a:fontRef idx="minor"/>
+        </p:style>
+        <p:txBody>
+          <a:bodyPr lIns="90000" rIns="90000" tIns="45000" bIns="45000" anchor="t">
+            <a:normAutofit fontScale="95000"/>
           </a:bodyPr>
           <a:p>
             <a:pPr>
@@ -14156,7 +13964,7 @@
         <p:spPr>
           <a:xfrm>
             <a:off x="3397680" y="1510200"/>
-            <a:ext cx="5289120" cy="3213360"/>
+            <a:ext cx="5288760" cy="3213000"/>
           </a:xfrm>
           <a:prstGeom prst="rect">
             <a:avLst/>
@@ -14177,7 +13985,7 @@
           <a:fontRef idx="minor"/>
         </p:style>
         <p:txBody>
-          <a:bodyPr tIns="91440" bIns="91440" anchor="ctr">
+          <a:bodyPr lIns="90000" rIns="90000" tIns="91440" bIns="91440" anchor="ctr">
             <a:noAutofit/>
           </a:bodyPr>
           <a:p>
@@ -14252,24 +14060,24 @@
         <p:spPr>
           <a:xfrm>
             <a:off x="1820160" y="335880"/>
-            <a:ext cx="5506920" cy="326160"/>
-          </a:xfrm>
-          <a:prstGeom prst="rect">
-            <a:avLst/>
-          </a:prstGeom>
-          <a:noFill/>
-          <a:ln w="0">
-            <a:noFill/>
-          </a:ln>
-        </p:spPr>
-        <p:style>
-          <a:lnRef idx="0"/>
-          <a:fillRef idx="0"/>
-          <a:effectRef idx="0"/>
-          <a:fontRef idx="minor"/>
-        </p:style>
-        <p:txBody>
-          <a:bodyPr anchor="t">
+            <a:ext cx="5506560" cy="325800"/>
+          </a:xfrm>
+          <a:prstGeom prst="rect">
+            <a:avLst/>
+          </a:prstGeom>
+          <a:noFill/>
+          <a:ln w="0">
+            <a:noFill/>
+          </a:ln>
+        </p:spPr>
+        <p:style>
+          <a:lnRef idx="0"/>
+          <a:fillRef idx="0"/>
+          <a:effectRef idx="0"/>
+          <a:fontRef idx="minor"/>
+        </p:style>
+        <p:txBody>
+          <a:bodyPr lIns="90000" rIns="90000" tIns="45000" bIns="45000" anchor="t">
             <a:noAutofit/>
           </a:bodyPr>
           <a:p>
@@ -14307,24 +14115,24 @@
         <p:spPr>
           <a:xfrm>
             <a:off x="1820160" y="111960"/>
-            <a:ext cx="5506920" cy="223560"/>
-          </a:xfrm>
-          <a:prstGeom prst="rect">
-            <a:avLst/>
-          </a:prstGeom>
-          <a:noFill/>
-          <a:ln w="0">
-            <a:noFill/>
-          </a:ln>
-        </p:spPr>
-        <p:style>
-          <a:lnRef idx="0"/>
-          <a:fillRef idx="0"/>
-          <a:effectRef idx="0"/>
-          <a:fontRef idx="minor"/>
-        </p:style>
-        <p:txBody>
-          <a:bodyPr anchor="t">
+            <a:ext cx="5506560" cy="223200"/>
+          </a:xfrm>
+          <a:prstGeom prst="rect">
+            <a:avLst/>
+          </a:prstGeom>
+          <a:noFill/>
+          <a:ln w="0">
+            <a:noFill/>
+          </a:ln>
+        </p:spPr>
+        <p:style>
+          <a:lnRef idx="0"/>
+          <a:fillRef idx="0"/>
+          <a:effectRef idx="0"/>
+          <a:fontRef idx="minor"/>
+        </p:style>
+        <p:txBody>
+          <a:bodyPr lIns="90000" rIns="90000" tIns="45000" bIns="45000" anchor="t">
             <a:noAutofit/>
           </a:bodyPr>
           <a:p>
@@ -14362,24 +14170,24 @@
         <p:spPr>
           <a:xfrm>
             <a:off x="1820160" y="717120"/>
-            <a:ext cx="5506920" cy="411120"/>
-          </a:xfrm>
-          <a:prstGeom prst="rect">
-            <a:avLst/>
-          </a:prstGeom>
-          <a:noFill/>
-          <a:ln w="0">
-            <a:noFill/>
-          </a:ln>
-        </p:spPr>
-        <p:style>
-          <a:lnRef idx="0"/>
-          <a:fillRef idx="0"/>
-          <a:effectRef idx="0"/>
-          <a:fontRef idx="minor"/>
-        </p:style>
-        <p:txBody>
-          <a:bodyPr anchor="t">
+            <a:ext cx="5506560" cy="410760"/>
+          </a:xfrm>
+          <a:prstGeom prst="rect">
+            <a:avLst/>
+          </a:prstGeom>
+          <a:noFill/>
+          <a:ln w="0">
+            <a:noFill/>
+          </a:ln>
+        </p:spPr>
+        <p:style>
+          <a:lnRef idx="0"/>
+          <a:fillRef idx="0"/>
+          <a:effectRef idx="0"/>
+          <a:fontRef idx="minor"/>
+        </p:style>
+        <p:txBody>
+          <a:bodyPr lIns="90000" rIns="90000" tIns="45000" bIns="45000" anchor="t">
             <a:noAutofit/>
           </a:bodyPr>
           <a:p>
@@ -14417,24 +14225,24 @@
         <p:spPr>
           <a:xfrm>
             <a:off x="123480" y="1175760"/>
-            <a:ext cx="3150720" cy="1619280"/>
-          </a:xfrm>
-          <a:prstGeom prst="rect">
-            <a:avLst/>
-          </a:prstGeom>
-          <a:noFill/>
-          <a:ln w="0">
-            <a:noFill/>
-          </a:ln>
-        </p:spPr>
-        <p:style>
-          <a:lnRef idx="0"/>
-          <a:fillRef idx="0"/>
-          <a:effectRef idx="0"/>
-          <a:fontRef idx="minor"/>
-        </p:style>
-        <p:txBody>
-          <a:bodyPr anchor="t">
+            <a:ext cx="3150360" cy="1618920"/>
+          </a:xfrm>
+          <a:prstGeom prst="rect">
+            <a:avLst/>
+          </a:prstGeom>
+          <a:noFill/>
+          <a:ln w="0">
+            <a:noFill/>
+          </a:ln>
+        </p:spPr>
+        <p:style>
+          <a:lnRef idx="0"/>
+          <a:fillRef idx="0"/>
+          <a:effectRef idx="0"/>
+          <a:fontRef idx="minor"/>
+        </p:style>
+        <p:txBody>
+          <a:bodyPr lIns="90000" rIns="90000" tIns="45000" bIns="45000" anchor="t">
             <a:normAutofit/>
           </a:bodyPr>
           <a:p>
@@ -14558,25 +14366,25 @@
         <p:spPr>
           <a:xfrm>
             <a:off x="123480" y="940320"/>
-            <a:ext cx="3150720" cy="230760"/>
-          </a:xfrm>
-          <a:prstGeom prst="rect">
-            <a:avLst/>
-          </a:prstGeom>
-          <a:noFill/>
-          <a:ln w="0">
-            <a:noFill/>
-          </a:ln>
-        </p:spPr>
-        <p:style>
-          <a:lnRef idx="0"/>
-          <a:fillRef idx="0"/>
-          <a:effectRef idx="0"/>
-          <a:fontRef idx="minor"/>
-        </p:style>
-        <p:txBody>
-          <a:bodyPr anchor="t">
-            <a:normAutofit fontScale="94000"/>
+            <a:ext cx="3150360" cy="230400"/>
+          </a:xfrm>
+          <a:prstGeom prst="rect">
+            <a:avLst/>
+          </a:prstGeom>
+          <a:noFill/>
+          <a:ln w="0">
+            <a:noFill/>
+          </a:ln>
+        </p:spPr>
+        <p:style>
+          <a:lnRef idx="0"/>
+          <a:fillRef idx="0"/>
+          <a:effectRef idx="0"/>
+          <a:fontRef idx="minor"/>
+        </p:style>
+        <p:txBody>
+          <a:bodyPr lIns="90000" rIns="90000" tIns="45000" bIns="45000" anchor="t">
+            <a:normAutofit fontScale="95000"/>
           </a:bodyPr>
           <a:p>
             <a:pPr>
@@ -14613,24 +14421,24 @@
         <p:spPr>
           <a:xfrm>
             <a:off x="1820160" y="335880"/>
-            <a:ext cx="5506920" cy="326160"/>
-          </a:xfrm>
-          <a:prstGeom prst="rect">
-            <a:avLst/>
-          </a:prstGeom>
-          <a:noFill/>
-          <a:ln w="0">
-            <a:noFill/>
-          </a:ln>
-        </p:spPr>
-        <p:style>
-          <a:lnRef idx="0"/>
-          <a:fillRef idx="0"/>
-          <a:effectRef idx="0"/>
-          <a:fontRef idx="minor"/>
-        </p:style>
-        <p:txBody>
-          <a:bodyPr anchor="t">
+            <a:ext cx="5506560" cy="325800"/>
+          </a:xfrm>
+          <a:prstGeom prst="rect">
+            <a:avLst/>
+          </a:prstGeom>
+          <a:noFill/>
+          <a:ln w="0">
+            <a:noFill/>
+          </a:ln>
+        </p:spPr>
+        <p:style>
+          <a:lnRef idx="0"/>
+          <a:fillRef idx="0"/>
+          <a:effectRef idx="0"/>
+          <a:fontRef idx="minor"/>
+        </p:style>
+        <p:txBody>
+          <a:bodyPr lIns="90000" rIns="90000" tIns="45000" bIns="45000" anchor="t">
             <a:noAutofit/>
           </a:bodyPr>
           <a:p>
@@ -14668,24 +14476,24 @@
         <p:spPr>
           <a:xfrm>
             <a:off x="1820160" y="111960"/>
-            <a:ext cx="5506920" cy="223560"/>
-          </a:xfrm>
-          <a:prstGeom prst="rect">
-            <a:avLst/>
-          </a:prstGeom>
-          <a:noFill/>
-          <a:ln w="0">
-            <a:noFill/>
-          </a:ln>
-        </p:spPr>
-        <p:style>
-          <a:lnRef idx="0"/>
-          <a:fillRef idx="0"/>
-          <a:effectRef idx="0"/>
-          <a:fontRef idx="minor"/>
-        </p:style>
-        <p:txBody>
-          <a:bodyPr anchor="t">
+            <a:ext cx="5506560" cy="223200"/>
+          </a:xfrm>
+          <a:prstGeom prst="rect">
+            <a:avLst/>
+          </a:prstGeom>
+          <a:noFill/>
+          <a:ln w="0">
+            <a:noFill/>
+          </a:ln>
+        </p:spPr>
+        <p:style>
+          <a:lnRef idx="0"/>
+          <a:fillRef idx="0"/>
+          <a:effectRef idx="0"/>
+          <a:fontRef idx="minor"/>
+        </p:style>
+        <p:txBody>
+          <a:bodyPr lIns="90000" rIns="90000" tIns="45000" bIns="45000" anchor="t">
             <a:noAutofit/>
           </a:bodyPr>
           <a:p>
@@ -14723,24 +14531,24 @@
         <p:spPr>
           <a:xfrm>
             <a:off x="1820160" y="717120"/>
-            <a:ext cx="5506920" cy="411120"/>
-          </a:xfrm>
-          <a:prstGeom prst="rect">
-            <a:avLst/>
-          </a:prstGeom>
-          <a:noFill/>
-          <a:ln w="0">
-            <a:noFill/>
-          </a:ln>
-        </p:spPr>
-        <p:style>
-          <a:lnRef idx="0"/>
-          <a:fillRef idx="0"/>
-          <a:effectRef idx="0"/>
-          <a:fontRef idx="minor"/>
-        </p:style>
-        <p:txBody>
-          <a:bodyPr anchor="t">
+            <a:ext cx="5506560" cy="410760"/>
+          </a:xfrm>
+          <a:prstGeom prst="rect">
+            <a:avLst/>
+          </a:prstGeom>
+          <a:noFill/>
+          <a:ln w="0">
+            <a:noFill/>
+          </a:ln>
+        </p:spPr>
+        <p:style>
+          <a:lnRef idx="0"/>
+          <a:fillRef idx="0"/>
+          <a:effectRef idx="0"/>
+          <a:fontRef idx="minor"/>
+        </p:style>
+        <p:txBody>
+          <a:bodyPr lIns="90000" rIns="90000" tIns="45000" bIns="45000" anchor="t">
             <a:noAutofit/>
           </a:bodyPr>
           <a:p>
@@ -14778,24 +14586,24 @@
         <p:spPr>
           <a:xfrm>
             <a:off x="123480" y="1175760"/>
-            <a:ext cx="3150720" cy="1748160"/>
-          </a:xfrm>
-          <a:prstGeom prst="rect">
-            <a:avLst/>
-          </a:prstGeom>
-          <a:noFill/>
-          <a:ln w="0">
-            <a:noFill/>
-          </a:ln>
-        </p:spPr>
-        <p:style>
-          <a:lnRef idx="0"/>
-          <a:fillRef idx="0"/>
-          <a:effectRef idx="0"/>
-          <a:fontRef idx="minor"/>
-        </p:style>
-        <p:txBody>
-          <a:bodyPr anchor="t">
+            <a:ext cx="3150360" cy="1747800"/>
+          </a:xfrm>
+          <a:prstGeom prst="rect">
+            <a:avLst/>
+          </a:prstGeom>
+          <a:noFill/>
+          <a:ln w="0">
+            <a:noFill/>
+          </a:ln>
+        </p:spPr>
+        <p:style>
+          <a:lnRef idx="0"/>
+          <a:fillRef idx="0"/>
+          <a:effectRef idx="0"/>
+          <a:fontRef idx="minor"/>
+        </p:style>
+        <p:txBody>
+          <a:bodyPr lIns="90000" rIns="90000" tIns="45000" bIns="45000" anchor="t">
             <a:normAutofit/>
           </a:bodyPr>
           <a:p>
@@ -14889,7 +14697,7 @@
         <p:spPr>
           <a:xfrm>
             <a:off x="3584520" y="1510200"/>
-            <a:ext cx="5102280" cy="3462120"/>
+            <a:ext cx="5101920" cy="3461760"/>
           </a:xfrm>
           <a:prstGeom prst="rect">
             <a:avLst/>
@@ -14910,7 +14718,7 @@
           <a:fontRef idx="minor"/>
         </p:style>
         <p:txBody>
-          <a:bodyPr tIns="91440" bIns="91440" anchor="ctr">
+          <a:bodyPr lIns="90000" rIns="90000" tIns="91440" bIns="91440" anchor="ctr">
             <a:noAutofit/>
           </a:bodyPr>
           <a:p>
@@ -14978,25 +14786,25 @@
         <p:spPr>
           <a:xfrm>
             <a:off x="123480" y="940320"/>
-            <a:ext cx="3150720" cy="230760"/>
-          </a:xfrm>
-          <a:prstGeom prst="rect">
-            <a:avLst/>
-          </a:prstGeom>
-          <a:noFill/>
-          <a:ln w="0">
-            <a:noFill/>
-          </a:ln>
-        </p:spPr>
-        <p:style>
-          <a:lnRef idx="0"/>
-          <a:fillRef idx="0"/>
-          <a:effectRef idx="0"/>
-          <a:fontRef idx="minor"/>
-        </p:style>
-        <p:txBody>
-          <a:bodyPr anchor="t">
-            <a:normAutofit fontScale="94000"/>
+            <a:ext cx="3150360" cy="230400"/>
+          </a:xfrm>
+          <a:prstGeom prst="rect">
+            <a:avLst/>
+          </a:prstGeom>
+          <a:noFill/>
+          <a:ln w="0">
+            <a:noFill/>
+          </a:ln>
+        </p:spPr>
+        <p:style>
+          <a:lnRef idx="0"/>
+          <a:fillRef idx="0"/>
+          <a:effectRef idx="0"/>
+          <a:fontRef idx="minor"/>
+        </p:style>
+        <p:txBody>
+          <a:bodyPr lIns="90000" rIns="90000" tIns="45000" bIns="45000" anchor="t">
+            <a:normAutofit fontScale="95000"/>
           </a:bodyPr>
           <a:p>
             <a:pPr>
@@ -15033,7 +14841,7 @@
         <p:spPr>
           <a:xfrm>
             <a:off x="3397680" y="1510200"/>
-            <a:ext cx="5289120" cy="3213360"/>
+            <a:ext cx="5288760" cy="3213000"/>
           </a:xfrm>
           <a:prstGeom prst="rect">
             <a:avLst/>
@@ -15054,7 +14862,7 @@
           <a:fontRef idx="minor"/>
         </p:style>
         <p:txBody>
-          <a:bodyPr tIns="91440" bIns="91440" anchor="ctr">
+          <a:bodyPr lIns="90000" rIns="90000" tIns="91440" bIns="91440" anchor="ctr">
             <a:noAutofit/>
           </a:bodyPr>
           <a:p>
@@ -15092,24 +14900,24 @@
         <p:spPr>
           <a:xfrm>
             <a:off x="1820160" y="335880"/>
-            <a:ext cx="5506920" cy="326160"/>
-          </a:xfrm>
-          <a:prstGeom prst="rect">
-            <a:avLst/>
-          </a:prstGeom>
-          <a:noFill/>
-          <a:ln w="0">
-            <a:noFill/>
-          </a:ln>
-        </p:spPr>
-        <p:style>
-          <a:lnRef idx="0"/>
-          <a:fillRef idx="0"/>
-          <a:effectRef idx="0"/>
-          <a:fontRef idx="minor"/>
-        </p:style>
-        <p:txBody>
-          <a:bodyPr anchor="t">
+            <a:ext cx="5506560" cy="325800"/>
+          </a:xfrm>
+          <a:prstGeom prst="rect">
+            <a:avLst/>
+          </a:prstGeom>
+          <a:noFill/>
+          <a:ln w="0">
+            <a:noFill/>
+          </a:ln>
+        </p:spPr>
+        <p:style>
+          <a:lnRef idx="0"/>
+          <a:fillRef idx="0"/>
+          <a:effectRef idx="0"/>
+          <a:fontRef idx="minor"/>
+        </p:style>
+        <p:txBody>
+          <a:bodyPr lIns="90000" rIns="90000" tIns="45000" bIns="45000" anchor="t">
             <a:noAutofit/>
           </a:bodyPr>
           <a:p>
@@ -15147,24 +14955,24 @@
         <p:spPr>
           <a:xfrm>
             <a:off x="1820160" y="111960"/>
-            <a:ext cx="5506920" cy="223560"/>
-          </a:xfrm>
-          <a:prstGeom prst="rect">
-            <a:avLst/>
-          </a:prstGeom>
-          <a:noFill/>
-          <a:ln w="0">
-            <a:noFill/>
-          </a:ln>
-        </p:spPr>
-        <p:style>
-          <a:lnRef idx="0"/>
-          <a:fillRef idx="0"/>
-          <a:effectRef idx="0"/>
-          <a:fontRef idx="minor"/>
-        </p:style>
-        <p:txBody>
-          <a:bodyPr anchor="t">
+            <a:ext cx="5506560" cy="223200"/>
+          </a:xfrm>
+          <a:prstGeom prst="rect">
+            <a:avLst/>
+          </a:prstGeom>
+          <a:noFill/>
+          <a:ln w="0">
+            <a:noFill/>
+          </a:ln>
+        </p:spPr>
+        <p:style>
+          <a:lnRef idx="0"/>
+          <a:fillRef idx="0"/>
+          <a:effectRef idx="0"/>
+          <a:fontRef idx="minor"/>
+        </p:style>
+        <p:txBody>
+          <a:bodyPr lIns="90000" rIns="90000" tIns="45000" bIns="45000" anchor="t">
             <a:noAutofit/>
           </a:bodyPr>
           <a:p>
@@ -15202,24 +15010,24 @@
         <p:spPr>
           <a:xfrm>
             <a:off x="1820160" y="717120"/>
-            <a:ext cx="5506920" cy="411120"/>
-          </a:xfrm>
-          <a:prstGeom prst="rect">
-            <a:avLst/>
-          </a:prstGeom>
-          <a:noFill/>
-          <a:ln w="0">
-            <a:noFill/>
-          </a:ln>
-        </p:spPr>
-        <p:style>
-          <a:lnRef idx="0"/>
-          <a:fillRef idx="0"/>
-          <a:effectRef idx="0"/>
-          <a:fontRef idx="minor"/>
-        </p:style>
-        <p:txBody>
-          <a:bodyPr anchor="t">
+            <a:ext cx="5506560" cy="410760"/>
+          </a:xfrm>
+          <a:prstGeom prst="rect">
+            <a:avLst/>
+          </a:prstGeom>
+          <a:noFill/>
+          <a:ln w="0">
+            <a:noFill/>
+          </a:ln>
+        </p:spPr>
+        <p:style>
+          <a:lnRef idx="0"/>
+          <a:fillRef idx="0"/>
+          <a:effectRef idx="0"/>
+          <a:fontRef idx="minor"/>
+        </p:style>
+        <p:txBody>
+          <a:bodyPr lIns="90000" rIns="90000" tIns="45000" bIns="45000" anchor="t">
             <a:noAutofit/>
           </a:bodyPr>
           <a:p>
@@ -15257,24 +15065,24 @@
         <p:spPr>
           <a:xfrm>
             <a:off x="123480" y="1175760"/>
-            <a:ext cx="3150720" cy="1395720"/>
-          </a:xfrm>
-          <a:prstGeom prst="rect">
-            <a:avLst/>
-          </a:prstGeom>
-          <a:noFill/>
-          <a:ln w="0">
-            <a:noFill/>
-          </a:ln>
-        </p:spPr>
-        <p:style>
-          <a:lnRef idx="0"/>
-          <a:fillRef idx="0"/>
-          <a:effectRef idx="0"/>
-          <a:fontRef idx="minor"/>
-        </p:style>
-        <p:txBody>
-          <a:bodyPr anchor="t">
+            <a:ext cx="3150360" cy="1395360"/>
+          </a:xfrm>
+          <a:prstGeom prst="rect">
+            <a:avLst/>
+          </a:prstGeom>
+          <a:noFill/>
+          <a:ln w="0">
+            <a:noFill/>
+          </a:ln>
+        </p:spPr>
+        <p:style>
+          <a:lnRef idx="0"/>
+          <a:fillRef idx="0"/>
+          <a:effectRef idx="0"/>
+          <a:fontRef idx="minor"/>
+        </p:style>
+        <p:txBody>
+          <a:bodyPr lIns="90000" rIns="90000" tIns="45000" bIns="45000" anchor="t">
             <a:normAutofit/>
           </a:bodyPr>
           <a:p>
@@ -15510,25 +15318,25 @@
         <p:spPr>
           <a:xfrm>
             <a:off x="123480" y="940320"/>
-            <a:ext cx="3150720" cy="230760"/>
-          </a:xfrm>
-          <a:prstGeom prst="rect">
-            <a:avLst/>
-          </a:prstGeom>
-          <a:noFill/>
-          <a:ln w="0">
-            <a:noFill/>
-          </a:ln>
-        </p:spPr>
-        <p:style>
-          <a:lnRef idx="0"/>
-          <a:fillRef idx="0"/>
-          <a:effectRef idx="0"/>
-          <a:fontRef idx="minor"/>
-        </p:style>
-        <p:txBody>
-          <a:bodyPr anchor="t">
-            <a:normAutofit fontScale="94000"/>
+            <a:ext cx="3150360" cy="230400"/>
+          </a:xfrm>
+          <a:prstGeom prst="rect">
+            <a:avLst/>
+          </a:prstGeom>
+          <a:noFill/>
+          <a:ln w="0">
+            <a:noFill/>
+          </a:ln>
+        </p:spPr>
+        <p:style>
+          <a:lnRef idx="0"/>
+          <a:fillRef idx="0"/>
+          <a:effectRef idx="0"/>
+          <a:fontRef idx="minor"/>
+        </p:style>
+        <p:txBody>
+          <a:bodyPr lIns="90000" rIns="90000" tIns="45000" bIns="45000" anchor="t">
+            <a:normAutofit fontScale="95000"/>
           </a:bodyPr>
           <a:p>
             <a:pPr>
@@ -15565,7 +15373,7 @@
         <p:spPr>
           <a:xfrm>
             <a:off x="3397680" y="1510200"/>
-            <a:ext cx="5289120" cy="3213360"/>
+            <a:ext cx="5288760" cy="3213000"/>
           </a:xfrm>
           <a:prstGeom prst="rect">
             <a:avLst/>
@@ -15586,7 +15394,7 @@
           <a:fontRef idx="minor"/>
         </p:style>
         <p:txBody>
-          <a:bodyPr tIns="91440" bIns="91440" anchor="ctr">
+          <a:bodyPr lIns="90000" rIns="90000" tIns="91440" bIns="91440" anchor="ctr">
             <a:noAutofit/>
           </a:bodyPr>
           <a:p>
@@ -15624,24 +15432,24 @@
         <p:spPr>
           <a:xfrm>
             <a:off x="1820160" y="335880"/>
-            <a:ext cx="5506920" cy="326160"/>
-          </a:xfrm>
-          <a:prstGeom prst="rect">
-            <a:avLst/>
-          </a:prstGeom>
-          <a:noFill/>
-          <a:ln w="0">
-            <a:noFill/>
-          </a:ln>
-        </p:spPr>
-        <p:style>
-          <a:lnRef idx="0"/>
-          <a:fillRef idx="0"/>
-          <a:effectRef idx="0"/>
-          <a:fontRef idx="minor"/>
-        </p:style>
-        <p:txBody>
-          <a:bodyPr anchor="t">
+            <a:ext cx="5506560" cy="325800"/>
+          </a:xfrm>
+          <a:prstGeom prst="rect">
+            <a:avLst/>
+          </a:prstGeom>
+          <a:noFill/>
+          <a:ln w="0">
+            <a:noFill/>
+          </a:ln>
+        </p:spPr>
+        <p:style>
+          <a:lnRef idx="0"/>
+          <a:fillRef idx="0"/>
+          <a:effectRef idx="0"/>
+          <a:fontRef idx="minor"/>
+        </p:style>
+        <p:txBody>
+          <a:bodyPr lIns="90000" rIns="90000" tIns="45000" bIns="45000" anchor="t">
             <a:noAutofit/>
           </a:bodyPr>
           <a:p>
@@ -15679,24 +15487,24 @@
         <p:spPr>
           <a:xfrm>
             <a:off x="1820160" y="111960"/>
-            <a:ext cx="5506920" cy="223560"/>
-          </a:xfrm>
-          <a:prstGeom prst="rect">
-            <a:avLst/>
-          </a:prstGeom>
-          <a:noFill/>
-          <a:ln w="0">
-            <a:noFill/>
-          </a:ln>
-        </p:spPr>
-        <p:style>
-          <a:lnRef idx="0"/>
-          <a:fillRef idx="0"/>
-          <a:effectRef idx="0"/>
-          <a:fontRef idx="minor"/>
-        </p:style>
-        <p:txBody>
-          <a:bodyPr anchor="t">
+            <a:ext cx="5506560" cy="223200"/>
+          </a:xfrm>
+          <a:prstGeom prst="rect">
+            <a:avLst/>
+          </a:prstGeom>
+          <a:noFill/>
+          <a:ln w="0">
+            <a:noFill/>
+          </a:ln>
+        </p:spPr>
+        <p:style>
+          <a:lnRef idx="0"/>
+          <a:fillRef idx="0"/>
+          <a:effectRef idx="0"/>
+          <a:fontRef idx="minor"/>
+        </p:style>
+        <p:txBody>
+          <a:bodyPr lIns="90000" rIns="90000" tIns="45000" bIns="45000" anchor="t">
             <a:noAutofit/>
           </a:bodyPr>
           <a:p>
@@ -15734,24 +15542,24 @@
         <p:spPr>
           <a:xfrm>
             <a:off x="1820160" y="717120"/>
-            <a:ext cx="5506920" cy="411120"/>
-          </a:xfrm>
-          <a:prstGeom prst="rect">
-            <a:avLst/>
-          </a:prstGeom>
-          <a:noFill/>
-          <a:ln w="0">
-            <a:noFill/>
-          </a:ln>
-        </p:spPr>
-        <p:style>
-          <a:lnRef idx="0"/>
-          <a:fillRef idx="0"/>
-          <a:effectRef idx="0"/>
-          <a:fontRef idx="minor"/>
-        </p:style>
-        <p:txBody>
-          <a:bodyPr anchor="t">
+            <a:ext cx="5506560" cy="410760"/>
+          </a:xfrm>
+          <a:prstGeom prst="rect">
+            <a:avLst/>
+          </a:prstGeom>
+          <a:noFill/>
+          <a:ln w="0">
+            <a:noFill/>
+          </a:ln>
+        </p:spPr>
+        <p:style>
+          <a:lnRef idx="0"/>
+          <a:fillRef idx="0"/>
+          <a:effectRef idx="0"/>
+          <a:fontRef idx="minor"/>
+        </p:style>
+        <p:txBody>
+          <a:bodyPr lIns="90000" rIns="90000" tIns="45000" bIns="45000" anchor="t">
             <a:noAutofit/>
           </a:bodyPr>
           <a:p>
@@ -15789,24 +15597,24 @@
         <p:spPr>
           <a:xfrm>
             <a:off x="123480" y="1175760"/>
-            <a:ext cx="3150720" cy="1833120"/>
-          </a:xfrm>
-          <a:prstGeom prst="rect">
-            <a:avLst/>
-          </a:prstGeom>
-          <a:noFill/>
-          <a:ln w="0">
-            <a:noFill/>
-          </a:ln>
-        </p:spPr>
-        <p:style>
-          <a:lnRef idx="0"/>
-          <a:fillRef idx="0"/>
-          <a:effectRef idx="0"/>
-          <a:fontRef idx="minor"/>
-        </p:style>
-        <p:txBody>
-          <a:bodyPr anchor="t">
+            <a:ext cx="3150360" cy="1832760"/>
+          </a:xfrm>
+          <a:prstGeom prst="rect">
+            <a:avLst/>
+          </a:prstGeom>
+          <a:noFill/>
+          <a:ln w="0">
+            <a:noFill/>
+          </a:ln>
+        </p:spPr>
+        <p:style>
+          <a:lnRef idx="0"/>
+          <a:fillRef idx="0"/>
+          <a:effectRef idx="0"/>
+          <a:fontRef idx="minor"/>
+        </p:style>
+        <p:txBody>
+          <a:bodyPr lIns="90000" rIns="90000" tIns="45000" bIns="45000" anchor="t">
             <a:normAutofit/>
           </a:bodyPr>
           <a:p>
@@ -16070,25 +15878,25 @@
         <p:spPr>
           <a:xfrm>
             <a:off x="123480" y="940320"/>
-            <a:ext cx="3150720" cy="230760"/>
-          </a:xfrm>
-          <a:prstGeom prst="rect">
-            <a:avLst/>
-          </a:prstGeom>
-          <a:noFill/>
-          <a:ln w="0">
-            <a:noFill/>
-          </a:ln>
-        </p:spPr>
-        <p:style>
-          <a:lnRef idx="0"/>
-          <a:fillRef idx="0"/>
-          <a:effectRef idx="0"/>
-          <a:fontRef idx="minor"/>
-        </p:style>
-        <p:txBody>
-          <a:bodyPr anchor="t">
-            <a:normAutofit fontScale="94000"/>
+            <a:ext cx="3150360" cy="230400"/>
+          </a:xfrm>
+          <a:prstGeom prst="rect">
+            <a:avLst/>
+          </a:prstGeom>
+          <a:noFill/>
+          <a:ln w="0">
+            <a:noFill/>
+          </a:ln>
+        </p:spPr>
+        <p:style>
+          <a:lnRef idx="0"/>
+          <a:fillRef idx="0"/>
+          <a:effectRef idx="0"/>
+          <a:fontRef idx="minor"/>
+        </p:style>
+        <p:txBody>
+          <a:bodyPr lIns="90000" rIns="90000" tIns="45000" bIns="45000" anchor="t">
+            <a:normAutofit fontScale="95000"/>
           </a:bodyPr>
           <a:p>
             <a:pPr>
@@ -16125,7 +15933,7 @@
         <p:spPr>
           <a:xfrm>
             <a:off x="3397680" y="1510200"/>
-            <a:ext cx="5289120" cy="3213360"/>
+            <a:ext cx="5288760" cy="3213000"/>
           </a:xfrm>
           <a:prstGeom prst="rect">
             <a:avLst/>
@@ -16146,7 +15954,7 @@
           <a:fontRef idx="minor"/>
         </p:style>
         <p:txBody>
-          <a:bodyPr tIns="91440" bIns="91440" anchor="ctr">
+          <a:bodyPr lIns="90000" rIns="90000" tIns="91440" bIns="91440" anchor="ctr">
             <a:noAutofit/>
           </a:bodyPr>
           <a:p>
@@ -16184,24 +15992,24 @@
         <p:spPr>
           <a:xfrm>
             <a:off x="1820160" y="335880"/>
-            <a:ext cx="5506920" cy="326160"/>
-          </a:xfrm>
-          <a:prstGeom prst="rect">
-            <a:avLst/>
-          </a:prstGeom>
-          <a:noFill/>
-          <a:ln w="0">
-            <a:noFill/>
-          </a:ln>
-        </p:spPr>
-        <p:style>
-          <a:lnRef idx="0"/>
-          <a:fillRef idx="0"/>
-          <a:effectRef idx="0"/>
-          <a:fontRef idx="minor"/>
-        </p:style>
-        <p:txBody>
-          <a:bodyPr anchor="t">
+            <a:ext cx="5506560" cy="325800"/>
+          </a:xfrm>
+          <a:prstGeom prst="rect">
+            <a:avLst/>
+          </a:prstGeom>
+          <a:noFill/>
+          <a:ln w="0">
+            <a:noFill/>
+          </a:ln>
+        </p:spPr>
+        <p:style>
+          <a:lnRef idx="0"/>
+          <a:fillRef idx="0"/>
+          <a:effectRef idx="0"/>
+          <a:fontRef idx="minor"/>
+        </p:style>
+        <p:txBody>
+          <a:bodyPr lIns="90000" rIns="90000" tIns="45000" bIns="45000" anchor="t">
             <a:noAutofit/>
           </a:bodyPr>
           <a:p>
@@ -16239,24 +16047,24 @@
         <p:spPr>
           <a:xfrm>
             <a:off x="1820160" y="111960"/>
-            <a:ext cx="5506920" cy="223560"/>
-          </a:xfrm>
-          <a:prstGeom prst="rect">
-            <a:avLst/>
-          </a:prstGeom>
-          <a:noFill/>
-          <a:ln w="0">
-            <a:noFill/>
-          </a:ln>
-        </p:spPr>
-        <p:style>
-          <a:lnRef idx="0"/>
-          <a:fillRef idx="0"/>
-          <a:effectRef idx="0"/>
-          <a:fontRef idx="minor"/>
-        </p:style>
-        <p:txBody>
-          <a:bodyPr anchor="t">
+            <a:ext cx="5506560" cy="223200"/>
+          </a:xfrm>
+          <a:prstGeom prst="rect">
+            <a:avLst/>
+          </a:prstGeom>
+          <a:noFill/>
+          <a:ln w="0">
+            <a:noFill/>
+          </a:ln>
+        </p:spPr>
+        <p:style>
+          <a:lnRef idx="0"/>
+          <a:fillRef idx="0"/>
+          <a:effectRef idx="0"/>
+          <a:fontRef idx="minor"/>
+        </p:style>
+        <p:txBody>
+          <a:bodyPr lIns="90000" rIns="90000" tIns="45000" bIns="45000" anchor="t">
             <a:noAutofit/>
           </a:bodyPr>
           <a:p>
@@ -16294,24 +16102,24 @@
         <p:spPr>
           <a:xfrm>
             <a:off x="1820160" y="717120"/>
-            <a:ext cx="5506920" cy="411120"/>
-          </a:xfrm>
-          <a:prstGeom prst="rect">
-            <a:avLst/>
-          </a:prstGeom>
-          <a:noFill/>
-          <a:ln w="0">
-            <a:noFill/>
-          </a:ln>
-        </p:spPr>
-        <p:style>
-          <a:lnRef idx="0"/>
-          <a:fillRef idx="0"/>
-          <a:effectRef idx="0"/>
-          <a:fontRef idx="minor"/>
-        </p:style>
-        <p:txBody>
-          <a:bodyPr anchor="t">
+            <a:ext cx="5506560" cy="410760"/>
+          </a:xfrm>
+          <a:prstGeom prst="rect">
+            <a:avLst/>
+          </a:prstGeom>
+          <a:noFill/>
+          <a:ln w="0">
+            <a:noFill/>
+          </a:ln>
+        </p:spPr>
+        <p:style>
+          <a:lnRef idx="0"/>
+          <a:fillRef idx="0"/>
+          <a:effectRef idx="0"/>
+          <a:fontRef idx="minor"/>
+        </p:style>
+        <p:txBody>
+          <a:bodyPr lIns="90000" rIns="90000" tIns="45000" bIns="45000" anchor="t">
             <a:noAutofit/>
           </a:bodyPr>
           <a:p>
@@ -16349,24 +16157,24 @@
         <p:spPr>
           <a:xfrm>
             <a:off x="123480" y="1175760"/>
-            <a:ext cx="3150720" cy="1833120"/>
-          </a:xfrm>
-          <a:prstGeom prst="rect">
-            <a:avLst/>
-          </a:prstGeom>
-          <a:noFill/>
-          <a:ln w="0">
-            <a:noFill/>
-          </a:ln>
-        </p:spPr>
-        <p:style>
-          <a:lnRef idx="0"/>
-          <a:fillRef idx="0"/>
-          <a:effectRef idx="0"/>
-          <a:fontRef idx="minor"/>
-        </p:style>
-        <p:txBody>
-          <a:bodyPr anchor="t">
+            <a:ext cx="3150360" cy="1832760"/>
+          </a:xfrm>
+          <a:prstGeom prst="rect">
+            <a:avLst/>
+          </a:prstGeom>
+          <a:noFill/>
+          <a:ln w="0">
+            <a:noFill/>
+          </a:ln>
+        </p:spPr>
+        <p:style>
+          <a:lnRef idx="0"/>
+          <a:fillRef idx="0"/>
+          <a:effectRef idx="0"/>
+          <a:fontRef idx="minor"/>
+        </p:style>
+        <p:txBody>
+          <a:bodyPr lIns="90000" rIns="90000" tIns="45000" bIns="45000" anchor="t">
             <a:normAutofit/>
           </a:bodyPr>
           <a:p>
@@ -16602,25 +16410,25 @@
         <p:spPr>
           <a:xfrm>
             <a:off x="123480" y="940320"/>
-            <a:ext cx="3150720" cy="230760"/>
-          </a:xfrm>
-          <a:prstGeom prst="rect">
-            <a:avLst/>
-          </a:prstGeom>
-          <a:noFill/>
-          <a:ln w="0">
-            <a:noFill/>
-          </a:ln>
-        </p:spPr>
-        <p:style>
-          <a:lnRef idx="0"/>
-          <a:fillRef idx="0"/>
-          <a:effectRef idx="0"/>
-          <a:fontRef idx="minor"/>
-        </p:style>
-        <p:txBody>
-          <a:bodyPr anchor="t">
-            <a:normAutofit fontScale="94000"/>
+            <a:ext cx="3150360" cy="230400"/>
+          </a:xfrm>
+          <a:prstGeom prst="rect">
+            <a:avLst/>
+          </a:prstGeom>
+          <a:noFill/>
+          <a:ln w="0">
+            <a:noFill/>
+          </a:ln>
+        </p:spPr>
+        <p:style>
+          <a:lnRef idx="0"/>
+          <a:fillRef idx="0"/>
+          <a:effectRef idx="0"/>
+          <a:fontRef idx="minor"/>
+        </p:style>
+        <p:txBody>
+          <a:bodyPr lIns="90000" rIns="90000" tIns="45000" bIns="45000" anchor="t">
+            <a:normAutofit fontScale="95000"/>
           </a:bodyPr>
           <a:p>
             <a:pPr>
@@ -16657,7 +16465,7 @@
         <p:spPr>
           <a:xfrm>
             <a:off x="3397680" y="1510200"/>
-            <a:ext cx="5289120" cy="3213360"/>
+            <a:ext cx="5288760" cy="3213000"/>
           </a:xfrm>
           <a:prstGeom prst="rect">
             <a:avLst/>
@@ -16678,7 +16486,7 @@
           <a:fontRef idx="minor"/>
         </p:style>
         <p:txBody>
-          <a:bodyPr tIns="91440" bIns="91440" anchor="ctr">
+          <a:bodyPr lIns="90000" rIns="90000" tIns="91440" bIns="91440" anchor="ctr">
             <a:noAutofit/>
           </a:bodyPr>
           <a:p>
@@ -16716,24 +16524,24 @@
         <p:spPr>
           <a:xfrm>
             <a:off x="1820160" y="335880"/>
-            <a:ext cx="5506920" cy="326160"/>
-          </a:xfrm>
-          <a:prstGeom prst="rect">
-            <a:avLst/>
-          </a:prstGeom>
-          <a:noFill/>
-          <a:ln w="0">
-            <a:noFill/>
-          </a:ln>
-        </p:spPr>
-        <p:style>
-          <a:lnRef idx="0"/>
-          <a:fillRef idx="0"/>
-          <a:effectRef idx="0"/>
-          <a:fontRef idx="minor"/>
-        </p:style>
-        <p:txBody>
-          <a:bodyPr anchor="t">
+            <a:ext cx="5506560" cy="325800"/>
+          </a:xfrm>
+          <a:prstGeom prst="rect">
+            <a:avLst/>
+          </a:prstGeom>
+          <a:noFill/>
+          <a:ln w="0">
+            <a:noFill/>
+          </a:ln>
+        </p:spPr>
+        <p:style>
+          <a:lnRef idx="0"/>
+          <a:fillRef idx="0"/>
+          <a:effectRef idx="0"/>
+          <a:fontRef idx="minor"/>
+        </p:style>
+        <p:txBody>
+          <a:bodyPr lIns="90000" rIns="90000" tIns="45000" bIns="45000" anchor="t">
             <a:noAutofit/>
           </a:bodyPr>
           <a:p>
@@ -16771,24 +16579,24 @@
         <p:spPr>
           <a:xfrm>
             <a:off x="1820160" y="111960"/>
-            <a:ext cx="5506920" cy="223560"/>
-          </a:xfrm>
-          <a:prstGeom prst="rect">
-            <a:avLst/>
-          </a:prstGeom>
-          <a:noFill/>
-          <a:ln w="0">
-            <a:noFill/>
-          </a:ln>
-        </p:spPr>
-        <p:style>
-          <a:lnRef idx="0"/>
-          <a:fillRef idx="0"/>
-          <a:effectRef idx="0"/>
-          <a:fontRef idx="minor"/>
-        </p:style>
-        <p:txBody>
-          <a:bodyPr anchor="t">
+            <a:ext cx="5506560" cy="223200"/>
+          </a:xfrm>
+          <a:prstGeom prst="rect">
+            <a:avLst/>
+          </a:prstGeom>
+          <a:noFill/>
+          <a:ln w="0">
+            <a:noFill/>
+          </a:ln>
+        </p:spPr>
+        <p:style>
+          <a:lnRef idx="0"/>
+          <a:fillRef idx="0"/>
+          <a:effectRef idx="0"/>
+          <a:fontRef idx="minor"/>
+        </p:style>
+        <p:txBody>
+          <a:bodyPr lIns="90000" rIns="90000" tIns="45000" bIns="45000" anchor="t">
             <a:noAutofit/>
           </a:bodyPr>
           <a:p>
@@ -16826,24 +16634,24 @@
         <p:spPr>
           <a:xfrm>
             <a:off x="1820160" y="717120"/>
-            <a:ext cx="5506920" cy="411120"/>
-          </a:xfrm>
-          <a:prstGeom prst="rect">
-            <a:avLst/>
-          </a:prstGeom>
-          <a:noFill/>
-          <a:ln w="0">
-            <a:noFill/>
-          </a:ln>
-        </p:spPr>
-        <p:style>
-          <a:lnRef idx="0"/>
-          <a:fillRef idx="0"/>
-          <a:effectRef idx="0"/>
-          <a:fontRef idx="minor"/>
-        </p:style>
-        <p:txBody>
-          <a:bodyPr anchor="t">
+            <a:ext cx="5506560" cy="410760"/>
+          </a:xfrm>
+          <a:prstGeom prst="rect">
+            <a:avLst/>
+          </a:prstGeom>
+          <a:noFill/>
+          <a:ln w="0">
+            <a:noFill/>
+          </a:ln>
+        </p:spPr>
+        <p:style>
+          <a:lnRef idx="0"/>
+          <a:fillRef idx="0"/>
+          <a:effectRef idx="0"/>
+          <a:fontRef idx="minor"/>
+        </p:style>
+        <p:txBody>
+          <a:bodyPr lIns="90000" rIns="90000" tIns="45000" bIns="45000" anchor="t">
             <a:noAutofit/>
           </a:bodyPr>
           <a:p>
@@ -16881,24 +16689,24 @@
         <p:spPr>
           <a:xfrm>
             <a:off x="123480" y="1175760"/>
-            <a:ext cx="3150720" cy="1833120"/>
-          </a:xfrm>
-          <a:prstGeom prst="rect">
-            <a:avLst/>
-          </a:prstGeom>
-          <a:noFill/>
-          <a:ln w="0">
-            <a:noFill/>
-          </a:ln>
-        </p:spPr>
-        <p:style>
-          <a:lnRef idx="0"/>
-          <a:fillRef idx="0"/>
-          <a:effectRef idx="0"/>
-          <a:fontRef idx="minor"/>
-        </p:style>
-        <p:txBody>
-          <a:bodyPr anchor="t">
+            <a:ext cx="3150360" cy="1832760"/>
+          </a:xfrm>
+          <a:prstGeom prst="rect">
+            <a:avLst/>
+          </a:prstGeom>
+          <a:noFill/>
+          <a:ln w="0">
+            <a:noFill/>
+          </a:ln>
+        </p:spPr>
+        <p:style>
+          <a:lnRef idx="0"/>
+          <a:fillRef idx="0"/>
+          <a:effectRef idx="0"/>
+          <a:fontRef idx="minor"/>
+        </p:style>
+        <p:txBody>
+          <a:bodyPr lIns="90000" rIns="90000" tIns="45000" bIns="45000" anchor="t">
             <a:normAutofit/>
           </a:bodyPr>
           <a:p>
@@ -16992,7 +16800,7 @@
         <p:spPr>
           <a:xfrm>
             <a:off x="213120" y="2661480"/>
-            <a:ext cx="3068640" cy="1833120"/>
+            <a:ext cx="3068280" cy="1832760"/>
           </a:xfrm>
           <a:prstGeom prst="rect">
             <a:avLst/>
@@ -17013,7 +16821,7 @@
           <a:fontRef idx="minor"/>
         </p:style>
         <p:txBody>
-          <a:bodyPr tIns="91440" bIns="91440" anchor="ctr">
+          <a:bodyPr lIns="90000" rIns="90000" tIns="91440" bIns="91440" anchor="ctr">
             <a:noAutofit/>
           </a:bodyPr>
           <a:p>
@@ -17081,25 +16889,25 @@
         <p:spPr>
           <a:xfrm>
             <a:off x="123480" y="940320"/>
-            <a:ext cx="3150720" cy="230760"/>
-          </a:xfrm>
-          <a:prstGeom prst="rect">
-            <a:avLst/>
-          </a:prstGeom>
-          <a:noFill/>
-          <a:ln w="0">
-            <a:noFill/>
-          </a:ln>
-        </p:spPr>
-        <p:style>
-          <a:lnRef idx="0"/>
-          <a:fillRef idx="0"/>
-          <a:effectRef idx="0"/>
-          <a:fontRef idx="minor"/>
-        </p:style>
-        <p:txBody>
-          <a:bodyPr anchor="t">
-            <a:normAutofit fontScale="94000"/>
+            <a:ext cx="3150360" cy="230400"/>
+          </a:xfrm>
+          <a:prstGeom prst="rect">
+            <a:avLst/>
+          </a:prstGeom>
+          <a:noFill/>
+          <a:ln w="0">
+            <a:noFill/>
+          </a:ln>
+        </p:spPr>
+        <p:style>
+          <a:lnRef idx="0"/>
+          <a:fillRef idx="0"/>
+          <a:effectRef idx="0"/>
+          <a:fontRef idx="minor"/>
+        </p:style>
+        <p:txBody>
+          <a:bodyPr lIns="90000" rIns="90000" tIns="45000" bIns="45000" anchor="t">
+            <a:normAutofit fontScale="95000"/>
           </a:bodyPr>
           <a:p>
             <a:pPr>
@@ -17136,7 +16944,7 @@
         <p:spPr>
           <a:xfrm>
             <a:off x="3397680" y="1510200"/>
-            <a:ext cx="5289120" cy="3213360"/>
+            <a:ext cx="5288760" cy="3213000"/>
           </a:xfrm>
           <a:prstGeom prst="rect">
             <a:avLst/>
@@ -17157,7 +16965,7 @@
           <a:fontRef idx="minor"/>
         </p:style>
         <p:txBody>
-          <a:bodyPr tIns="91440" bIns="91440" anchor="ctr">
+          <a:bodyPr lIns="90000" rIns="90000" tIns="91440" bIns="91440" anchor="ctr">
             <a:noAutofit/>
           </a:bodyPr>
           <a:p>
@@ -17195,24 +17003,24 @@
         <p:spPr>
           <a:xfrm>
             <a:off x="1820160" y="335880"/>
-            <a:ext cx="5506920" cy="326160"/>
-          </a:xfrm>
-          <a:prstGeom prst="rect">
-            <a:avLst/>
-          </a:prstGeom>
-          <a:noFill/>
-          <a:ln w="0">
-            <a:noFill/>
-          </a:ln>
-        </p:spPr>
-        <p:style>
-          <a:lnRef idx="0"/>
-          <a:fillRef idx="0"/>
-          <a:effectRef idx="0"/>
-          <a:fontRef idx="minor"/>
-        </p:style>
-        <p:txBody>
-          <a:bodyPr anchor="t">
+            <a:ext cx="5506560" cy="325800"/>
+          </a:xfrm>
+          <a:prstGeom prst="rect">
+            <a:avLst/>
+          </a:prstGeom>
+          <a:noFill/>
+          <a:ln w="0">
+            <a:noFill/>
+          </a:ln>
+        </p:spPr>
+        <p:style>
+          <a:lnRef idx="0"/>
+          <a:fillRef idx="0"/>
+          <a:effectRef idx="0"/>
+          <a:fontRef idx="minor"/>
+        </p:style>
+        <p:txBody>
+          <a:bodyPr lIns="90000" rIns="90000" tIns="45000" bIns="45000" anchor="t">
             <a:noAutofit/>
           </a:bodyPr>
           <a:p>
@@ -17250,24 +17058,24 @@
         <p:spPr>
           <a:xfrm>
             <a:off x="1820160" y="111960"/>
-            <a:ext cx="5506920" cy="223560"/>
-          </a:xfrm>
-          <a:prstGeom prst="rect">
-            <a:avLst/>
-          </a:prstGeom>
-          <a:noFill/>
-          <a:ln w="0">
-            <a:noFill/>
-          </a:ln>
-        </p:spPr>
-        <p:style>
-          <a:lnRef idx="0"/>
-          <a:fillRef idx="0"/>
-          <a:effectRef idx="0"/>
-          <a:fontRef idx="minor"/>
-        </p:style>
-        <p:txBody>
-          <a:bodyPr anchor="t">
+            <a:ext cx="5506560" cy="223200"/>
+          </a:xfrm>
+          <a:prstGeom prst="rect">
+            <a:avLst/>
+          </a:prstGeom>
+          <a:noFill/>
+          <a:ln w="0">
+            <a:noFill/>
+          </a:ln>
+        </p:spPr>
+        <p:style>
+          <a:lnRef idx="0"/>
+          <a:fillRef idx="0"/>
+          <a:effectRef idx="0"/>
+          <a:fontRef idx="minor"/>
+        </p:style>
+        <p:txBody>
+          <a:bodyPr lIns="90000" rIns="90000" tIns="45000" bIns="45000" anchor="t">
             <a:noAutofit/>
           </a:bodyPr>
           <a:p>
@@ -17305,24 +17113,24 @@
         <p:spPr>
           <a:xfrm>
             <a:off x="1820160" y="717120"/>
-            <a:ext cx="5506920" cy="411120"/>
-          </a:xfrm>
-          <a:prstGeom prst="rect">
-            <a:avLst/>
-          </a:prstGeom>
-          <a:noFill/>
-          <a:ln w="0">
-            <a:noFill/>
-          </a:ln>
-        </p:spPr>
-        <p:style>
-          <a:lnRef idx="0"/>
-          <a:fillRef idx="0"/>
-          <a:effectRef idx="0"/>
-          <a:fontRef idx="minor"/>
-        </p:style>
-        <p:txBody>
-          <a:bodyPr anchor="t">
+            <a:ext cx="5506560" cy="410760"/>
+          </a:xfrm>
+          <a:prstGeom prst="rect">
+            <a:avLst/>
+          </a:prstGeom>
+          <a:noFill/>
+          <a:ln w="0">
+            <a:noFill/>
+          </a:ln>
+        </p:spPr>
+        <p:style>
+          <a:lnRef idx="0"/>
+          <a:fillRef idx="0"/>
+          <a:effectRef idx="0"/>
+          <a:fontRef idx="minor"/>
+        </p:style>
+        <p:txBody>
+          <a:bodyPr lIns="90000" rIns="90000" tIns="45000" bIns="45000" anchor="t">
             <a:noAutofit/>
           </a:bodyPr>
           <a:p>
@@ -17360,24 +17168,24 @@
         <p:spPr>
           <a:xfrm>
             <a:off x="123480" y="1175760"/>
-            <a:ext cx="3150720" cy="1833120"/>
-          </a:xfrm>
-          <a:prstGeom prst="rect">
-            <a:avLst/>
-          </a:prstGeom>
-          <a:noFill/>
-          <a:ln w="0">
-            <a:noFill/>
-          </a:ln>
-        </p:spPr>
-        <p:style>
-          <a:lnRef idx="0"/>
-          <a:fillRef idx="0"/>
-          <a:effectRef idx="0"/>
-          <a:fontRef idx="minor"/>
-        </p:style>
-        <p:txBody>
-          <a:bodyPr anchor="t">
+            <a:ext cx="3150360" cy="1832760"/>
+          </a:xfrm>
+          <a:prstGeom prst="rect">
+            <a:avLst/>
+          </a:prstGeom>
+          <a:noFill/>
+          <a:ln w="0">
+            <a:noFill/>
+          </a:ln>
+        </p:spPr>
+        <p:style>
+          <a:lnRef idx="0"/>
+          <a:fillRef idx="0"/>
+          <a:effectRef idx="0"/>
+          <a:fontRef idx="minor"/>
+        </p:style>
+        <p:txBody>
+          <a:bodyPr lIns="90000" rIns="90000" tIns="45000" bIns="45000" anchor="t">
             <a:normAutofit/>
           </a:bodyPr>
           <a:p>
@@ -17501,25 +17309,25 @@
         <p:spPr>
           <a:xfrm>
             <a:off x="123480" y="940320"/>
-            <a:ext cx="3150720" cy="230760"/>
-          </a:xfrm>
-          <a:prstGeom prst="rect">
-            <a:avLst/>
-          </a:prstGeom>
-          <a:noFill/>
-          <a:ln w="0">
-            <a:noFill/>
-          </a:ln>
-        </p:spPr>
-        <p:style>
-          <a:lnRef idx="0"/>
-          <a:fillRef idx="0"/>
-          <a:effectRef idx="0"/>
-          <a:fontRef idx="minor"/>
-        </p:style>
-        <p:txBody>
-          <a:bodyPr anchor="t">
-            <a:normAutofit fontScale="94000"/>
+            <a:ext cx="3150360" cy="230400"/>
+          </a:xfrm>
+          <a:prstGeom prst="rect">
+            <a:avLst/>
+          </a:prstGeom>
+          <a:noFill/>
+          <a:ln w="0">
+            <a:noFill/>
+          </a:ln>
+        </p:spPr>
+        <p:style>
+          <a:lnRef idx="0"/>
+          <a:fillRef idx="0"/>
+          <a:effectRef idx="0"/>
+          <a:fontRef idx="minor"/>
+        </p:style>
+        <p:txBody>
+          <a:bodyPr lIns="90000" rIns="90000" tIns="45000" bIns="45000" anchor="t">
+            <a:normAutofit fontScale="95000"/>
           </a:bodyPr>
           <a:p>
             <a:pPr>
@@ -17556,7 +17364,7 @@
         <p:spPr>
           <a:xfrm>
             <a:off x="3397680" y="1510200"/>
-            <a:ext cx="5289120" cy="3213360"/>
+            <a:ext cx="5288760" cy="3213000"/>
           </a:xfrm>
           <a:prstGeom prst="rect">
             <a:avLst/>
@@ -17577,7 +17385,7 @@
           <a:fontRef idx="minor"/>
         </p:style>
         <p:txBody>
-          <a:bodyPr tIns="91440" bIns="91440" anchor="ctr">
+          <a:bodyPr lIns="90000" rIns="90000" tIns="91440" bIns="91440" anchor="ctr">
             <a:noAutofit/>
           </a:bodyPr>
           <a:p>
@@ -17676,24 +17484,24 @@
         <p:spPr>
           <a:xfrm>
             <a:off x="1820160" y="335880"/>
-            <a:ext cx="5506920" cy="326160"/>
-          </a:xfrm>
-          <a:prstGeom prst="rect">
-            <a:avLst/>
-          </a:prstGeom>
-          <a:noFill/>
-          <a:ln w="0">
-            <a:noFill/>
-          </a:ln>
-        </p:spPr>
-        <p:style>
-          <a:lnRef idx="0"/>
-          <a:fillRef idx="0"/>
-          <a:effectRef idx="0"/>
-          <a:fontRef idx="minor"/>
-        </p:style>
-        <p:txBody>
-          <a:bodyPr anchor="t">
+            <a:ext cx="5506560" cy="325800"/>
+          </a:xfrm>
+          <a:prstGeom prst="rect">
+            <a:avLst/>
+          </a:prstGeom>
+          <a:noFill/>
+          <a:ln w="0">
+            <a:noFill/>
+          </a:ln>
+        </p:spPr>
+        <p:style>
+          <a:lnRef idx="0"/>
+          <a:fillRef idx="0"/>
+          <a:effectRef idx="0"/>
+          <a:fontRef idx="minor"/>
+        </p:style>
+        <p:txBody>
+          <a:bodyPr lIns="90000" rIns="90000" tIns="45000" bIns="45000" anchor="t">
             <a:noAutofit/>
           </a:bodyPr>
           <a:p>
@@ -17731,24 +17539,24 @@
         <p:spPr>
           <a:xfrm>
             <a:off x="1820160" y="111960"/>
-            <a:ext cx="5506920" cy="223560"/>
-          </a:xfrm>
-          <a:prstGeom prst="rect">
-            <a:avLst/>
-          </a:prstGeom>
-          <a:noFill/>
-          <a:ln w="0">
-            <a:noFill/>
-          </a:ln>
-        </p:spPr>
-        <p:style>
-          <a:lnRef idx="0"/>
-          <a:fillRef idx="0"/>
-          <a:effectRef idx="0"/>
-          <a:fontRef idx="minor"/>
-        </p:style>
-        <p:txBody>
-          <a:bodyPr anchor="t">
+            <a:ext cx="5506560" cy="223200"/>
+          </a:xfrm>
+          <a:prstGeom prst="rect">
+            <a:avLst/>
+          </a:prstGeom>
+          <a:noFill/>
+          <a:ln w="0">
+            <a:noFill/>
+          </a:ln>
+        </p:spPr>
+        <p:style>
+          <a:lnRef idx="0"/>
+          <a:fillRef idx="0"/>
+          <a:effectRef idx="0"/>
+          <a:fontRef idx="minor"/>
+        </p:style>
+        <p:txBody>
+          <a:bodyPr lIns="90000" rIns="90000" tIns="45000" bIns="45000" anchor="t">
             <a:noAutofit/>
           </a:bodyPr>
           <a:p>
@@ -17786,24 +17594,24 @@
         <p:spPr>
           <a:xfrm>
             <a:off x="1820160" y="717120"/>
-            <a:ext cx="5506920" cy="411120"/>
-          </a:xfrm>
-          <a:prstGeom prst="rect">
-            <a:avLst/>
-          </a:prstGeom>
-          <a:noFill/>
-          <a:ln w="0">
-            <a:noFill/>
-          </a:ln>
-        </p:spPr>
-        <p:style>
-          <a:lnRef idx="0"/>
-          <a:fillRef idx="0"/>
-          <a:effectRef idx="0"/>
-          <a:fontRef idx="minor"/>
-        </p:style>
-        <p:txBody>
-          <a:bodyPr anchor="t">
+            <a:ext cx="5506560" cy="410760"/>
+          </a:xfrm>
+          <a:prstGeom prst="rect">
+            <a:avLst/>
+          </a:prstGeom>
+          <a:noFill/>
+          <a:ln w="0">
+            <a:noFill/>
+          </a:ln>
+        </p:spPr>
+        <p:style>
+          <a:lnRef idx="0"/>
+          <a:fillRef idx="0"/>
+          <a:effectRef idx="0"/>
+          <a:fontRef idx="minor"/>
+        </p:style>
+        <p:txBody>
+          <a:bodyPr lIns="90000" rIns="90000" tIns="45000" bIns="45000" anchor="t">
             <a:noAutofit/>
           </a:bodyPr>
           <a:p>
@@ -17841,24 +17649,24 @@
         <p:spPr>
           <a:xfrm>
             <a:off x="123480" y="1175760"/>
-            <a:ext cx="3150720" cy="2966760"/>
-          </a:xfrm>
-          <a:prstGeom prst="rect">
-            <a:avLst/>
-          </a:prstGeom>
-          <a:noFill/>
-          <a:ln w="0">
-            <a:noFill/>
-          </a:ln>
-        </p:spPr>
-        <p:style>
-          <a:lnRef idx="0"/>
-          <a:fillRef idx="0"/>
-          <a:effectRef idx="0"/>
-          <a:fontRef idx="minor"/>
-        </p:style>
-        <p:txBody>
-          <a:bodyPr anchor="t">
+            <a:ext cx="3150360" cy="2966400"/>
+          </a:xfrm>
+          <a:prstGeom prst="rect">
+            <a:avLst/>
+          </a:prstGeom>
+          <a:noFill/>
+          <a:ln w="0">
+            <a:noFill/>
+          </a:ln>
+        </p:spPr>
+        <p:style>
+          <a:lnRef idx="0"/>
+          <a:fillRef idx="0"/>
+          <a:effectRef idx="0"/>
+          <a:fontRef idx="minor"/>
+        </p:style>
+        <p:txBody>
+          <a:bodyPr lIns="90000" rIns="90000" tIns="45000" bIns="45000" anchor="t">
             <a:normAutofit/>
           </a:bodyPr>
           <a:p>
